--- a/images/workflow.pptx
+++ b/images/workflow.pptx
@@ -6,6 +6,7 @@
   </p:sldMasterIdLst>
   <p:sldIdLst>
     <p:sldId id="256" r:id="rId2"/>
+    <p:sldId id="257" r:id="rId3"/>
   </p:sldIdLst>
   <p:sldSz cx="6858000" cy="9906000" type="A4"/>
   <p:notesSz cx="6858000" cy="9144000"/>
@@ -243,7 +244,7 @@
           <a:p>
             <a:fld id="{8623B039-40F8-9E46-9568-CE8321AE71CD}" type="datetimeFigureOut">
               <a:rPr lang="en-GB" smtClean="0"/>
-              <a:t>02/05/2020</a:t>
+              <a:t>10/09/2020</a:t>
             </a:fld>
             <a:endParaRPr lang="en-GB"/>
           </a:p>
@@ -413,7 +414,7 @@
           <a:p>
             <a:fld id="{8623B039-40F8-9E46-9568-CE8321AE71CD}" type="datetimeFigureOut">
               <a:rPr lang="en-GB" smtClean="0"/>
-              <a:t>02/05/2020</a:t>
+              <a:t>10/09/2020</a:t>
             </a:fld>
             <a:endParaRPr lang="en-GB"/>
           </a:p>
@@ -593,7 +594,7 @@
           <a:p>
             <a:fld id="{8623B039-40F8-9E46-9568-CE8321AE71CD}" type="datetimeFigureOut">
               <a:rPr lang="en-GB" smtClean="0"/>
-              <a:t>02/05/2020</a:t>
+              <a:t>10/09/2020</a:t>
             </a:fld>
             <a:endParaRPr lang="en-GB"/>
           </a:p>
@@ -763,7 +764,7 @@
           <a:p>
             <a:fld id="{8623B039-40F8-9E46-9568-CE8321AE71CD}" type="datetimeFigureOut">
               <a:rPr lang="en-GB" smtClean="0"/>
-              <a:t>02/05/2020</a:t>
+              <a:t>10/09/2020</a:t>
             </a:fld>
             <a:endParaRPr lang="en-GB"/>
           </a:p>
@@ -1007,7 +1008,7 @@
           <a:p>
             <a:fld id="{8623B039-40F8-9E46-9568-CE8321AE71CD}" type="datetimeFigureOut">
               <a:rPr lang="en-GB" smtClean="0"/>
-              <a:t>02/05/2020</a:t>
+              <a:t>10/09/2020</a:t>
             </a:fld>
             <a:endParaRPr lang="en-GB"/>
           </a:p>
@@ -1239,7 +1240,7 @@
           <a:p>
             <a:fld id="{8623B039-40F8-9E46-9568-CE8321AE71CD}" type="datetimeFigureOut">
               <a:rPr lang="en-GB" smtClean="0"/>
-              <a:t>02/05/2020</a:t>
+              <a:t>10/09/2020</a:t>
             </a:fld>
             <a:endParaRPr lang="en-GB"/>
           </a:p>
@@ -1606,7 +1607,7 @@
           <a:p>
             <a:fld id="{8623B039-40F8-9E46-9568-CE8321AE71CD}" type="datetimeFigureOut">
               <a:rPr lang="en-GB" smtClean="0"/>
-              <a:t>02/05/2020</a:t>
+              <a:t>10/09/2020</a:t>
             </a:fld>
             <a:endParaRPr lang="en-GB"/>
           </a:p>
@@ -1724,7 +1725,7 @@
           <a:p>
             <a:fld id="{8623B039-40F8-9E46-9568-CE8321AE71CD}" type="datetimeFigureOut">
               <a:rPr lang="en-GB" smtClean="0"/>
-              <a:t>02/05/2020</a:t>
+              <a:t>10/09/2020</a:t>
             </a:fld>
             <a:endParaRPr lang="en-GB"/>
           </a:p>
@@ -1819,7 +1820,7 @@
           <a:p>
             <a:fld id="{8623B039-40F8-9E46-9568-CE8321AE71CD}" type="datetimeFigureOut">
               <a:rPr lang="en-GB" smtClean="0"/>
-              <a:t>02/05/2020</a:t>
+              <a:t>10/09/2020</a:t>
             </a:fld>
             <a:endParaRPr lang="en-GB"/>
           </a:p>
@@ -2096,7 +2097,7 @@
           <a:p>
             <a:fld id="{8623B039-40F8-9E46-9568-CE8321AE71CD}" type="datetimeFigureOut">
               <a:rPr lang="en-GB" smtClean="0"/>
-              <a:t>02/05/2020</a:t>
+              <a:t>10/09/2020</a:t>
             </a:fld>
             <a:endParaRPr lang="en-GB"/>
           </a:p>
@@ -2353,7 +2354,7 @@
           <a:p>
             <a:fld id="{8623B039-40F8-9E46-9568-CE8321AE71CD}" type="datetimeFigureOut">
               <a:rPr lang="en-GB" smtClean="0"/>
-              <a:t>02/05/2020</a:t>
+              <a:t>10/09/2020</a:t>
             </a:fld>
             <a:endParaRPr lang="en-GB"/>
           </a:p>
@@ -2566,7 +2567,7 @@
           <a:p>
             <a:fld id="{8623B039-40F8-9E46-9568-CE8321AE71CD}" type="datetimeFigureOut">
               <a:rPr lang="en-GB" smtClean="0"/>
-              <a:t>02/05/2020</a:t>
+              <a:t>10/09/2020</a:t>
             </a:fld>
             <a:endParaRPr lang="en-GB"/>
           </a:p>
@@ -4622,6 +4623,1585 @@
 </p:sld>
 </file>
 
+<file path=ppt/slides/slide2.xml><?xml version="1.0" encoding="utf-8"?>
+<p:sld xmlns:a="http://schemas.openxmlformats.org/drawingml/2006/main" xmlns:r="http://schemas.openxmlformats.org/officeDocument/2006/relationships" xmlns:p="http://schemas.openxmlformats.org/presentationml/2006/main">
+  <p:cSld>
+    <p:spTree>
+      <p:nvGrpSpPr>
+        <p:cNvPr id="1" name=""/>
+        <p:cNvGrpSpPr/>
+        <p:nvPr/>
+      </p:nvGrpSpPr>
+      <p:grpSpPr>
+        <a:xfrm>
+          <a:off x="0" y="0"/>
+          <a:ext cx="0" cy="0"/>
+          <a:chOff x="0" y="0"/>
+          <a:chExt cx="0" cy="0"/>
+        </a:xfrm>
+      </p:grpSpPr>
+      <p:sp>
+        <p:nvSpPr>
+          <p:cNvPr id="7" name="TextBox 6">
+            <a:extLst>
+              <a:ext uri="{FF2B5EF4-FFF2-40B4-BE49-F238E27FC236}">
+                <a16:creationId xmlns:a16="http://schemas.microsoft.com/office/drawing/2014/main" id="{FC1548A6-B34A-B64E-AAF2-355765E46F2F}"/>
+              </a:ext>
+            </a:extLst>
+          </p:cNvPr>
+          <p:cNvSpPr txBox="1"/>
+          <p:nvPr/>
+        </p:nvSpPr>
+        <p:spPr>
+          <a:xfrm>
+            <a:off x="1070724" y="3043512"/>
+            <a:ext cx="2420471" cy="646331"/>
+          </a:xfrm>
+          <a:prstGeom prst="rect">
+            <a:avLst/>
+          </a:prstGeom>
+          <a:noFill/>
+          <a:ln w="38100">
+            <a:gradFill flip="none" rotWithShape="1">
+              <a:gsLst>
+                <a:gs pos="89000">
+                  <a:schemeClr val="accent2"/>
+                </a:gs>
+                <a:gs pos="0">
+                  <a:schemeClr val="accent2"/>
+                </a:gs>
+                <a:gs pos="100000">
+                  <a:schemeClr val="accent1"/>
+                </a:gs>
+              </a:gsLst>
+              <a:path path="rect">
+                <a:fillToRect l="100000" t="100000"/>
+              </a:path>
+              <a:tileRect r="-100000" b="-100000"/>
+            </a:gradFill>
+          </a:ln>
+        </p:spPr>
+        <p:txBody>
+          <a:bodyPr wrap="square" rtlCol="0">
+            <a:spAutoFit/>
+          </a:bodyPr>
+          <a:lstStyle/>
+          <a:p>
+            <a:pPr algn="ctr"/>
+            <a:r>
+              <a:rPr lang="en-GB" dirty="0" err="1"/>
+              <a:t>Retopologise</a:t>
+            </a:r>
+            <a:r>
+              <a:rPr lang="en-GB" dirty="0"/>
+              <a:t> models</a:t>
+            </a:r>
+          </a:p>
+          <a:p>
+            <a:pPr algn="ctr"/>
+            <a:r>
+              <a:rPr lang="en-GB" dirty="0"/>
+              <a:t>(e.g. R, Instant Meshes)</a:t>
+            </a:r>
+          </a:p>
+        </p:txBody>
+      </p:sp>
+      <p:grpSp>
+        <p:nvGrpSpPr>
+          <p:cNvPr id="17" name="Group 16">
+            <a:extLst>
+              <a:ext uri="{FF2B5EF4-FFF2-40B4-BE49-F238E27FC236}">
+                <a16:creationId xmlns:a16="http://schemas.microsoft.com/office/drawing/2014/main" id="{8D974FCF-33AE-9C4E-88F0-4970230C7244}"/>
+              </a:ext>
+            </a:extLst>
+          </p:cNvPr>
+          <p:cNvGrpSpPr/>
+          <p:nvPr/>
+        </p:nvGrpSpPr>
+        <p:grpSpPr>
+          <a:xfrm>
+            <a:off x="1070724" y="3043512"/>
+            <a:ext cx="2420471" cy="646331"/>
+            <a:chOff x="1070724" y="3043512"/>
+            <a:chExt cx="2420471" cy="646331"/>
+          </a:xfrm>
+        </p:grpSpPr>
+        <p:cxnSp>
+          <p:nvCxnSpPr>
+            <p:cNvPr id="3" name="Straight Connector 2">
+              <a:extLst>
+                <a:ext uri="{FF2B5EF4-FFF2-40B4-BE49-F238E27FC236}">
+                  <a16:creationId xmlns:a16="http://schemas.microsoft.com/office/drawing/2014/main" id="{E6647BD2-05CE-5B46-9588-9BD7168BA39E}"/>
+                </a:ext>
+              </a:extLst>
+            </p:cNvPr>
+            <p:cNvCxnSpPr/>
+            <p:nvPr/>
+          </p:nvCxnSpPr>
+          <p:spPr>
+            <a:xfrm flipV="1">
+              <a:off x="1070724" y="3043512"/>
+              <a:ext cx="0" cy="646331"/>
+            </a:xfrm>
+            <a:prstGeom prst="line">
+              <a:avLst/>
+            </a:prstGeom>
+            <a:ln w="38100">
+              <a:solidFill>
+                <a:schemeClr val="accent1"/>
+              </a:solidFill>
+            </a:ln>
+            <a:effectLst/>
+          </p:spPr>
+          <p:style>
+            <a:lnRef idx="1">
+              <a:schemeClr val="accent1"/>
+            </a:lnRef>
+            <a:fillRef idx="0">
+              <a:schemeClr val="accent1"/>
+            </a:fillRef>
+            <a:effectRef idx="0">
+              <a:schemeClr val="accent1"/>
+            </a:effectRef>
+            <a:fontRef idx="minor">
+              <a:schemeClr val="tx1"/>
+            </a:fontRef>
+          </p:style>
+        </p:cxnSp>
+        <p:cxnSp>
+          <p:nvCxnSpPr>
+            <p:cNvPr id="33" name="Straight Connector 32">
+              <a:extLst>
+                <a:ext uri="{FF2B5EF4-FFF2-40B4-BE49-F238E27FC236}">
+                  <a16:creationId xmlns:a16="http://schemas.microsoft.com/office/drawing/2014/main" id="{8374E458-B2D5-DF4F-8E1F-554D5E71D67B}"/>
+                </a:ext>
+              </a:extLst>
+            </p:cNvPr>
+            <p:cNvCxnSpPr>
+              <a:cxnSpLocks/>
+            </p:cNvCxnSpPr>
+            <p:nvPr/>
+          </p:nvCxnSpPr>
+          <p:spPr>
+            <a:xfrm flipH="1">
+              <a:off x="1070724" y="3043512"/>
+              <a:ext cx="2420471" cy="0"/>
+            </a:xfrm>
+            <a:prstGeom prst="line">
+              <a:avLst/>
+            </a:prstGeom>
+            <a:ln w="38100">
+              <a:solidFill>
+                <a:schemeClr val="accent1"/>
+              </a:solidFill>
+            </a:ln>
+            <a:effectLst/>
+          </p:spPr>
+          <p:style>
+            <a:lnRef idx="1">
+              <a:schemeClr val="accent1"/>
+            </a:lnRef>
+            <a:fillRef idx="0">
+              <a:schemeClr val="accent1"/>
+            </a:fillRef>
+            <a:effectRef idx="0">
+              <a:schemeClr val="accent1"/>
+            </a:effectRef>
+            <a:fontRef idx="minor">
+              <a:schemeClr val="tx1"/>
+            </a:fontRef>
+          </p:style>
+        </p:cxnSp>
+        <p:cxnSp>
+          <p:nvCxnSpPr>
+            <p:cNvPr id="35" name="Straight Connector 34">
+              <a:extLst>
+                <a:ext uri="{FF2B5EF4-FFF2-40B4-BE49-F238E27FC236}">
+                  <a16:creationId xmlns:a16="http://schemas.microsoft.com/office/drawing/2014/main" id="{9E0B00BE-97C3-6B4B-BC48-A89D7F053644}"/>
+                </a:ext>
+              </a:extLst>
+            </p:cNvPr>
+            <p:cNvCxnSpPr>
+              <a:cxnSpLocks/>
+            </p:cNvCxnSpPr>
+            <p:nvPr/>
+          </p:nvCxnSpPr>
+          <p:spPr>
+            <a:xfrm flipH="1">
+              <a:off x="1070724" y="3689843"/>
+              <a:ext cx="2420471" cy="0"/>
+            </a:xfrm>
+            <a:prstGeom prst="line">
+              <a:avLst/>
+            </a:prstGeom>
+            <a:ln w="38100">
+              <a:solidFill>
+                <a:schemeClr val="accent2"/>
+              </a:solidFill>
+            </a:ln>
+            <a:effectLst/>
+          </p:spPr>
+          <p:style>
+            <a:lnRef idx="1">
+              <a:schemeClr val="accent1"/>
+            </a:lnRef>
+            <a:fillRef idx="0">
+              <a:schemeClr val="accent1"/>
+            </a:fillRef>
+            <a:effectRef idx="0">
+              <a:schemeClr val="accent1"/>
+            </a:effectRef>
+            <a:fontRef idx="minor">
+              <a:schemeClr val="tx1"/>
+            </a:fontRef>
+          </p:style>
+        </p:cxnSp>
+        <p:cxnSp>
+          <p:nvCxnSpPr>
+            <p:cNvPr id="37" name="Straight Connector 36">
+              <a:extLst>
+                <a:ext uri="{FF2B5EF4-FFF2-40B4-BE49-F238E27FC236}">
+                  <a16:creationId xmlns:a16="http://schemas.microsoft.com/office/drawing/2014/main" id="{768F9715-4BB2-1144-BE4C-DF11B3932959}"/>
+                </a:ext>
+              </a:extLst>
+            </p:cNvPr>
+            <p:cNvCxnSpPr/>
+            <p:nvPr/>
+          </p:nvCxnSpPr>
+          <p:spPr>
+            <a:xfrm flipV="1">
+              <a:off x="3491195" y="3043512"/>
+              <a:ext cx="0" cy="646331"/>
+            </a:xfrm>
+            <a:prstGeom prst="line">
+              <a:avLst/>
+            </a:prstGeom>
+            <a:ln w="38100">
+              <a:solidFill>
+                <a:schemeClr val="accent2"/>
+              </a:solidFill>
+            </a:ln>
+            <a:effectLst/>
+          </p:spPr>
+          <p:style>
+            <a:lnRef idx="1">
+              <a:schemeClr val="accent1"/>
+            </a:lnRef>
+            <a:fillRef idx="0">
+              <a:schemeClr val="accent1"/>
+            </a:fillRef>
+            <a:effectRef idx="0">
+              <a:schemeClr val="accent1"/>
+            </a:effectRef>
+            <a:fontRef idx="minor">
+              <a:schemeClr val="tx1"/>
+            </a:fontRef>
+          </p:style>
+        </p:cxnSp>
+      </p:grpSp>
+      <p:cxnSp>
+        <p:nvCxnSpPr>
+          <p:cNvPr id="16" name="Elbow Connector 15">
+            <a:extLst>
+              <a:ext uri="{FF2B5EF4-FFF2-40B4-BE49-F238E27FC236}">
+                <a16:creationId xmlns:a16="http://schemas.microsoft.com/office/drawing/2014/main" id="{3E45C845-845C-4540-B177-A0A7F28FBF66}"/>
+              </a:ext>
+            </a:extLst>
+          </p:cNvPr>
+          <p:cNvCxnSpPr>
+            <a:cxnSpLocks/>
+            <a:stCxn id="4" idx="1"/>
+            <a:endCxn id="7" idx="0"/>
+          </p:cNvCxnSpPr>
+          <p:nvPr/>
+        </p:nvCxnSpPr>
+        <p:spPr>
+          <a:xfrm rot="10800000" flipV="1">
+            <a:off x="2280960" y="685798"/>
+            <a:ext cx="324402" cy="2357714"/>
+          </a:xfrm>
+          <a:prstGeom prst="bentConnector2">
+            <a:avLst/>
+          </a:prstGeom>
+          <a:ln w="50800">
+            <a:solidFill>
+              <a:schemeClr val="bg2">
+                <a:lumMod val="75000"/>
+              </a:schemeClr>
+            </a:solidFill>
+            <a:tailEnd type="triangle" w="lg" len="med"/>
+          </a:ln>
+        </p:spPr>
+        <p:style>
+          <a:lnRef idx="1">
+            <a:schemeClr val="accent1"/>
+          </a:lnRef>
+          <a:fillRef idx="0">
+            <a:schemeClr val="accent1"/>
+          </a:fillRef>
+          <a:effectRef idx="0">
+            <a:schemeClr val="accent1"/>
+          </a:effectRef>
+          <a:fontRef idx="minor">
+            <a:schemeClr val="tx1"/>
+          </a:fontRef>
+        </p:style>
+      </p:cxnSp>
+      <p:cxnSp>
+        <p:nvCxnSpPr>
+          <p:cNvPr id="19" name="Elbow Connector 18">
+            <a:extLst>
+              <a:ext uri="{FF2B5EF4-FFF2-40B4-BE49-F238E27FC236}">
+                <a16:creationId xmlns:a16="http://schemas.microsoft.com/office/drawing/2014/main" id="{CD62276F-B004-6A4D-A50E-4E39D819C40E}"/>
+              </a:ext>
+            </a:extLst>
+          </p:cNvPr>
+          <p:cNvCxnSpPr>
+            <a:cxnSpLocks/>
+            <a:stCxn id="4" idx="3"/>
+            <a:endCxn id="5" idx="0"/>
+          </p:cNvCxnSpPr>
+          <p:nvPr/>
+        </p:nvCxnSpPr>
+        <p:spPr>
+          <a:xfrm>
+            <a:off x="5025833" y="685798"/>
+            <a:ext cx="262223" cy="2357715"/>
+          </a:xfrm>
+          <a:prstGeom prst="bentConnector2">
+            <a:avLst/>
+          </a:prstGeom>
+          <a:ln w="50800">
+            <a:solidFill>
+              <a:schemeClr val="bg2">
+                <a:lumMod val="75000"/>
+              </a:schemeClr>
+            </a:solidFill>
+            <a:tailEnd type="triangle" w="lg" len="med"/>
+          </a:ln>
+        </p:spPr>
+        <p:style>
+          <a:lnRef idx="1">
+            <a:schemeClr val="accent1"/>
+          </a:lnRef>
+          <a:fillRef idx="0">
+            <a:schemeClr val="accent1"/>
+          </a:fillRef>
+          <a:effectRef idx="0">
+            <a:schemeClr val="accent1"/>
+          </a:effectRef>
+          <a:fontRef idx="minor">
+            <a:schemeClr val="tx1"/>
+          </a:fontRef>
+        </p:style>
+      </p:cxnSp>
+      <p:cxnSp>
+        <p:nvCxnSpPr>
+          <p:cNvPr id="21" name="Straight Arrow Connector 20">
+            <a:extLst>
+              <a:ext uri="{FF2B5EF4-FFF2-40B4-BE49-F238E27FC236}">
+                <a16:creationId xmlns:a16="http://schemas.microsoft.com/office/drawing/2014/main" id="{39BAF911-F63E-5043-A9BC-089B7F25F7EA}"/>
+              </a:ext>
+            </a:extLst>
+          </p:cNvPr>
+          <p:cNvCxnSpPr>
+            <a:cxnSpLocks/>
+            <a:stCxn id="7" idx="2"/>
+            <a:endCxn id="6" idx="0"/>
+          </p:cNvCxnSpPr>
+          <p:nvPr/>
+        </p:nvCxnSpPr>
+        <p:spPr>
+          <a:xfrm>
+            <a:off x="2280960" y="3689843"/>
+            <a:ext cx="0" cy="491312"/>
+          </a:xfrm>
+          <a:prstGeom prst="straightConnector1">
+            <a:avLst/>
+          </a:prstGeom>
+          <a:ln w="50800">
+            <a:solidFill>
+              <a:schemeClr val="bg2">
+                <a:lumMod val="75000"/>
+              </a:schemeClr>
+            </a:solidFill>
+            <a:tailEnd type="triangle" w="lg" len="med"/>
+          </a:ln>
+        </p:spPr>
+        <p:style>
+          <a:lnRef idx="1">
+            <a:schemeClr val="accent1"/>
+          </a:lnRef>
+          <a:fillRef idx="0">
+            <a:schemeClr val="accent1"/>
+          </a:fillRef>
+          <a:effectRef idx="0">
+            <a:schemeClr val="accent1"/>
+          </a:effectRef>
+          <a:fontRef idx="minor">
+            <a:schemeClr val="tx1"/>
+          </a:fontRef>
+        </p:style>
+      </p:cxnSp>
+      <p:cxnSp>
+        <p:nvCxnSpPr>
+          <p:cNvPr id="26" name="Straight Arrow Connector 25">
+            <a:extLst>
+              <a:ext uri="{FF2B5EF4-FFF2-40B4-BE49-F238E27FC236}">
+                <a16:creationId xmlns:a16="http://schemas.microsoft.com/office/drawing/2014/main" id="{2BF64AC4-4EB4-8A4F-8EB4-2E0814ADE90D}"/>
+              </a:ext>
+            </a:extLst>
+          </p:cNvPr>
+          <p:cNvCxnSpPr>
+            <a:stCxn id="5" idx="2"/>
+            <a:endCxn id="9" idx="0"/>
+          </p:cNvCxnSpPr>
+          <p:nvPr/>
+        </p:nvCxnSpPr>
+        <p:spPr>
+          <a:xfrm flipH="1">
+            <a:off x="5288054" y="3689844"/>
+            <a:ext cx="2" cy="429433"/>
+          </a:xfrm>
+          <a:prstGeom prst="straightConnector1">
+            <a:avLst/>
+          </a:prstGeom>
+          <a:ln w="50800">
+            <a:solidFill>
+              <a:schemeClr val="bg2">
+                <a:lumMod val="75000"/>
+              </a:schemeClr>
+            </a:solidFill>
+            <a:tailEnd type="triangle" w="lg" len="med"/>
+          </a:ln>
+        </p:spPr>
+        <p:style>
+          <a:lnRef idx="1">
+            <a:schemeClr val="accent1"/>
+          </a:lnRef>
+          <a:fillRef idx="0">
+            <a:schemeClr val="accent1"/>
+          </a:fillRef>
+          <a:effectRef idx="0">
+            <a:schemeClr val="accent1"/>
+          </a:effectRef>
+          <a:fontRef idx="minor">
+            <a:schemeClr val="tx1"/>
+          </a:fontRef>
+        </p:style>
+      </p:cxnSp>
+      <p:cxnSp>
+        <p:nvCxnSpPr>
+          <p:cNvPr id="28" name="Elbow Connector 27">
+            <a:extLst>
+              <a:ext uri="{FF2B5EF4-FFF2-40B4-BE49-F238E27FC236}">
+                <a16:creationId xmlns:a16="http://schemas.microsoft.com/office/drawing/2014/main" id="{4BEEEE5F-93A2-C849-A746-E04CE6DEB10A}"/>
+              </a:ext>
+            </a:extLst>
+          </p:cNvPr>
+          <p:cNvCxnSpPr>
+            <a:cxnSpLocks/>
+            <a:stCxn id="9" idx="2"/>
+            <a:endCxn id="10" idx="3"/>
+          </p:cNvCxnSpPr>
+          <p:nvPr/>
+        </p:nvCxnSpPr>
+        <p:spPr>
+          <a:xfrm rot="5400000">
+            <a:off x="4568389" y="5223053"/>
+            <a:ext cx="1177110" cy="262220"/>
+          </a:xfrm>
+          <a:prstGeom prst="bentConnector2">
+            <a:avLst/>
+          </a:prstGeom>
+          <a:ln w="50800">
+            <a:solidFill>
+              <a:schemeClr val="bg2">
+                <a:lumMod val="75000"/>
+              </a:schemeClr>
+            </a:solidFill>
+            <a:tailEnd type="triangle" w="lg" len="med"/>
+          </a:ln>
+        </p:spPr>
+        <p:style>
+          <a:lnRef idx="1">
+            <a:schemeClr val="accent1"/>
+          </a:lnRef>
+          <a:fillRef idx="0">
+            <a:schemeClr val="accent1"/>
+          </a:fillRef>
+          <a:effectRef idx="0">
+            <a:schemeClr val="accent1"/>
+          </a:effectRef>
+          <a:fontRef idx="minor">
+            <a:schemeClr val="tx1"/>
+          </a:fontRef>
+        </p:style>
+      </p:cxnSp>
+      <p:cxnSp>
+        <p:nvCxnSpPr>
+          <p:cNvPr id="30" name="Elbow Connector 29">
+            <a:extLst>
+              <a:ext uri="{FF2B5EF4-FFF2-40B4-BE49-F238E27FC236}">
+                <a16:creationId xmlns:a16="http://schemas.microsoft.com/office/drawing/2014/main" id="{4D81F4CF-DD19-1746-9C80-90A7DBF1CC15}"/>
+              </a:ext>
+            </a:extLst>
+          </p:cNvPr>
+          <p:cNvCxnSpPr>
+            <a:cxnSpLocks/>
+            <a:stCxn id="6" idx="2"/>
+            <a:endCxn id="10" idx="1"/>
+          </p:cNvCxnSpPr>
+          <p:nvPr/>
+        </p:nvCxnSpPr>
+        <p:spPr>
+          <a:xfrm rot="16200000" flipH="1">
+            <a:off x="1885545" y="5222900"/>
+            <a:ext cx="1115232" cy="324403"/>
+          </a:xfrm>
+          <a:prstGeom prst="bentConnector2">
+            <a:avLst/>
+          </a:prstGeom>
+          <a:ln w="50800">
+            <a:solidFill>
+              <a:schemeClr val="bg2">
+                <a:lumMod val="75000"/>
+              </a:schemeClr>
+            </a:solidFill>
+            <a:tailEnd type="triangle" w="lg" len="med"/>
+          </a:ln>
+        </p:spPr>
+        <p:style>
+          <a:lnRef idx="1">
+            <a:schemeClr val="accent1"/>
+          </a:lnRef>
+          <a:fillRef idx="0">
+            <a:schemeClr val="accent1"/>
+          </a:fillRef>
+          <a:effectRef idx="0">
+            <a:schemeClr val="accent1"/>
+          </a:effectRef>
+          <a:fontRef idx="minor">
+            <a:schemeClr val="tx1"/>
+          </a:fontRef>
+        </p:style>
+      </p:cxnSp>
+      <p:cxnSp>
+        <p:nvCxnSpPr>
+          <p:cNvPr id="32" name="Elbow Connector 31">
+            <a:extLst>
+              <a:ext uri="{FF2B5EF4-FFF2-40B4-BE49-F238E27FC236}">
+                <a16:creationId xmlns:a16="http://schemas.microsoft.com/office/drawing/2014/main" id="{B576EE50-D902-0840-A52F-302BE32E0337}"/>
+              </a:ext>
+            </a:extLst>
+          </p:cNvPr>
+          <p:cNvCxnSpPr>
+            <a:cxnSpLocks/>
+            <a:stCxn id="4" idx="1"/>
+            <a:endCxn id="6" idx="1"/>
+          </p:cNvCxnSpPr>
+          <p:nvPr/>
+        </p:nvCxnSpPr>
+        <p:spPr>
+          <a:xfrm rot="10800000" flipV="1">
+            <a:off x="1070724" y="685797"/>
+            <a:ext cx="1534638" cy="3818523"/>
+          </a:xfrm>
+          <a:prstGeom prst="bentConnector3">
+            <a:avLst>
+              <a:gd name="adj1" fmla="val 125896"/>
+            </a:avLst>
+          </a:prstGeom>
+          <a:ln w="50800">
+            <a:solidFill>
+              <a:schemeClr val="bg2">
+                <a:lumMod val="75000"/>
+              </a:schemeClr>
+            </a:solidFill>
+            <a:tailEnd type="triangle" w="lg" len="med"/>
+          </a:ln>
+        </p:spPr>
+        <p:style>
+          <a:lnRef idx="1">
+            <a:schemeClr val="accent1"/>
+          </a:lnRef>
+          <a:fillRef idx="0">
+            <a:schemeClr val="accent1"/>
+          </a:fillRef>
+          <a:effectRef idx="0">
+            <a:schemeClr val="accent1"/>
+          </a:effectRef>
+          <a:fontRef idx="minor">
+            <a:schemeClr val="tx1"/>
+          </a:fontRef>
+        </p:style>
+      </p:cxnSp>
+      <p:cxnSp>
+        <p:nvCxnSpPr>
+          <p:cNvPr id="34" name="Straight Arrow Connector 33">
+            <a:extLst>
+              <a:ext uri="{FF2B5EF4-FFF2-40B4-BE49-F238E27FC236}">
+                <a16:creationId xmlns:a16="http://schemas.microsoft.com/office/drawing/2014/main" id="{B9EC81C1-6A8C-4949-9EB3-8099AF68E9E8}"/>
+              </a:ext>
+            </a:extLst>
+          </p:cNvPr>
+          <p:cNvCxnSpPr>
+            <a:stCxn id="10" idx="2"/>
+            <a:endCxn id="11" idx="0"/>
+          </p:cNvCxnSpPr>
+          <p:nvPr/>
+        </p:nvCxnSpPr>
+        <p:spPr>
+          <a:xfrm flipH="1">
+            <a:off x="3815598" y="6265883"/>
+            <a:ext cx="1" cy="491312"/>
+          </a:xfrm>
+          <a:prstGeom prst="straightConnector1">
+            <a:avLst/>
+          </a:prstGeom>
+          <a:ln w="50800">
+            <a:solidFill>
+              <a:schemeClr val="bg2">
+                <a:lumMod val="75000"/>
+              </a:schemeClr>
+            </a:solidFill>
+            <a:tailEnd type="triangle" w="lg" len="med"/>
+          </a:ln>
+        </p:spPr>
+        <p:style>
+          <a:lnRef idx="1">
+            <a:schemeClr val="accent1"/>
+          </a:lnRef>
+          <a:fillRef idx="0">
+            <a:schemeClr val="accent1"/>
+          </a:fillRef>
+          <a:effectRef idx="0">
+            <a:schemeClr val="accent1"/>
+          </a:effectRef>
+          <a:fontRef idx="minor">
+            <a:schemeClr val="tx1"/>
+          </a:fontRef>
+        </p:style>
+      </p:cxnSp>
+      <p:sp>
+        <p:nvSpPr>
+          <p:cNvPr id="4" name="TextBox 3">
+            <a:extLst>
+              <a:ext uri="{FF2B5EF4-FFF2-40B4-BE49-F238E27FC236}">
+                <a16:creationId xmlns:a16="http://schemas.microsoft.com/office/drawing/2014/main" id="{FC6AC601-E3E7-FB40-9CC6-CE156AC60928}"/>
+              </a:ext>
+            </a:extLst>
+          </p:cNvPr>
+          <p:cNvSpPr txBox="1"/>
+          <p:nvPr/>
+        </p:nvSpPr>
+        <p:spPr>
+          <a:xfrm>
+            <a:off x="2605362" y="362632"/>
+            <a:ext cx="2420471" cy="646331"/>
+          </a:xfrm>
+          <a:prstGeom prst="rect">
+            <a:avLst/>
+          </a:prstGeom>
+          <a:noFill/>
+          <a:ln w="38100">
+            <a:solidFill>
+              <a:schemeClr val="accent2"/>
+            </a:solidFill>
+          </a:ln>
+        </p:spPr>
+        <p:txBody>
+          <a:bodyPr wrap="square" rtlCol="0">
+            <a:spAutoFit/>
+          </a:bodyPr>
+          <a:lstStyle/>
+          <a:p>
+            <a:pPr algn="ctr"/>
+            <a:r>
+              <a:rPr lang="en-GB" dirty="0"/>
+              <a:t>Obtain 3D models</a:t>
+            </a:r>
+          </a:p>
+          <a:p>
+            <a:pPr algn="ctr"/>
+            <a:r>
+              <a:rPr lang="en-GB" dirty="0"/>
+              <a:t>(e.g. surface scan, CT)</a:t>
+            </a:r>
+          </a:p>
+        </p:txBody>
+      </p:sp>
+      <p:sp>
+        <p:nvSpPr>
+          <p:cNvPr id="5" name="TextBox 4">
+            <a:extLst>
+              <a:ext uri="{FF2B5EF4-FFF2-40B4-BE49-F238E27FC236}">
+                <a16:creationId xmlns:a16="http://schemas.microsoft.com/office/drawing/2014/main" id="{E693FA13-5A08-4746-B1B5-21D8D5A851D7}"/>
+              </a:ext>
+            </a:extLst>
+          </p:cNvPr>
+          <p:cNvSpPr txBox="1"/>
+          <p:nvPr/>
+        </p:nvSpPr>
+        <p:spPr>
+          <a:xfrm>
+            <a:off x="4077820" y="3043513"/>
+            <a:ext cx="2420471" cy="646331"/>
+          </a:xfrm>
+          <a:prstGeom prst="rect">
+            <a:avLst/>
+          </a:prstGeom>
+          <a:noFill/>
+          <a:ln w="38100">
+            <a:gradFill flip="none" rotWithShape="1">
+              <a:gsLst>
+                <a:gs pos="89000">
+                  <a:srgbClr val="DF7C3D"/>
+                </a:gs>
+                <a:gs pos="0">
+                  <a:schemeClr val="accent2"/>
+                </a:gs>
+                <a:gs pos="100000">
+                  <a:schemeClr val="accent6"/>
+                </a:gs>
+              </a:gsLst>
+              <a:path path="rect">
+                <a:fillToRect l="100000" t="100000"/>
+              </a:path>
+              <a:tileRect r="-100000" b="-100000"/>
+            </a:gradFill>
+          </a:ln>
+        </p:spPr>
+        <p:txBody>
+          <a:bodyPr wrap="square" rtlCol="0">
+            <a:spAutoFit/>
+          </a:bodyPr>
+          <a:lstStyle/>
+          <a:p>
+            <a:pPr algn="ctr"/>
+            <a:r>
+              <a:rPr lang="en-GB" dirty="0"/>
+              <a:t>Apply landmarks</a:t>
+            </a:r>
+          </a:p>
+          <a:p>
+            <a:pPr algn="ctr"/>
+            <a:r>
+              <a:rPr lang="en-GB" dirty="0"/>
+              <a:t>(e.g. R, IDAV)</a:t>
+            </a:r>
+          </a:p>
+        </p:txBody>
+      </p:sp>
+      <p:sp>
+        <p:nvSpPr>
+          <p:cNvPr id="6" name="TextBox 5">
+            <a:extLst>
+              <a:ext uri="{FF2B5EF4-FFF2-40B4-BE49-F238E27FC236}">
+                <a16:creationId xmlns:a16="http://schemas.microsoft.com/office/drawing/2014/main" id="{7D48ED8B-89BD-DD43-ABF6-FF148B260C90}"/>
+              </a:ext>
+            </a:extLst>
+          </p:cNvPr>
+          <p:cNvSpPr txBox="1"/>
+          <p:nvPr/>
+        </p:nvSpPr>
+        <p:spPr>
+          <a:xfrm>
+            <a:off x="1070724" y="4181155"/>
+            <a:ext cx="2420471" cy="646331"/>
+          </a:xfrm>
+          <a:prstGeom prst="rect">
+            <a:avLst/>
+          </a:prstGeom>
+          <a:noFill/>
+          <a:ln w="38100">
+            <a:solidFill>
+              <a:schemeClr val="accent2"/>
+            </a:solidFill>
+          </a:ln>
+        </p:spPr>
+        <p:txBody>
+          <a:bodyPr wrap="square" rtlCol="0">
+            <a:spAutoFit/>
+          </a:bodyPr>
+          <a:lstStyle/>
+          <a:p>
+            <a:pPr algn="ctr"/>
+            <a:r>
+              <a:rPr lang="en-GB" dirty="0"/>
+              <a:t>GPSA</a:t>
+            </a:r>
+          </a:p>
+          <a:p>
+            <a:pPr algn="ctr"/>
+            <a:r>
+              <a:rPr lang="en-GB" dirty="0"/>
+              <a:t>(</a:t>
+            </a:r>
+            <a:r>
+              <a:rPr lang="en-GB" dirty="0" err="1"/>
+              <a:t>gpsa</a:t>
+            </a:r>
+            <a:r>
+              <a:rPr lang="en-GB" dirty="0"/>
+              <a:t> app)</a:t>
+            </a:r>
+          </a:p>
+        </p:txBody>
+      </p:sp>
+      <p:sp>
+        <p:nvSpPr>
+          <p:cNvPr id="9" name="TextBox 8">
+            <a:extLst>
+              <a:ext uri="{FF2B5EF4-FFF2-40B4-BE49-F238E27FC236}">
+                <a16:creationId xmlns:a16="http://schemas.microsoft.com/office/drawing/2014/main" id="{FFB92835-1F62-784A-85B0-29EF80414EC9}"/>
+              </a:ext>
+            </a:extLst>
+          </p:cNvPr>
+          <p:cNvSpPr txBox="1"/>
+          <p:nvPr/>
+        </p:nvSpPr>
+        <p:spPr>
+          <a:xfrm>
+            <a:off x="4077818" y="4119277"/>
+            <a:ext cx="2420471" cy="646331"/>
+          </a:xfrm>
+          <a:prstGeom prst="rect">
+            <a:avLst/>
+          </a:prstGeom>
+          <a:noFill/>
+          <a:ln w="38100">
+            <a:solidFill>
+              <a:schemeClr val="accent1"/>
+            </a:solidFill>
+          </a:ln>
+        </p:spPr>
+        <p:txBody>
+          <a:bodyPr wrap="square" rtlCol="0">
+            <a:spAutoFit/>
+          </a:bodyPr>
+          <a:lstStyle/>
+          <a:p>
+            <a:pPr algn="ctr"/>
+            <a:r>
+              <a:rPr lang="en-GB" dirty="0"/>
+              <a:t>Procrustes analysis</a:t>
+            </a:r>
+          </a:p>
+          <a:p>
+            <a:pPr algn="ctr"/>
+            <a:r>
+              <a:rPr lang="en-GB" dirty="0"/>
+              <a:t>(R)</a:t>
+            </a:r>
+          </a:p>
+        </p:txBody>
+      </p:sp>
+      <p:sp>
+        <p:nvSpPr>
+          <p:cNvPr id="10" name="TextBox 9">
+            <a:extLst>
+              <a:ext uri="{FF2B5EF4-FFF2-40B4-BE49-F238E27FC236}">
+                <a16:creationId xmlns:a16="http://schemas.microsoft.com/office/drawing/2014/main" id="{42C57A9F-B974-604E-BC85-2079AD55526D}"/>
+              </a:ext>
+            </a:extLst>
+          </p:cNvPr>
+          <p:cNvSpPr txBox="1"/>
+          <p:nvPr/>
+        </p:nvSpPr>
+        <p:spPr>
+          <a:xfrm>
+            <a:off x="2605363" y="5619552"/>
+            <a:ext cx="2420471" cy="646331"/>
+          </a:xfrm>
+          <a:prstGeom prst="rect">
+            <a:avLst/>
+          </a:prstGeom>
+          <a:noFill/>
+          <a:ln w="38100">
+            <a:solidFill>
+              <a:schemeClr val="accent1"/>
+            </a:solidFill>
+          </a:ln>
+        </p:spPr>
+        <p:txBody>
+          <a:bodyPr wrap="square" rtlCol="0">
+            <a:spAutoFit/>
+          </a:bodyPr>
+          <a:lstStyle/>
+          <a:p>
+            <a:pPr algn="ctr"/>
+            <a:r>
+              <a:rPr lang="en-GB" dirty="0"/>
+              <a:t>HPCA</a:t>
+            </a:r>
+          </a:p>
+          <a:p>
+            <a:pPr algn="ctr"/>
+            <a:r>
+              <a:rPr lang="en-GB" dirty="0"/>
+              <a:t>(R)</a:t>
+            </a:r>
+          </a:p>
+        </p:txBody>
+      </p:sp>
+      <p:sp>
+        <p:nvSpPr>
+          <p:cNvPr id="11" name="TextBox 10">
+            <a:extLst>
+              <a:ext uri="{FF2B5EF4-FFF2-40B4-BE49-F238E27FC236}">
+                <a16:creationId xmlns:a16="http://schemas.microsoft.com/office/drawing/2014/main" id="{3420ED32-4A4C-C64D-966E-8C015CE6F6DA}"/>
+              </a:ext>
+            </a:extLst>
+          </p:cNvPr>
+          <p:cNvSpPr txBox="1"/>
+          <p:nvPr/>
+        </p:nvSpPr>
+        <p:spPr>
+          <a:xfrm>
+            <a:off x="2605362" y="6757195"/>
+            <a:ext cx="2420471" cy="646331"/>
+          </a:xfrm>
+          <a:prstGeom prst="rect">
+            <a:avLst/>
+          </a:prstGeom>
+          <a:noFill/>
+          <a:ln w="38100">
+            <a:solidFill>
+              <a:schemeClr val="accent1"/>
+            </a:solidFill>
+          </a:ln>
+        </p:spPr>
+        <p:txBody>
+          <a:bodyPr wrap="square" rtlCol="0">
+            <a:spAutoFit/>
+          </a:bodyPr>
+          <a:lstStyle/>
+          <a:p>
+            <a:pPr algn="ctr"/>
+            <a:r>
+              <a:rPr lang="en-GB" dirty="0"/>
+              <a:t>Plots</a:t>
+            </a:r>
+          </a:p>
+          <a:p>
+            <a:pPr algn="ctr"/>
+            <a:r>
+              <a:rPr lang="en-GB" dirty="0"/>
+              <a:t>(R)</a:t>
+            </a:r>
+          </a:p>
+        </p:txBody>
+      </p:sp>
+      <p:sp>
+        <p:nvSpPr>
+          <p:cNvPr id="42" name="TextBox 41">
+            <a:extLst>
+              <a:ext uri="{FF2B5EF4-FFF2-40B4-BE49-F238E27FC236}">
+                <a16:creationId xmlns:a16="http://schemas.microsoft.com/office/drawing/2014/main" id="{7C7246CE-8009-9D49-877C-CBCE5696CDAB}"/>
+              </a:ext>
+            </a:extLst>
+          </p:cNvPr>
+          <p:cNvSpPr txBox="1"/>
+          <p:nvPr/>
+        </p:nvSpPr>
+        <p:spPr>
+          <a:xfrm>
+            <a:off x="384080" y="1584203"/>
+            <a:ext cx="524437" cy="523220"/>
+          </a:xfrm>
+          <a:prstGeom prst="rect">
+            <a:avLst/>
+          </a:prstGeom>
+          <a:solidFill>
+            <a:schemeClr val="bg1"/>
+          </a:solidFill>
+          <a:ln w="25400">
+            <a:solidFill>
+              <a:schemeClr val="bg2">
+                <a:lumMod val="75000"/>
+              </a:schemeClr>
+            </a:solidFill>
+          </a:ln>
+        </p:spPr>
+        <p:txBody>
+          <a:bodyPr wrap="square" rtlCol="0">
+            <a:spAutoFit/>
+          </a:bodyPr>
+          <a:lstStyle/>
+          <a:p>
+            <a:pPr algn="ctr"/>
+            <a:r>
+              <a:rPr lang="en-GB" sz="2800" dirty="0"/>
+              <a:t>a</a:t>
+            </a:r>
+          </a:p>
+        </p:txBody>
+      </p:sp>
+      <p:sp>
+        <p:nvSpPr>
+          <p:cNvPr id="43" name="TextBox 42">
+            <a:extLst>
+              <a:ext uri="{FF2B5EF4-FFF2-40B4-BE49-F238E27FC236}">
+                <a16:creationId xmlns:a16="http://schemas.microsoft.com/office/drawing/2014/main" id="{944C4EB5-077E-774D-9BF0-81D58264BA3D}"/>
+              </a:ext>
+            </a:extLst>
+          </p:cNvPr>
+          <p:cNvSpPr txBox="1"/>
+          <p:nvPr/>
+        </p:nvSpPr>
+        <p:spPr>
+          <a:xfrm>
+            <a:off x="5025834" y="1582420"/>
+            <a:ext cx="524437" cy="523220"/>
+          </a:xfrm>
+          <a:prstGeom prst="rect">
+            <a:avLst/>
+          </a:prstGeom>
+          <a:solidFill>
+            <a:schemeClr val="bg1"/>
+          </a:solidFill>
+          <a:ln w="25400">
+            <a:solidFill>
+              <a:schemeClr val="bg2">
+                <a:lumMod val="75000"/>
+              </a:schemeClr>
+            </a:solidFill>
+          </a:ln>
+        </p:spPr>
+        <p:txBody>
+          <a:bodyPr wrap="square" rtlCol="0">
+            <a:spAutoFit/>
+          </a:bodyPr>
+          <a:lstStyle/>
+          <a:p>
+            <a:pPr algn="ctr"/>
+            <a:r>
+              <a:rPr lang="en-GB" sz="2800" dirty="0"/>
+              <a:t>c</a:t>
+            </a:r>
+          </a:p>
+        </p:txBody>
+      </p:sp>
+      <p:sp>
+        <p:nvSpPr>
+          <p:cNvPr id="44" name="TextBox 43">
+            <a:extLst>
+              <a:ext uri="{FF2B5EF4-FFF2-40B4-BE49-F238E27FC236}">
+                <a16:creationId xmlns:a16="http://schemas.microsoft.com/office/drawing/2014/main" id="{396CD192-EB3F-7A45-934C-1159339B4E2C}"/>
+              </a:ext>
+            </a:extLst>
+          </p:cNvPr>
+          <p:cNvSpPr txBox="1"/>
+          <p:nvPr/>
+        </p:nvSpPr>
+        <p:spPr>
+          <a:xfrm>
+            <a:off x="2018740" y="1583085"/>
+            <a:ext cx="524437" cy="523220"/>
+          </a:xfrm>
+          <a:prstGeom prst="rect">
+            <a:avLst/>
+          </a:prstGeom>
+          <a:solidFill>
+            <a:schemeClr val="bg1"/>
+          </a:solidFill>
+          <a:ln w="25400">
+            <a:solidFill>
+              <a:schemeClr val="bg2">
+                <a:lumMod val="75000"/>
+              </a:schemeClr>
+            </a:solidFill>
+          </a:ln>
+        </p:spPr>
+        <p:txBody>
+          <a:bodyPr wrap="square" rtlCol="0">
+            <a:spAutoFit/>
+          </a:bodyPr>
+          <a:lstStyle/>
+          <a:p>
+            <a:pPr algn="ctr"/>
+            <a:r>
+              <a:rPr lang="en-GB" sz="2800" dirty="0"/>
+              <a:t>b</a:t>
+            </a:r>
+          </a:p>
+        </p:txBody>
+      </p:sp>
+      <p:sp>
+        <p:nvSpPr>
+          <p:cNvPr id="90" name="Rectangle 89">
+            <a:extLst>
+              <a:ext uri="{FF2B5EF4-FFF2-40B4-BE49-F238E27FC236}">
+                <a16:creationId xmlns:a16="http://schemas.microsoft.com/office/drawing/2014/main" id="{B990157A-77CB-2049-95D6-2FF5CD48459D}"/>
+              </a:ext>
+            </a:extLst>
+          </p:cNvPr>
+          <p:cNvSpPr/>
+          <p:nvPr/>
+        </p:nvSpPr>
+        <p:spPr>
+          <a:xfrm>
+            <a:off x="484094" y="8633012"/>
+            <a:ext cx="252000" cy="252000"/>
+          </a:xfrm>
+          <a:prstGeom prst="rect">
+            <a:avLst/>
+          </a:prstGeom>
+          <a:solidFill>
+            <a:schemeClr val="accent1"/>
+          </a:solidFill>
+        </p:spPr>
+        <p:style>
+          <a:lnRef idx="2">
+            <a:schemeClr val="accent1">
+              <a:shade val="50000"/>
+            </a:schemeClr>
+          </a:lnRef>
+          <a:fillRef idx="1">
+            <a:schemeClr val="accent1"/>
+          </a:fillRef>
+          <a:effectRef idx="0">
+            <a:schemeClr val="accent1"/>
+          </a:effectRef>
+          <a:fontRef idx="minor">
+            <a:schemeClr val="lt1"/>
+          </a:fontRef>
+        </p:style>
+        <p:txBody>
+          <a:bodyPr rtlCol="0" anchor="ctr"/>
+          <a:lstStyle/>
+          <a:p>
+            <a:pPr algn="ctr"/>
+            <a:endParaRPr lang="en-GB"/>
+          </a:p>
+        </p:txBody>
+      </p:sp>
+      <p:sp>
+        <p:nvSpPr>
+          <p:cNvPr id="91" name="Rectangle 90">
+            <a:extLst>
+              <a:ext uri="{FF2B5EF4-FFF2-40B4-BE49-F238E27FC236}">
+                <a16:creationId xmlns:a16="http://schemas.microsoft.com/office/drawing/2014/main" id="{81DE1D10-7A0A-F94D-885D-A3A1E07C3050}"/>
+              </a:ext>
+            </a:extLst>
+          </p:cNvPr>
+          <p:cNvSpPr/>
+          <p:nvPr/>
+        </p:nvSpPr>
+        <p:spPr>
+          <a:xfrm>
+            <a:off x="478211" y="9048617"/>
+            <a:ext cx="252000" cy="252000"/>
+          </a:xfrm>
+          <a:prstGeom prst="rect">
+            <a:avLst/>
+          </a:prstGeom>
+          <a:solidFill>
+            <a:schemeClr val="accent6"/>
+          </a:solidFill>
+        </p:spPr>
+        <p:style>
+          <a:lnRef idx="2">
+            <a:schemeClr val="accent1">
+              <a:shade val="50000"/>
+            </a:schemeClr>
+          </a:lnRef>
+          <a:fillRef idx="1">
+            <a:schemeClr val="accent1"/>
+          </a:fillRef>
+          <a:effectRef idx="0">
+            <a:schemeClr val="accent1"/>
+          </a:effectRef>
+          <a:fontRef idx="minor">
+            <a:schemeClr val="lt1"/>
+          </a:fontRef>
+        </p:style>
+        <p:txBody>
+          <a:bodyPr rtlCol="0" anchor="ctr"/>
+          <a:lstStyle/>
+          <a:p>
+            <a:pPr algn="ctr"/>
+            <a:endParaRPr lang="en-GB"/>
+          </a:p>
+        </p:txBody>
+      </p:sp>
+      <p:sp>
+        <p:nvSpPr>
+          <p:cNvPr id="92" name="Rectangle 91">
+            <a:extLst>
+              <a:ext uri="{FF2B5EF4-FFF2-40B4-BE49-F238E27FC236}">
+                <a16:creationId xmlns:a16="http://schemas.microsoft.com/office/drawing/2014/main" id="{C97D53F9-3F7C-694A-8609-55AEE5C9E76A}"/>
+              </a:ext>
+            </a:extLst>
+          </p:cNvPr>
+          <p:cNvSpPr/>
+          <p:nvPr/>
+        </p:nvSpPr>
+        <p:spPr>
+          <a:xfrm>
+            <a:off x="478211" y="9462247"/>
+            <a:ext cx="252000" cy="252000"/>
+          </a:xfrm>
+          <a:prstGeom prst="rect">
+            <a:avLst/>
+          </a:prstGeom>
+          <a:solidFill>
+            <a:schemeClr val="accent2"/>
+          </a:solidFill>
+        </p:spPr>
+        <p:style>
+          <a:lnRef idx="2">
+            <a:schemeClr val="accent1">
+              <a:shade val="50000"/>
+            </a:schemeClr>
+          </a:lnRef>
+          <a:fillRef idx="1">
+            <a:schemeClr val="accent1"/>
+          </a:fillRef>
+          <a:effectRef idx="0">
+            <a:schemeClr val="accent1"/>
+          </a:effectRef>
+          <a:fontRef idx="minor">
+            <a:schemeClr val="lt1"/>
+          </a:fontRef>
+        </p:style>
+        <p:txBody>
+          <a:bodyPr rtlCol="0" anchor="ctr"/>
+          <a:lstStyle/>
+          <a:p>
+            <a:pPr algn="ctr"/>
+            <a:endParaRPr lang="en-GB"/>
+          </a:p>
+        </p:txBody>
+      </p:sp>
+      <p:sp>
+        <p:nvSpPr>
+          <p:cNvPr id="93" name="TextBox 92">
+            <a:extLst>
+              <a:ext uri="{FF2B5EF4-FFF2-40B4-BE49-F238E27FC236}">
+                <a16:creationId xmlns:a16="http://schemas.microsoft.com/office/drawing/2014/main" id="{D6F4AB0B-BC97-374A-AD92-061A10C971B4}"/>
+              </a:ext>
+            </a:extLst>
+          </p:cNvPr>
+          <p:cNvSpPr txBox="1"/>
+          <p:nvPr/>
+        </p:nvSpPr>
+        <p:spPr>
+          <a:xfrm>
+            <a:off x="730211" y="8617810"/>
+            <a:ext cx="2358276" cy="369332"/>
+          </a:xfrm>
+          <a:prstGeom prst="rect">
+            <a:avLst/>
+          </a:prstGeom>
+          <a:noFill/>
+        </p:spPr>
+        <p:txBody>
+          <a:bodyPr wrap="square" rtlCol="0">
+            <a:spAutoFit/>
+          </a:bodyPr>
+          <a:lstStyle/>
+          <a:p>
+            <a:r>
+              <a:rPr lang="en-GB" dirty="0"/>
+              <a:t>R: </a:t>
+            </a:r>
+            <a:r>
+              <a:rPr lang="en-GB" i="1" dirty="0" err="1"/>
+              <a:t>bonespace</a:t>
+            </a:r>
+            <a:r>
+              <a:rPr lang="en-GB" dirty="0"/>
+              <a:t> package</a:t>
+            </a:r>
+          </a:p>
+        </p:txBody>
+      </p:sp>
+      <p:sp>
+        <p:nvSpPr>
+          <p:cNvPr id="94" name="TextBox 93">
+            <a:extLst>
+              <a:ext uri="{FF2B5EF4-FFF2-40B4-BE49-F238E27FC236}">
+                <a16:creationId xmlns:a16="http://schemas.microsoft.com/office/drawing/2014/main" id="{CC01AC26-2E1D-7542-812B-F80C54337796}"/>
+              </a:ext>
+            </a:extLst>
+          </p:cNvPr>
+          <p:cNvSpPr txBox="1"/>
+          <p:nvPr/>
+        </p:nvSpPr>
+        <p:spPr>
+          <a:xfrm>
+            <a:off x="730211" y="9040028"/>
+            <a:ext cx="3747660" cy="369332"/>
+          </a:xfrm>
+          <a:prstGeom prst="rect">
+            <a:avLst/>
+          </a:prstGeom>
+          <a:noFill/>
+        </p:spPr>
+        <p:txBody>
+          <a:bodyPr wrap="square" rtlCol="0">
+            <a:spAutoFit/>
+          </a:bodyPr>
+          <a:lstStyle/>
+          <a:p>
+            <a:r>
+              <a:rPr lang="en-GB" dirty="0"/>
+              <a:t>R: existing package (e.g. </a:t>
+            </a:r>
+            <a:r>
+              <a:rPr lang="en-GB" dirty="0" err="1"/>
+              <a:t>geomorph</a:t>
+            </a:r>
+            <a:r>
+              <a:rPr lang="en-GB" dirty="0"/>
+              <a:t>)</a:t>
+            </a:r>
+          </a:p>
+        </p:txBody>
+      </p:sp>
+      <p:sp>
+        <p:nvSpPr>
+          <p:cNvPr id="95" name="TextBox 94">
+            <a:extLst>
+              <a:ext uri="{FF2B5EF4-FFF2-40B4-BE49-F238E27FC236}">
+                <a16:creationId xmlns:a16="http://schemas.microsoft.com/office/drawing/2014/main" id="{162E6BF6-A5E4-C74E-9617-B1D133234E01}"/>
+              </a:ext>
+            </a:extLst>
+          </p:cNvPr>
+          <p:cNvSpPr txBox="1"/>
+          <p:nvPr/>
+        </p:nvSpPr>
+        <p:spPr>
+          <a:xfrm>
+            <a:off x="735386" y="9417949"/>
+            <a:ext cx="2358276" cy="369332"/>
+          </a:xfrm>
+          <a:prstGeom prst="rect">
+            <a:avLst/>
+          </a:prstGeom>
+          <a:noFill/>
+        </p:spPr>
+        <p:txBody>
+          <a:bodyPr wrap="square" rtlCol="0">
+            <a:spAutoFit/>
+          </a:bodyPr>
+          <a:lstStyle/>
+          <a:p>
+            <a:r>
+              <a:rPr lang="en-GB" dirty="0"/>
+              <a:t>External software</a:t>
+            </a:r>
+          </a:p>
+        </p:txBody>
+      </p:sp>
+      <p:grpSp>
+        <p:nvGrpSpPr>
+          <p:cNvPr id="39" name="Group 38">
+            <a:extLst>
+              <a:ext uri="{FF2B5EF4-FFF2-40B4-BE49-F238E27FC236}">
+                <a16:creationId xmlns:a16="http://schemas.microsoft.com/office/drawing/2014/main" id="{A9EDF15C-9E84-0847-88D9-CBBE433D39A9}"/>
+              </a:ext>
+            </a:extLst>
+          </p:cNvPr>
+          <p:cNvGrpSpPr/>
+          <p:nvPr/>
+        </p:nvGrpSpPr>
+        <p:grpSpPr>
+          <a:xfrm>
+            <a:off x="4080225" y="3039265"/>
+            <a:ext cx="2420471" cy="646331"/>
+            <a:chOff x="1070724" y="3043512"/>
+            <a:chExt cx="2420471" cy="646331"/>
+          </a:xfrm>
+        </p:grpSpPr>
+        <p:cxnSp>
+          <p:nvCxnSpPr>
+            <p:cNvPr id="40" name="Straight Connector 39">
+              <a:extLst>
+                <a:ext uri="{FF2B5EF4-FFF2-40B4-BE49-F238E27FC236}">
+                  <a16:creationId xmlns:a16="http://schemas.microsoft.com/office/drawing/2014/main" id="{6166B9C4-9F73-6A4F-8EA0-B1D59EFBD707}"/>
+                </a:ext>
+              </a:extLst>
+            </p:cNvPr>
+            <p:cNvCxnSpPr/>
+            <p:nvPr/>
+          </p:nvCxnSpPr>
+          <p:spPr>
+            <a:xfrm flipV="1">
+              <a:off x="1070724" y="3043512"/>
+              <a:ext cx="0" cy="646331"/>
+            </a:xfrm>
+            <a:prstGeom prst="line">
+              <a:avLst/>
+            </a:prstGeom>
+            <a:ln w="38100">
+              <a:solidFill>
+                <a:schemeClr val="accent6"/>
+              </a:solidFill>
+            </a:ln>
+            <a:effectLst/>
+          </p:spPr>
+          <p:style>
+            <a:lnRef idx="1">
+              <a:schemeClr val="accent1"/>
+            </a:lnRef>
+            <a:fillRef idx="0">
+              <a:schemeClr val="accent1"/>
+            </a:fillRef>
+            <a:effectRef idx="0">
+              <a:schemeClr val="accent1"/>
+            </a:effectRef>
+            <a:fontRef idx="minor">
+              <a:schemeClr val="tx1"/>
+            </a:fontRef>
+          </p:style>
+        </p:cxnSp>
+        <p:cxnSp>
+          <p:nvCxnSpPr>
+            <p:cNvPr id="41" name="Straight Connector 40">
+              <a:extLst>
+                <a:ext uri="{FF2B5EF4-FFF2-40B4-BE49-F238E27FC236}">
+                  <a16:creationId xmlns:a16="http://schemas.microsoft.com/office/drawing/2014/main" id="{B1A4FB2A-F6CA-FF41-944F-C827ECD580AF}"/>
+                </a:ext>
+              </a:extLst>
+            </p:cNvPr>
+            <p:cNvCxnSpPr>
+              <a:cxnSpLocks/>
+            </p:cNvCxnSpPr>
+            <p:nvPr/>
+          </p:nvCxnSpPr>
+          <p:spPr>
+            <a:xfrm flipH="1">
+              <a:off x="1070724" y="3043512"/>
+              <a:ext cx="2420471" cy="0"/>
+            </a:xfrm>
+            <a:prstGeom prst="line">
+              <a:avLst/>
+            </a:prstGeom>
+            <a:ln w="38100">
+              <a:solidFill>
+                <a:schemeClr val="accent6"/>
+              </a:solidFill>
+            </a:ln>
+            <a:effectLst/>
+          </p:spPr>
+          <p:style>
+            <a:lnRef idx="1">
+              <a:schemeClr val="accent1"/>
+            </a:lnRef>
+            <a:fillRef idx="0">
+              <a:schemeClr val="accent1"/>
+            </a:fillRef>
+            <a:effectRef idx="0">
+              <a:schemeClr val="accent1"/>
+            </a:effectRef>
+            <a:fontRef idx="minor">
+              <a:schemeClr val="tx1"/>
+            </a:fontRef>
+          </p:style>
+        </p:cxnSp>
+        <p:cxnSp>
+          <p:nvCxnSpPr>
+            <p:cNvPr id="45" name="Straight Connector 44">
+              <a:extLst>
+                <a:ext uri="{FF2B5EF4-FFF2-40B4-BE49-F238E27FC236}">
+                  <a16:creationId xmlns:a16="http://schemas.microsoft.com/office/drawing/2014/main" id="{0E0EEB61-AEAE-4742-A3A7-1EC992016803}"/>
+                </a:ext>
+              </a:extLst>
+            </p:cNvPr>
+            <p:cNvCxnSpPr>
+              <a:cxnSpLocks/>
+            </p:cNvCxnSpPr>
+            <p:nvPr/>
+          </p:nvCxnSpPr>
+          <p:spPr>
+            <a:xfrm flipH="1">
+              <a:off x="1070724" y="3689843"/>
+              <a:ext cx="2420471" cy="0"/>
+            </a:xfrm>
+            <a:prstGeom prst="line">
+              <a:avLst/>
+            </a:prstGeom>
+            <a:ln w="38100">
+              <a:solidFill>
+                <a:schemeClr val="accent2"/>
+              </a:solidFill>
+            </a:ln>
+            <a:effectLst/>
+          </p:spPr>
+          <p:style>
+            <a:lnRef idx="1">
+              <a:schemeClr val="accent1"/>
+            </a:lnRef>
+            <a:fillRef idx="0">
+              <a:schemeClr val="accent1"/>
+            </a:fillRef>
+            <a:effectRef idx="0">
+              <a:schemeClr val="accent1"/>
+            </a:effectRef>
+            <a:fontRef idx="minor">
+              <a:schemeClr val="tx1"/>
+            </a:fontRef>
+          </p:style>
+        </p:cxnSp>
+        <p:cxnSp>
+          <p:nvCxnSpPr>
+            <p:cNvPr id="46" name="Straight Connector 45">
+              <a:extLst>
+                <a:ext uri="{FF2B5EF4-FFF2-40B4-BE49-F238E27FC236}">
+                  <a16:creationId xmlns:a16="http://schemas.microsoft.com/office/drawing/2014/main" id="{0145AB7A-E4C6-8841-8CC4-4FE11A1E2767}"/>
+                </a:ext>
+              </a:extLst>
+            </p:cNvPr>
+            <p:cNvCxnSpPr/>
+            <p:nvPr/>
+          </p:nvCxnSpPr>
+          <p:spPr>
+            <a:xfrm flipV="1">
+              <a:off x="3491195" y="3043512"/>
+              <a:ext cx="0" cy="646331"/>
+            </a:xfrm>
+            <a:prstGeom prst="line">
+              <a:avLst/>
+            </a:prstGeom>
+            <a:ln w="38100">
+              <a:solidFill>
+                <a:schemeClr val="accent2"/>
+              </a:solidFill>
+            </a:ln>
+            <a:effectLst/>
+          </p:spPr>
+          <p:style>
+            <a:lnRef idx="1">
+              <a:schemeClr val="accent1"/>
+            </a:lnRef>
+            <a:fillRef idx="0">
+              <a:schemeClr val="accent1"/>
+            </a:fillRef>
+            <a:effectRef idx="0">
+              <a:schemeClr val="accent1"/>
+            </a:effectRef>
+            <a:fontRef idx="minor">
+              <a:schemeClr val="tx1"/>
+            </a:fontRef>
+          </p:style>
+        </p:cxnSp>
+      </p:grpSp>
+    </p:spTree>
+    <p:extLst>
+      <p:ext uri="{BB962C8B-B14F-4D97-AF65-F5344CB8AC3E}">
+        <p14:creationId xmlns:p14="http://schemas.microsoft.com/office/powerpoint/2010/main" val="11997184"/>
+      </p:ext>
+    </p:extLst>
+  </p:cSld>
+  <p:clrMapOvr>
+    <a:masterClrMapping/>
+  </p:clrMapOvr>
+</p:sld>
+</file>
+
 <file path=ppt/theme/theme1.xml><?xml version="1.0" encoding="utf-8"?>
 <a:theme xmlns:a="http://schemas.openxmlformats.org/drawingml/2006/main" name="Office Theme">
   <a:themeElements>

--- a/images/workflow.pptx
+++ b/images/workflow.pptx
@@ -2,13 +2,12 @@
 <file path=ppt/presentation.xml><?xml version="1.0" encoding="utf-8"?>
 <p:presentation xmlns:a="http://schemas.openxmlformats.org/drawingml/2006/main" xmlns:r="http://schemas.openxmlformats.org/officeDocument/2006/relationships" xmlns:p="http://schemas.openxmlformats.org/presentationml/2006/main" saveSubsetFonts="1" autoCompressPictures="0">
   <p:sldMasterIdLst>
-    <p:sldMasterId id="2147483660" r:id="rId1"/>
+    <p:sldMasterId id="2147483684" r:id="rId1"/>
   </p:sldMasterIdLst>
   <p:sldIdLst>
-    <p:sldId id="256" r:id="rId2"/>
-    <p:sldId id="257" r:id="rId3"/>
+    <p:sldId id="257" r:id="rId2"/>
   </p:sldIdLst>
-  <p:sldSz cx="6858000" cy="9906000" type="A4"/>
+  <p:sldSz cx="12192000" cy="9144000"/>
   <p:notesSz cx="6858000" cy="9144000"/>
   <p:defaultTextStyle>
     <a:defPPr>
@@ -142,20 +141,20 @@
         </p:nvSpPr>
         <p:spPr>
           <a:xfrm>
-            <a:off x="514350" y="1621191"/>
-            <a:ext cx="5829300" cy="3448756"/>
+            <a:off x="914400" y="1496484"/>
+            <a:ext cx="10363200" cy="3183467"/>
           </a:xfrm>
         </p:spPr>
         <p:txBody>
           <a:bodyPr anchor="b"/>
           <a:lstStyle>
             <a:lvl1pPr algn="ctr">
-              <a:defRPr sz="4500"/>
+              <a:defRPr sz="8000"/>
             </a:lvl1pPr>
           </a:lstStyle>
           <a:p>
             <a:r>
-              <a:rPr lang="en-GB"/>
+              <a:rPr lang="en-US"/>
               <a:t>Click to edit Master title style</a:t>
             </a:r>
             <a:endParaRPr lang="en-US" dirty="0"/>
@@ -174,8 +173,8 @@
         </p:nvSpPr>
         <p:spPr>
           <a:xfrm>
-            <a:off x="857250" y="5202944"/>
-            <a:ext cx="5143500" cy="2391656"/>
+            <a:off x="1524000" y="4802717"/>
+            <a:ext cx="9144000" cy="2207683"/>
           </a:xfrm>
         </p:spPr>
         <p:txBody>
@@ -183,44 +182,44 @@
           <a:lstStyle>
             <a:lvl1pPr marL="0" indent="0" algn="ctr">
               <a:buNone/>
-              <a:defRPr sz="1800"/>
+              <a:defRPr sz="3200"/>
             </a:lvl1pPr>
-            <a:lvl2pPr marL="342900" indent="0" algn="ctr">
-              <a:buNone/>
-              <a:defRPr sz="1500"/>
+            <a:lvl2pPr marL="609585" indent="0" algn="ctr">
+              <a:buNone/>
+              <a:defRPr sz="2667"/>
             </a:lvl2pPr>
-            <a:lvl3pPr marL="685800" indent="0" algn="ctr">
-              <a:buNone/>
-              <a:defRPr sz="1350"/>
+            <a:lvl3pPr marL="1219170" indent="0" algn="ctr">
+              <a:buNone/>
+              <a:defRPr sz="2400"/>
             </a:lvl3pPr>
-            <a:lvl4pPr marL="1028700" indent="0" algn="ctr">
-              <a:buNone/>
-              <a:defRPr sz="1200"/>
+            <a:lvl4pPr marL="1828754" indent="0" algn="ctr">
+              <a:buNone/>
+              <a:defRPr sz="2133"/>
             </a:lvl4pPr>
-            <a:lvl5pPr marL="1371600" indent="0" algn="ctr">
-              <a:buNone/>
-              <a:defRPr sz="1200"/>
+            <a:lvl5pPr marL="2438339" indent="0" algn="ctr">
+              <a:buNone/>
+              <a:defRPr sz="2133"/>
             </a:lvl5pPr>
-            <a:lvl6pPr marL="1714500" indent="0" algn="ctr">
-              <a:buNone/>
-              <a:defRPr sz="1200"/>
+            <a:lvl6pPr marL="3047924" indent="0" algn="ctr">
+              <a:buNone/>
+              <a:defRPr sz="2133"/>
             </a:lvl6pPr>
-            <a:lvl7pPr marL="2057400" indent="0" algn="ctr">
-              <a:buNone/>
-              <a:defRPr sz="1200"/>
+            <a:lvl7pPr marL="3657509" indent="0" algn="ctr">
+              <a:buNone/>
+              <a:defRPr sz="2133"/>
             </a:lvl7pPr>
-            <a:lvl8pPr marL="2400300" indent="0" algn="ctr">
-              <a:buNone/>
-              <a:defRPr sz="1200"/>
+            <a:lvl8pPr marL="4267093" indent="0" algn="ctr">
+              <a:buNone/>
+              <a:defRPr sz="2133"/>
             </a:lvl8pPr>
-            <a:lvl9pPr marL="2743200" indent="0" algn="ctr">
-              <a:buNone/>
-              <a:defRPr sz="1200"/>
+            <a:lvl9pPr marL="4876678" indent="0" algn="ctr">
+              <a:buNone/>
+              <a:defRPr sz="2133"/>
             </a:lvl9pPr>
           </a:lstStyle>
           <a:p>
             <a:r>
-              <a:rPr lang="en-GB"/>
+              <a:rPr lang="en-US"/>
               <a:t>Click to edit Master subtitle style</a:t>
             </a:r>
             <a:endParaRPr lang="en-US" dirty="0"/>
@@ -244,7 +243,7 @@
           <a:p>
             <a:fld id="{8623B039-40F8-9E46-9568-CE8321AE71CD}" type="datetimeFigureOut">
               <a:rPr lang="en-GB" smtClean="0"/>
-              <a:t>10/09/2020</a:t>
+              <a:t>24/09/2020</a:t>
             </a:fld>
             <a:endParaRPr lang="en-GB"/>
           </a:p>
@@ -295,7 +294,7 @@
     </p:spTree>
     <p:extLst>
       <p:ext uri="{BB962C8B-B14F-4D97-AF65-F5344CB8AC3E}">
-        <p14:creationId xmlns:p14="http://schemas.microsoft.com/office/powerpoint/2010/main" val="1999996435"/>
+        <p14:creationId xmlns:p14="http://schemas.microsoft.com/office/powerpoint/2010/main" val="2626855326"/>
       </p:ext>
     </p:extLst>
   </p:cSld>
@@ -338,7 +337,7 @@
           <a:lstStyle/>
           <a:p>
             <a:r>
-              <a:rPr lang="en-GB"/>
+              <a:rPr lang="en-US"/>
               <a:t>Click to edit Master title style</a:t>
             </a:r>
             <a:endParaRPr lang="en-US" dirty="0"/>
@@ -362,35 +361,35 @@
           <a:p>
             <a:pPr lvl="0"/>
             <a:r>
-              <a:rPr lang="en-GB"/>
+              <a:rPr lang="en-US"/>
               <a:t>Click to edit Master text styles</a:t>
             </a:r>
           </a:p>
           <a:p>
             <a:pPr lvl="1"/>
             <a:r>
-              <a:rPr lang="en-GB"/>
+              <a:rPr lang="en-US"/>
               <a:t>Second level</a:t>
             </a:r>
           </a:p>
           <a:p>
             <a:pPr lvl="2"/>
             <a:r>
-              <a:rPr lang="en-GB"/>
+              <a:rPr lang="en-US"/>
               <a:t>Third level</a:t>
             </a:r>
           </a:p>
           <a:p>
             <a:pPr lvl="3"/>
             <a:r>
-              <a:rPr lang="en-GB"/>
+              <a:rPr lang="en-US"/>
               <a:t>Fourth level</a:t>
             </a:r>
           </a:p>
           <a:p>
             <a:pPr lvl="4"/>
             <a:r>
-              <a:rPr lang="en-GB"/>
+              <a:rPr lang="en-US"/>
               <a:t>Fifth level</a:t>
             </a:r>
             <a:endParaRPr lang="en-US" dirty="0"/>
@@ -414,7 +413,7 @@
           <a:p>
             <a:fld id="{8623B039-40F8-9E46-9568-CE8321AE71CD}" type="datetimeFigureOut">
               <a:rPr lang="en-GB" smtClean="0"/>
-              <a:t>10/09/2020</a:t>
+              <a:t>24/09/2020</a:t>
             </a:fld>
             <a:endParaRPr lang="en-GB"/>
           </a:p>
@@ -465,7 +464,7 @@
     </p:spTree>
     <p:extLst>
       <p:ext uri="{BB962C8B-B14F-4D97-AF65-F5344CB8AC3E}">
-        <p14:creationId xmlns:p14="http://schemas.microsoft.com/office/powerpoint/2010/main" val="2964904657"/>
+        <p14:creationId xmlns:p14="http://schemas.microsoft.com/office/powerpoint/2010/main" val="1597654595"/>
       </p:ext>
     </p:extLst>
   </p:cSld>
@@ -504,8 +503,8 @@
         </p:nvSpPr>
         <p:spPr>
           <a:xfrm>
-            <a:off x="4907757" y="527403"/>
-            <a:ext cx="1478756" cy="8394877"/>
+            <a:off x="8724901" y="486834"/>
+            <a:ext cx="2628900" cy="7749117"/>
           </a:xfrm>
         </p:spPr>
         <p:txBody>
@@ -513,7 +512,7 @@
           <a:lstStyle/>
           <a:p>
             <a:r>
-              <a:rPr lang="en-GB"/>
+              <a:rPr lang="en-US"/>
               <a:t>Click to edit Master title style</a:t>
             </a:r>
             <a:endParaRPr lang="en-US" dirty="0"/>
@@ -532,8 +531,8 @@
         </p:nvSpPr>
         <p:spPr>
           <a:xfrm>
-            <a:off x="471488" y="527403"/>
-            <a:ext cx="4350544" cy="8394877"/>
+            <a:off x="838201" y="486834"/>
+            <a:ext cx="7734300" cy="7749117"/>
           </a:xfrm>
         </p:spPr>
         <p:txBody>
@@ -542,35 +541,35 @@
           <a:p>
             <a:pPr lvl="0"/>
             <a:r>
-              <a:rPr lang="en-GB"/>
+              <a:rPr lang="en-US"/>
               <a:t>Click to edit Master text styles</a:t>
             </a:r>
           </a:p>
           <a:p>
             <a:pPr lvl="1"/>
             <a:r>
-              <a:rPr lang="en-GB"/>
+              <a:rPr lang="en-US"/>
               <a:t>Second level</a:t>
             </a:r>
           </a:p>
           <a:p>
             <a:pPr lvl="2"/>
             <a:r>
-              <a:rPr lang="en-GB"/>
+              <a:rPr lang="en-US"/>
               <a:t>Third level</a:t>
             </a:r>
           </a:p>
           <a:p>
             <a:pPr lvl="3"/>
             <a:r>
-              <a:rPr lang="en-GB"/>
+              <a:rPr lang="en-US"/>
               <a:t>Fourth level</a:t>
             </a:r>
           </a:p>
           <a:p>
             <a:pPr lvl="4"/>
             <a:r>
-              <a:rPr lang="en-GB"/>
+              <a:rPr lang="en-US"/>
               <a:t>Fifth level</a:t>
             </a:r>
             <a:endParaRPr lang="en-US" dirty="0"/>
@@ -594,7 +593,7 @@
           <a:p>
             <a:fld id="{8623B039-40F8-9E46-9568-CE8321AE71CD}" type="datetimeFigureOut">
               <a:rPr lang="en-GB" smtClean="0"/>
-              <a:t>10/09/2020</a:t>
+              <a:t>24/09/2020</a:t>
             </a:fld>
             <a:endParaRPr lang="en-GB"/>
           </a:p>
@@ -645,7 +644,7 @@
     </p:spTree>
     <p:extLst>
       <p:ext uri="{BB962C8B-B14F-4D97-AF65-F5344CB8AC3E}">
-        <p14:creationId xmlns:p14="http://schemas.microsoft.com/office/powerpoint/2010/main" val="2680697784"/>
+        <p14:creationId xmlns:p14="http://schemas.microsoft.com/office/powerpoint/2010/main" val="885267371"/>
       </p:ext>
     </p:extLst>
   </p:cSld>
@@ -688,7 +687,7 @@
           <a:lstStyle/>
           <a:p>
             <a:r>
-              <a:rPr lang="en-GB"/>
+              <a:rPr lang="en-US"/>
               <a:t>Click to edit Master title style</a:t>
             </a:r>
             <a:endParaRPr lang="en-US" dirty="0"/>
@@ -712,35 +711,35 @@
           <a:p>
             <a:pPr lvl="0"/>
             <a:r>
-              <a:rPr lang="en-GB"/>
+              <a:rPr lang="en-US"/>
               <a:t>Click to edit Master text styles</a:t>
             </a:r>
           </a:p>
           <a:p>
             <a:pPr lvl="1"/>
             <a:r>
-              <a:rPr lang="en-GB"/>
+              <a:rPr lang="en-US"/>
               <a:t>Second level</a:t>
             </a:r>
           </a:p>
           <a:p>
             <a:pPr lvl="2"/>
             <a:r>
-              <a:rPr lang="en-GB"/>
+              <a:rPr lang="en-US"/>
               <a:t>Third level</a:t>
             </a:r>
           </a:p>
           <a:p>
             <a:pPr lvl="3"/>
             <a:r>
-              <a:rPr lang="en-GB"/>
+              <a:rPr lang="en-US"/>
               <a:t>Fourth level</a:t>
             </a:r>
           </a:p>
           <a:p>
             <a:pPr lvl="4"/>
             <a:r>
-              <a:rPr lang="en-GB"/>
+              <a:rPr lang="en-US"/>
               <a:t>Fifth level</a:t>
             </a:r>
             <a:endParaRPr lang="en-US" dirty="0"/>
@@ -764,7 +763,7 @@
           <a:p>
             <a:fld id="{8623B039-40F8-9E46-9568-CE8321AE71CD}" type="datetimeFigureOut">
               <a:rPr lang="en-GB" smtClean="0"/>
-              <a:t>10/09/2020</a:t>
+              <a:t>24/09/2020</a:t>
             </a:fld>
             <a:endParaRPr lang="en-GB"/>
           </a:p>
@@ -815,7 +814,7 @@
     </p:spTree>
     <p:extLst>
       <p:ext uri="{BB962C8B-B14F-4D97-AF65-F5344CB8AC3E}">
-        <p14:creationId xmlns:p14="http://schemas.microsoft.com/office/powerpoint/2010/main" val="9204603"/>
+        <p14:creationId xmlns:p14="http://schemas.microsoft.com/office/powerpoint/2010/main" val="3056347452"/>
       </p:ext>
     </p:extLst>
   </p:cSld>
@@ -854,20 +853,20 @@
         </p:nvSpPr>
         <p:spPr>
           <a:xfrm>
-            <a:off x="467916" y="2469624"/>
-            <a:ext cx="5915025" cy="4120620"/>
+            <a:off x="831851" y="2279653"/>
+            <a:ext cx="10515600" cy="3803649"/>
           </a:xfrm>
         </p:spPr>
         <p:txBody>
           <a:bodyPr anchor="b"/>
           <a:lstStyle>
             <a:lvl1pPr>
-              <a:defRPr sz="4500"/>
+              <a:defRPr sz="8000"/>
             </a:lvl1pPr>
           </a:lstStyle>
           <a:p>
             <a:r>
-              <a:rPr lang="en-GB"/>
+              <a:rPr lang="en-US"/>
               <a:t>Click to edit Master title style</a:t>
             </a:r>
             <a:endParaRPr lang="en-US" dirty="0"/>
@@ -886,8 +885,8 @@
         </p:nvSpPr>
         <p:spPr>
           <a:xfrm>
-            <a:off x="467916" y="6629226"/>
-            <a:ext cx="5915025" cy="2166937"/>
+            <a:off x="831851" y="6119286"/>
+            <a:ext cx="10515600" cy="2000249"/>
           </a:xfrm>
         </p:spPr>
         <p:txBody>
@@ -895,15 +894,15 @@
           <a:lstStyle>
             <a:lvl1pPr marL="0" indent="0">
               <a:buNone/>
-              <a:defRPr sz="1800">
+              <a:defRPr sz="3200">
                 <a:solidFill>
                   <a:schemeClr val="tx1"/>
                 </a:solidFill>
               </a:defRPr>
             </a:lvl1pPr>
-            <a:lvl2pPr marL="342900" indent="0">
-              <a:buNone/>
-              <a:defRPr sz="1500">
+            <a:lvl2pPr marL="609585" indent="0">
+              <a:buNone/>
+              <a:defRPr sz="2667">
                 <a:solidFill>
                   <a:schemeClr val="tx1">
                     <a:tint val="75000"/>
@@ -911,9 +910,9 @@
                 </a:solidFill>
               </a:defRPr>
             </a:lvl2pPr>
-            <a:lvl3pPr marL="685800" indent="0">
-              <a:buNone/>
-              <a:defRPr sz="1350">
+            <a:lvl3pPr marL="1219170" indent="0">
+              <a:buNone/>
+              <a:defRPr sz="2400">
                 <a:solidFill>
                   <a:schemeClr val="tx1">
                     <a:tint val="75000"/>
@@ -921,9 +920,9 @@
                 </a:solidFill>
               </a:defRPr>
             </a:lvl3pPr>
-            <a:lvl4pPr marL="1028700" indent="0">
-              <a:buNone/>
-              <a:defRPr sz="1200">
+            <a:lvl4pPr marL="1828754" indent="0">
+              <a:buNone/>
+              <a:defRPr sz="2133">
                 <a:solidFill>
                   <a:schemeClr val="tx1">
                     <a:tint val="75000"/>
@@ -931,9 +930,9 @@
                 </a:solidFill>
               </a:defRPr>
             </a:lvl4pPr>
-            <a:lvl5pPr marL="1371600" indent="0">
-              <a:buNone/>
-              <a:defRPr sz="1200">
+            <a:lvl5pPr marL="2438339" indent="0">
+              <a:buNone/>
+              <a:defRPr sz="2133">
                 <a:solidFill>
                   <a:schemeClr val="tx1">
                     <a:tint val="75000"/>
@@ -941,9 +940,9 @@
                 </a:solidFill>
               </a:defRPr>
             </a:lvl5pPr>
-            <a:lvl6pPr marL="1714500" indent="0">
-              <a:buNone/>
-              <a:defRPr sz="1200">
+            <a:lvl6pPr marL="3047924" indent="0">
+              <a:buNone/>
+              <a:defRPr sz="2133">
                 <a:solidFill>
                   <a:schemeClr val="tx1">
                     <a:tint val="75000"/>
@@ -951,9 +950,9 @@
                 </a:solidFill>
               </a:defRPr>
             </a:lvl6pPr>
-            <a:lvl7pPr marL="2057400" indent="0">
-              <a:buNone/>
-              <a:defRPr sz="1200">
+            <a:lvl7pPr marL="3657509" indent="0">
+              <a:buNone/>
+              <a:defRPr sz="2133">
                 <a:solidFill>
                   <a:schemeClr val="tx1">
                     <a:tint val="75000"/>
@@ -961,9 +960,9 @@
                 </a:solidFill>
               </a:defRPr>
             </a:lvl7pPr>
-            <a:lvl8pPr marL="2400300" indent="0">
-              <a:buNone/>
-              <a:defRPr sz="1200">
+            <a:lvl8pPr marL="4267093" indent="0">
+              <a:buNone/>
+              <a:defRPr sz="2133">
                 <a:solidFill>
                   <a:schemeClr val="tx1">
                     <a:tint val="75000"/>
@@ -971,9 +970,9 @@
                 </a:solidFill>
               </a:defRPr>
             </a:lvl8pPr>
-            <a:lvl9pPr marL="2743200" indent="0">
-              <a:buNone/>
-              <a:defRPr sz="1200">
+            <a:lvl9pPr marL="4876678" indent="0">
+              <a:buNone/>
+              <a:defRPr sz="2133">
                 <a:solidFill>
                   <a:schemeClr val="tx1">
                     <a:tint val="75000"/>
@@ -985,7 +984,7 @@
           <a:p>
             <a:pPr lvl="0"/>
             <a:r>
-              <a:rPr lang="en-GB"/>
+              <a:rPr lang="en-US"/>
               <a:t>Click to edit Master text styles</a:t>
             </a:r>
           </a:p>
@@ -1008,7 +1007,7 @@
           <a:p>
             <a:fld id="{8623B039-40F8-9E46-9568-CE8321AE71CD}" type="datetimeFigureOut">
               <a:rPr lang="en-GB" smtClean="0"/>
-              <a:t>10/09/2020</a:t>
+              <a:t>24/09/2020</a:t>
             </a:fld>
             <a:endParaRPr lang="en-GB"/>
           </a:p>
@@ -1059,7 +1058,7 @@
     </p:spTree>
     <p:extLst>
       <p:ext uri="{BB962C8B-B14F-4D97-AF65-F5344CB8AC3E}">
-        <p14:creationId xmlns:p14="http://schemas.microsoft.com/office/powerpoint/2010/main" val="2293812780"/>
+        <p14:creationId xmlns:p14="http://schemas.microsoft.com/office/powerpoint/2010/main" val="2731422997"/>
       </p:ext>
     </p:extLst>
   </p:cSld>
@@ -1102,7 +1101,7 @@
           <a:lstStyle/>
           <a:p>
             <a:r>
-              <a:rPr lang="en-GB"/>
+              <a:rPr lang="en-US"/>
               <a:t>Click to edit Master title style</a:t>
             </a:r>
             <a:endParaRPr lang="en-US" dirty="0"/>
@@ -1121,8 +1120,8 @@
         </p:nvSpPr>
         <p:spPr>
           <a:xfrm>
-            <a:off x="471488" y="2637014"/>
-            <a:ext cx="2914650" cy="6285266"/>
+            <a:off x="838200" y="2434167"/>
+            <a:ext cx="5181600" cy="5801784"/>
           </a:xfrm>
         </p:spPr>
         <p:txBody>
@@ -1131,35 +1130,35 @@
           <a:p>
             <a:pPr lvl="0"/>
             <a:r>
-              <a:rPr lang="en-GB"/>
+              <a:rPr lang="en-US"/>
               <a:t>Click to edit Master text styles</a:t>
             </a:r>
           </a:p>
           <a:p>
             <a:pPr lvl="1"/>
             <a:r>
-              <a:rPr lang="en-GB"/>
+              <a:rPr lang="en-US"/>
               <a:t>Second level</a:t>
             </a:r>
           </a:p>
           <a:p>
             <a:pPr lvl="2"/>
             <a:r>
-              <a:rPr lang="en-GB"/>
+              <a:rPr lang="en-US"/>
               <a:t>Third level</a:t>
             </a:r>
           </a:p>
           <a:p>
             <a:pPr lvl="3"/>
             <a:r>
-              <a:rPr lang="en-GB"/>
+              <a:rPr lang="en-US"/>
               <a:t>Fourth level</a:t>
             </a:r>
           </a:p>
           <a:p>
             <a:pPr lvl="4"/>
             <a:r>
-              <a:rPr lang="en-GB"/>
+              <a:rPr lang="en-US"/>
               <a:t>Fifth level</a:t>
             </a:r>
             <a:endParaRPr lang="en-US" dirty="0"/>
@@ -1178,8 +1177,8 @@
         </p:nvSpPr>
         <p:spPr>
           <a:xfrm>
-            <a:off x="3471863" y="2637014"/>
-            <a:ext cx="2914650" cy="6285266"/>
+            <a:off x="6172200" y="2434167"/>
+            <a:ext cx="5181600" cy="5801784"/>
           </a:xfrm>
         </p:spPr>
         <p:txBody>
@@ -1188,35 +1187,35 @@
           <a:p>
             <a:pPr lvl="0"/>
             <a:r>
-              <a:rPr lang="en-GB"/>
+              <a:rPr lang="en-US"/>
               <a:t>Click to edit Master text styles</a:t>
             </a:r>
           </a:p>
           <a:p>
             <a:pPr lvl="1"/>
             <a:r>
-              <a:rPr lang="en-GB"/>
+              <a:rPr lang="en-US"/>
               <a:t>Second level</a:t>
             </a:r>
           </a:p>
           <a:p>
             <a:pPr lvl="2"/>
             <a:r>
-              <a:rPr lang="en-GB"/>
+              <a:rPr lang="en-US"/>
               <a:t>Third level</a:t>
             </a:r>
           </a:p>
           <a:p>
             <a:pPr lvl="3"/>
             <a:r>
-              <a:rPr lang="en-GB"/>
+              <a:rPr lang="en-US"/>
               <a:t>Fourth level</a:t>
             </a:r>
           </a:p>
           <a:p>
             <a:pPr lvl="4"/>
             <a:r>
-              <a:rPr lang="en-GB"/>
+              <a:rPr lang="en-US"/>
               <a:t>Fifth level</a:t>
             </a:r>
             <a:endParaRPr lang="en-US" dirty="0"/>
@@ -1240,7 +1239,7 @@
           <a:p>
             <a:fld id="{8623B039-40F8-9E46-9568-CE8321AE71CD}" type="datetimeFigureOut">
               <a:rPr lang="en-GB" smtClean="0"/>
-              <a:t>10/09/2020</a:t>
+              <a:t>24/09/2020</a:t>
             </a:fld>
             <a:endParaRPr lang="en-GB"/>
           </a:p>
@@ -1291,7 +1290,7 @@
     </p:spTree>
     <p:extLst>
       <p:ext uri="{BB962C8B-B14F-4D97-AF65-F5344CB8AC3E}">
-        <p14:creationId xmlns:p14="http://schemas.microsoft.com/office/powerpoint/2010/main" val="2542904927"/>
+        <p14:creationId xmlns:p14="http://schemas.microsoft.com/office/powerpoint/2010/main" val="815138991"/>
       </p:ext>
     </p:extLst>
   </p:cSld>
@@ -1330,8 +1329,8 @@
         </p:nvSpPr>
         <p:spPr>
           <a:xfrm>
-            <a:off x="472381" y="527405"/>
-            <a:ext cx="5915025" cy="1914702"/>
+            <a:off x="839788" y="486836"/>
+            <a:ext cx="10515600" cy="1767417"/>
           </a:xfrm>
         </p:spPr>
         <p:txBody>
@@ -1339,7 +1338,7 @@
           <a:lstStyle/>
           <a:p>
             <a:r>
-              <a:rPr lang="en-GB"/>
+              <a:rPr lang="en-US"/>
               <a:t>Click to edit Master title style</a:t>
             </a:r>
             <a:endParaRPr lang="en-US" dirty="0"/>
@@ -1358,8 +1357,8 @@
         </p:nvSpPr>
         <p:spPr>
           <a:xfrm>
-            <a:off x="472381" y="2428347"/>
-            <a:ext cx="2901255" cy="1190095"/>
+            <a:off x="839789" y="2241551"/>
+            <a:ext cx="5157787" cy="1098549"/>
           </a:xfrm>
         </p:spPr>
         <p:txBody>
@@ -1367,45 +1366,45 @@
           <a:lstStyle>
             <a:lvl1pPr marL="0" indent="0">
               <a:buNone/>
-              <a:defRPr sz="1800" b="1"/>
+              <a:defRPr sz="3200" b="1"/>
             </a:lvl1pPr>
-            <a:lvl2pPr marL="342900" indent="0">
-              <a:buNone/>
-              <a:defRPr sz="1500" b="1"/>
+            <a:lvl2pPr marL="609585" indent="0">
+              <a:buNone/>
+              <a:defRPr sz="2667" b="1"/>
             </a:lvl2pPr>
-            <a:lvl3pPr marL="685800" indent="0">
-              <a:buNone/>
-              <a:defRPr sz="1350" b="1"/>
+            <a:lvl3pPr marL="1219170" indent="0">
+              <a:buNone/>
+              <a:defRPr sz="2400" b="1"/>
             </a:lvl3pPr>
-            <a:lvl4pPr marL="1028700" indent="0">
-              <a:buNone/>
-              <a:defRPr sz="1200" b="1"/>
+            <a:lvl4pPr marL="1828754" indent="0">
+              <a:buNone/>
+              <a:defRPr sz="2133" b="1"/>
             </a:lvl4pPr>
-            <a:lvl5pPr marL="1371600" indent="0">
-              <a:buNone/>
-              <a:defRPr sz="1200" b="1"/>
+            <a:lvl5pPr marL="2438339" indent="0">
+              <a:buNone/>
+              <a:defRPr sz="2133" b="1"/>
             </a:lvl5pPr>
-            <a:lvl6pPr marL="1714500" indent="0">
-              <a:buNone/>
-              <a:defRPr sz="1200" b="1"/>
+            <a:lvl6pPr marL="3047924" indent="0">
+              <a:buNone/>
+              <a:defRPr sz="2133" b="1"/>
             </a:lvl6pPr>
-            <a:lvl7pPr marL="2057400" indent="0">
-              <a:buNone/>
-              <a:defRPr sz="1200" b="1"/>
+            <a:lvl7pPr marL="3657509" indent="0">
+              <a:buNone/>
+              <a:defRPr sz="2133" b="1"/>
             </a:lvl7pPr>
-            <a:lvl8pPr marL="2400300" indent="0">
-              <a:buNone/>
-              <a:defRPr sz="1200" b="1"/>
+            <a:lvl8pPr marL="4267093" indent="0">
+              <a:buNone/>
+              <a:defRPr sz="2133" b="1"/>
             </a:lvl8pPr>
-            <a:lvl9pPr marL="2743200" indent="0">
-              <a:buNone/>
-              <a:defRPr sz="1200" b="1"/>
+            <a:lvl9pPr marL="4876678" indent="0">
+              <a:buNone/>
+              <a:defRPr sz="2133" b="1"/>
             </a:lvl9pPr>
           </a:lstStyle>
           <a:p>
             <a:pPr lvl="0"/>
             <a:r>
-              <a:rPr lang="en-GB"/>
+              <a:rPr lang="en-US"/>
               <a:t>Click to edit Master text styles</a:t>
             </a:r>
           </a:p>
@@ -1423,8 +1422,8 @@
         </p:nvSpPr>
         <p:spPr>
           <a:xfrm>
-            <a:off x="472381" y="3618442"/>
-            <a:ext cx="2901255" cy="5322183"/>
+            <a:off x="839789" y="3340100"/>
+            <a:ext cx="5157787" cy="4912784"/>
           </a:xfrm>
         </p:spPr>
         <p:txBody>
@@ -1433,35 +1432,35 @@
           <a:p>
             <a:pPr lvl="0"/>
             <a:r>
-              <a:rPr lang="en-GB"/>
+              <a:rPr lang="en-US"/>
               <a:t>Click to edit Master text styles</a:t>
             </a:r>
           </a:p>
           <a:p>
             <a:pPr lvl="1"/>
             <a:r>
-              <a:rPr lang="en-GB"/>
+              <a:rPr lang="en-US"/>
               <a:t>Second level</a:t>
             </a:r>
           </a:p>
           <a:p>
             <a:pPr lvl="2"/>
             <a:r>
-              <a:rPr lang="en-GB"/>
+              <a:rPr lang="en-US"/>
               <a:t>Third level</a:t>
             </a:r>
           </a:p>
           <a:p>
             <a:pPr lvl="3"/>
             <a:r>
-              <a:rPr lang="en-GB"/>
+              <a:rPr lang="en-US"/>
               <a:t>Fourth level</a:t>
             </a:r>
           </a:p>
           <a:p>
             <a:pPr lvl="4"/>
             <a:r>
-              <a:rPr lang="en-GB"/>
+              <a:rPr lang="en-US"/>
               <a:t>Fifth level</a:t>
             </a:r>
             <a:endParaRPr lang="en-US" dirty="0"/>
@@ -1480,8 +1479,8 @@
         </p:nvSpPr>
         <p:spPr>
           <a:xfrm>
-            <a:off x="3471863" y="2428347"/>
-            <a:ext cx="2915543" cy="1190095"/>
+            <a:off x="6172201" y="2241551"/>
+            <a:ext cx="5183188" cy="1098549"/>
           </a:xfrm>
         </p:spPr>
         <p:txBody>
@@ -1489,45 +1488,45 @@
           <a:lstStyle>
             <a:lvl1pPr marL="0" indent="0">
               <a:buNone/>
-              <a:defRPr sz="1800" b="1"/>
+              <a:defRPr sz="3200" b="1"/>
             </a:lvl1pPr>
-            <a:lvl2pPr marL="342900" indent="0">
-              <a:buNone/>
-              <a:defRPr sz="1500" b="1"/>
+            <a:lvl2pPr marL="609585" indent="0">
+              <a:buNone/>
+              <a:defRPr sz="2667" b="1"/>
             </a:lvl2pPr>
-            <a:lvl3pPr marL="685800" indent="0">
-              <a:buNone/>
-              <a:defRPr sz="1350" b="1"/>
+            <a:lvl3pPr marL="1219170" indent="0">
+              <a:buNone/>
+              <a:defRPr sz="2400" b="1"/>
             </a:lvl3pPr>
-            <a:lvl4pPr marL="1028700" indent="0">
-              <a:buNone/>
-              <a:defRPr sz="1200" b="1"/>
+            <a:lvl4pPr marL="1828754" indent="0">
+              <a:buNone/>
+              <a:defRPr sz="2133" b="1"/>
             </a:lvl4pPr>
-            <a:lvl5pPr marL="1371600" indent="0">
-              <a:buNone/>
-              <a:defRPr sz="1200" b="1"/>
+            <a:lvl5pPr marL="2438339" indent="0">
+              <a:buNone/>
+              <a:defRPr sz="2133" b="1"/>
             </a:lvl5pPr>
-            <a:lvl6pPr marL="1714500" indent="0">
-              <a:buNone/>
-              <a:defRPr sz="1200" b="1"/>
+            <a:lvl6pPr marL="3047924" indent="0">
+              <a:buNone/>
+              <a:defRPr sz="2133" b="1"/>
             </a:lvl6pPr>
-            <a:lvl7pPr marL="2057400" indent="0">
-              <a:buNone/>
-              <a:defRPr sz="1200" b="1"/>
+            <a:lvl7pPr marL="3657509" indent="0">
+              <a:buNone/>
+              <a:defRPr sz="2133" b="1"/>
             </a:lvl7pPr>
-            <a:lvl8pPr marL="2400300" indent="0">
-              <a:buNone/>
-              <a:defRPr sz="1200" b="1"/>
+            <a:lvl8pPr marL="4267093" indent="0">
+              <a:buNone/>
+              <a:defRPr sz="2133" b="1"/>
             </a:lvl8pPr>
-            <a:lvl9pPr marL="2743200" indent="0">
-              <a:buNone/>
-              <a:defRPr sz="1200" b="1"/>
+            <a:lvl9pPr marL="4876678" indent="0">
+              <a:buNone/>
+              <a:defRPr sz="2133" b="1"/>
             </a:lvl9pPr>
           </a:lstStyle>
           <a:p>
             <a:pPr lvl="0"/>
             <a:r>
-              <a:rPr lang="en-GB"/>
+              <a:rPr lang="en-US"/>
               <a:t>Click to edit Master text styles</a:t>
             </a:r>
           </a:p>
@@ -1545,8 +1544,8 @@
         </p:nvSpPr>
         <p:spPr>
           <a:xfrm>
-            <a:off x="3471863" y="3618442"/>
-            <a:ext cx="2915543" cy="5322183"/>
+            <a:off x="6172201" y="3340100"/>
+            <a:ext cx="5183188" cy="4912784"/>
           </a:xfrm>
         </p:spPr>
         <p:txBody>
@@ -1555,35 +1554,35 @@
           <a:p>
             <a:pPr lvl="0"/>
             <a:r>
-              <a:rPr lang="en-GB"/>
+              <a:rPr lang="en-US"/>
               <a:t>Click to edit Master text styles</a:t>
             </a:r>
           </a:p>
           <a:p>
             <a:pPr lvl="1"/>
             <a:r>
-              <a:rPr lang="en-GB"/>
+              <a:rPr lang="en-US"/>
               <a:t>Second level</a:t>
             </a:r>
           </a:p>
           <a:p>
             <a:pPr lvl="2"/>
             <a:r>
-              <a:rPr lang="en-GB"/>
+              <a:rPr lang="en-US"/>
               <a:t>Third level</a:t>
             </a:r>
           </a:p>
           <a:p>
             <a:pPr lvl="3"/>
             <a:r>
-              <a:rPr lang="en-GB"/>
+              <a:rPr lang="en-US"/>
               <a:t>Fourth level</a:t>
             </a:r>
           </a:p>
           <a:p>
             <a:pPr lvl="4"/>
             <a:r>
-              <a:rPr lang="en-GB"/>
+              <a:rPr lang="en-US"/>
               <a:t>Fifth level</a:t>
             </a:r>
             <a:endParaRPr lang="en-US" dirty="0"/>
@@ -1607,7 +1606,7 @@
           <a:p>
             <a:fld id="{8623B039-40F8-9E46-9568-CE8321AE71CD}" type="datetimeFigureOut">
               <a:rPr lang="en-GB" smtClean="0"/>
-              <a:t>10/09/2020</a:t>
+              <a:t>24/09/2020</a:t>
             </a:fld>
             <a:endParaRPr lang="en-GB"/>
           </a:p>
@@ -1658,7 +1657,7 @@
     </p:spTree>
     <p:extLst>
       <p:ext uri="{BB962C8B-B14F-4D97-AF65-F5344CB8AC3E}">
-        <p14:creationId xmlns:p14="http://schemas.microsoft.com/office/powerpoint/2010/main" val="2047856451"/>
+        <p14:creationId xmlns:p14="http://schemas.microsoft.com/office/powerpoint/2010/main" val="546126108"/>
       </p:ext>
     </p:extLst>
   </p:cSld>
@@ -1701,7 +1700,7 @@
           <a:lstStyle/>
           <a:p>
             <a:r>
-              <a:rPr lang="en-GB"/>
+              <a:rPr lang="en-US"/>
               <a:t>Click to edit Master title style</a:t>
             </a:r>
             <a:endParaRPr lang="en-US" dirty="0"/>
@@ -1725,7 +1724,7 @@
           <a:p>
             <a:fld id="{8623B039-40F8-9E46-9568-CE8321AE71CD}" type="datetimeFigureOut">
               <a:rPr lang="en-GB" smtClean="0"/>
-              <a:t>10/09/2020</a:t>
+              <a:t>24/09/2020</a:t>
             </a:fld>
             <a:endParaRPr lang="en-GB"/>
           </a:p>
@@ -1776,7 +1775,7 @@
     </p:spTree>
     <p:extLst>
       <p:ext uri="{BB962C8B-B14F-4D97-AF65-F5344CB8AC3E}">
-        <p14:creationId xmlns:p14="http://schemas.microsoft.com/office/powerpoint/2010/main" val="3763490534"/>
+        <p14:creationId xmlns:p14="http://schemas.microsoft.com/office/powerpoint/2010/main" val="3353134500"/>
       </p:ext>
     </p:extLst>
   </p:cSld>
@@ -1820,7 +1819,7 @@
           <a:p>
             <a:fld id="{8623B039-40F8-9E46-9568-CE8321AE71CD}" type="datetimeFigureOut">
               <a:rPr lang="en-GB" smtClean="0"/>
-              <a:t>10/09/2020</a:t>
+              <a:t>24/09/2020</a:t>
             </a:fld>
             <a:endParaRPr lang="en-GB"/>
           </a:p>
@@ -1871,7 +1870,7 @@
     </p:spTree>
     <p:extLst>
       <p:ext uri="{BB962C8B-B14F-4D97-AF65-F5344CB8AC3E}">
-        <p14:creationId xmlns:p14="http://schemas.microsoft.com/office/powerpoint/2010/main" val="2294539549"/>
+        <p14:creationId xmlns:p14="http://schemas.microsoft.com/office/powerpoint/2010/main" val="113269569"/>
       </p:ext>
     </p:extLst>
   </p:cSld>
@@ -1910,20 +1909,20 @@
         </p:nvSpPr>
         <p:spPr>
           <a:xfrm>
-            <a:off x="472381" y="660400"/>
-            <a:ext cx="2211884" cy="2311400"/>
+            <a:off x="839788" y="609600"/>
+            <a:ext cx="3932237" cy="2133600"/>
           </a:xfrm>
         </p:spPr>
         <p:txBody>
           <a:bodyPr anchor="b"/>
           <a:lstStyle>
             <a:lvl1pPr>
-              <a:defRPr sz="2400"/>
+              <a:defRPr sz="4267"/>
             </a:lvl1pPr>
           </a:lstStyle>
           <a:p>
             <a:r>
-              <a:rPr lang="en-GB"/>
+              <a:rPr lang="en-US"/>
               <a:t>Click to edit Master title style</a:t>
             </a:r>
             <a:endParaRPr lang="en-US" dirty="0"/>
@@ -1942,73 +1941,73 @@
         </p:nvSpPr>
         <p:spPr>
           <a:xfrm>
-            <a:off x="2915543" y="1426283"/>
-            <a:ext cx="3471863" cy="7039681"/>
+            <a:off x="5183188" y="1316569"/>
+            <a:ext cx="6172200" cy="6498167"/>
           </a:xfrm>
         </p:spPr>
         <p:txBody>
           <a:bodyPr/>
           <a:lstStyle>
             <a:lvl1pPr>
-              <a:defRPr sz="2400"/>
+              <a:defRPr sz="4267"/>
             </a:lvl1pPr>
             <a:lvl2pPr>
-              <a:defRPr sz="2100"/>
+              <a:defRPr sz="3733"/>
             </a:lvl2pPr>
             <a:lvl3pPr>
-              <a:defRPr sz="1800"/>
+              <a:defRPr sz="3200"/>
             </a:lvl3pPr>
             <a:lvl4pPr>
-              <a:defRPr sz="1500"/>
+              <a:defRPr sz="2667"/>
             </a:lvl4pPr>
             <a:lvl5pPr>
-              <a:defRPr sz="1500"/>
+              <a:defRPr sz="2667"/>
             </a:lvl5pPr>
             <a:lvl6pPr>
-              <a:defRPr sz="1500"/>
+              <a:defRPr sz="2667"/>
             </a:lvl6pPr>
             <a:lvl7pPr>
-              <a:defRPr sz="1500"/>
+              <a:defRPr sz="2667"/>
             </a:lvl7pPr>
             <a:lvl8pPr>
-              <a:defRPr sz="1500"/>
+              <a:defRPr sz="2667"/>
             </a:lvl8pPr>
             <a:lvl9pPr>
-              <a:defRPr sz="1500"/>
+              <a:defRPr sz="2667"/>
             </a:lvl9pPr>
           </a:lstStyle>
           <a:p>
             <a:pPr lvl="0"/>
             <a:r>
-              <a:rPr lang="en-GB"/>
+              <a:rPr lang="en-US"/>
               <a:t>Click to edit Master text styles</a:t>
             </a:r>
           </a:p>
           <a:p>
             <a:pPr lvl="1"/>
             <a:r>
-              <a:rPr lang="en-GB"/>
+              <a:rPr lang="en-US"/>
               <a:t>Second level</a:t>
             </a:r>
           </a:p>
           <a:p>
             <a:pPr lvl="2"/>
             <a:r>
-              <a:rPr lang="en-GB"/>
+              <a:rPr lang="en-US"/>
               <a:t>Third level</a:t>
             </a:r>
           </a:p>
           <a:p>
             <a:pPr lvl="3"/>
             <a:r>
-              <a:rPr lang="en-GB"/>
+              <a:rPr lang="en-US"/>
               <a:t>Fourth level</a:t>
             </a:r>
           </a:p>
           <a:p>
             <a:pPr lvl="4"/>
             <a:r>
-              <a:rPr lang="en-GB"/>
+              <a:rPr lang="en-US"/>
               <a:t>Fifth level</a:t>
             </a:r>
             <a:endParaRPr lang="en-US" dirty="0"/>
@@ -2027,8 +2026,8 @@
         </p:nvSpPr>
         <p:spPr>
           <a:xfrm>
-            <a:off x="472381" y="2971800"/>
-            <a:ext cx="2211884" cy="5505627"/>
+            <a:off x="839788" y="2743200"/>
+            <a:ext cx="3932237" cy="5082117"/>
           </a:xfrm>
         </p:spPr>
         <p:txBody>
@@ -2036,45 +2035,45 @@
           <a:lstStyle>
             <a:lvl1pPr marL="0" indent="0">
               <a:buNone/>
-              <a:defRPr sz="1200"/>
+              <a:defRPr sz="2133"/>
             </a:lvl1pPr>
-            <a:lvl2pPr marL="342900" indent="0">
-              <a:buNone/>
-              <a:defRPr sz="1050"/>
+            <a:lvl2pPr marL="609585" indent="0">
+              <a:buNone/>
+              <a:defRPr sz="1867"/>
             </a:lvl2pPr>
-            <a:lvl3pPr marL="685800" indent="0">
-              <a:buNone/>
-              <a:defRPr sz="900"/>
+            <a:lvl3pPr marL="1219170" indent="0">
+              <a:buNone/>
+              <a:defRPr sz="1600"/>
             </a:lvl3pPr>
-            <a:lvl4pPr marL="1028700" indent="0">
-              <a:buNone/>
-              <a:defRPr sz="750"/>
+            <a:lvl4pPr marL="1828754" indent="0">
+              <a:buNone/>
+              <a:defRPr sz="1333"/>
             </a:lvl4pPr>
-            <a:lvl5pPr marL="1371600" indent="0">
-              <a:buNone/>
-              <a:defRPr sz="750"/>
+            <a:lvl5pPr marL="2438339" indent="0">
+              <a:buNone/>
+              <a:defRPr sz="1333"/>
             </a:lvl5pPr>
-            <a:lvl6pPr marL="1714500" indent="0">
-              <a:buNone/>
-              <a:defRPr sz="750"/>
+            <a:lvl6pPr marL="3047924" indent="0">
+              <a:buNone/>
+              <a:defRPr sz="1333"/>
             </a:lvl6pPr>
-            <a:lvl7pPr marL="2057400" indent="0">
-              <a:buNone/>
-              <a:defRPr sz="750"/>
+            <a:lvl7pPr marL="3657509" indent="0">
+              <a:buNone/>
+              <a:defRPr sz="1333"/>
             </a:lvl7pPr>
-            <a:lvl8pPr marL="2400300" indent="0">
-              <a:buNone/>
-              <a:defRPr sz="750"/>
+            <a:lvl8pPr marL="4267093" indent="0">
+              <a:buNone/>
+              <a:defRPr sz="1333"/>
             </a:lvl8pPr>
-            <a:lvl9pPr marL="2743200" indent="0">
-              <a:buNone/>
-              <a:defRPr sz="750"/>
+            <a:lvl9pPr marL="4876678" indent="0">
+              <a:buNone/>
+              <a:defRPr sz="1333"/>
             </a:lvl9pPr>
           </a:lstStyle>
           <a:p>
             <a:pPr lvl="0"/>
             <a:r>
-              <a:rPr lang="en-GB"/>
+              <a:rPr lang="en-US"/>
               <a:t>Click to edit Master text styles</a:t>
             </a:r>
           </a:p>
@@ -2097,7 +2096,7 @@
           <a:p>
             <a:fld id="{8623B039-40F8-9E46-9568-CE8321AE71CD}" type="datetimeFigureOut">
               <a:rPr lang="en-GB" smtClean="0"/>
-              <a:t>10/09/2020</a:t>
+              <a:t>24/09/2020</a:t>
             </a:fld>
             <a:endParaRPr lang="en-GB"/>
           </a:p>
@@ -2148,7 +2147,7 @@
     </p:spTree>
     <p:extLst>
       <p:ext uri="{BB962C8B-B14F-4D97-AF65-F5344CB8AC3E}">
-        <p14:creationId xmlns:p14="http://schemas.microsoft.com/office/powerpoint/2010/main" val="2209349394"/>
+        <p14:creationId xmlns:p14="http://schemas.microsoft.com/office/powerpoint/2010/main" val="4262297114"/>
       </p:ext>
     </p:extLst>
   </p:cSld>
@@ -2187,20 +2186,20 @@
         </p:nvSpPr>
         <p:spPr>
           <a:xfrm>
-            <a:off x="472381" y="660400"/>
-            <a:ext cx="2211884" cy="2311400"/>
+            <a:off x="839788" y="609600"/>
+            <a:ext cx="3932237" cy="2133600"/>
           </a:xfrm>
         </p:spPr>
         <p:txBody>
           <a:bodyPr anchor="b"/>
           <a:lstStyle>
             <a:lvl1pPr>
-              <a:defRPr sz="2400"/>
+              <a:defRPr sz="4267"/>
             </a:lvl1pPr>
           </a:lstStyle>
           <a:p>
             <a:r>
-              <a:rPr lang="en-GB"/>
+              <a:rPr lang="en-US"/>
               <a:t>Click to edit Master title style</a:t>
             </a:r>
             <a:endParaRPr lang="en-US" dirty="0"/>
@@ -2219,8 +2218,8 @@
         </p:nvSpPr>
         <p:spPr>
           <a:xfrm>
-            <a:off x="2915543" y="1426283"/>
-            <a:ext cx="3471863" cy="7039681"/>
+            <a:off x="5183188" y="1316569"/>
+            <a:ext cx="6172200" cy="6498167"/>
           </a:xfrm>
         </p:spPr>
         <p:txBody>
@@ -2228,44 +2227,44 @@
           <a:lstStyle>
             <a:lvl1pPr marL="0" indent="0">
               <a:buNone/>
-              <a:defRPr sz="2400"/>
+              <a:defRPr sz="4267"/>
             </a:lvl1pPr>
-            <a:lvl2pPr marL="342900" indent="0">
-              <a:buNone/>
-              <a:defRPr sz="2100"/>
+            <a:lvl2pPr marL="609585" indent="0">
+              <a:buNone/>
+              <a:defRPr sz="3733"/>
             </a:lvl2pPr>
-            <a:lvl3pPr marL="685800" indent="0">
-              <a:buNone/>
-              <a:defRPr sz="1800"/>
+            <a:lvl3pPr marL="1219170" indent="0">
+              <a:buNone/>
+              <a:defRPr sz="3200"/>
             </a:lvl3pPr>
-            <a:lvl4pPr marL="1028700" indent="0">
-              <a:buNone/>
-              <a:defRPr sz="1500"/>
+            <a:lvl4pPr marL="1828754" indent="0">
+              <a:buNone/>
+              <a:defRPr sz="2667"/>
             </a:lvl4pPr>
-            <a:lvl5pPr marL="1371600" indent="0">
-              <a:buNone/>
-              <a:defRPr sz="1500"/>
+            <a:lvl5pPr marL="2438339" indent="0">
+              <a:buNone/>
+              <a:defRPr sz="2667"/>
             </a:lvl5pPr>
-            <a:lvl6pPr marL="1714500" indent="0">
-              <a:buNone/>
-              <a:defRPr sz="1500"/>
+            <a:lvl6pPr marL="3047924" indent="0">
+              <a:buNone/>
+              <a:defRPr sz="2667"/>
             </a:lvl6pPr>
-            <a:lvl7pPr marL="2057400" indent="0">
-              <a:buNone/>
-              <a:defRPr sz="1500"/>
+            <a:lvl7pPr marL="3657509" indent="0">
+              <a:buNone/>
+              <a:defRPr sz="2667"/>
             </a:lvl7pPr>
-            <a:lvl8pPr marL="2400300" indent="0">
-              <a:buNone/>
-              <a:defRPr sz="1500"/>
+            <a:lvl8pPr marL="4267093" indent="0">
+              <a:buNone/>
+              <a:defRPr sz="2667"/>
             </a:lvl8pPr>
-            <a:lvl9pPr marL="2743200" indent="0">
-              <a:buNone/>
-              <a:defRPr sz="1500"/>
+            <a:lvl9pPr marL="4876678" indent="0">
+              <a:buNone/>
+              <a:defRPr sz="2667"/>
             </a:lvl9pPr>
           </a:lstStyle>
           <a:p>
             <a:r>
-              <a:rPr lang="en-GB"/>
+              <a:rPr lang="en-US"/>
               <a:t>Click icon to add picture</a:t>
             </a:r>
             <a:endParaRPr lang="en-US" dirty="0"/>
@@ -2284,8 +2283,8 @@
         </p:nvSpPr>
         <p:spPr>
           <a:xfrm>
-            <a:off x="472381" y="2971800"/>
-            <a:ext cx="2211884" cy="5505627"/>
+            <a:off x="839788" y="2743200"/>
+            <a:ext cx="3932237" cy="5082117"/>
           </a:xfrm>
         </p:spPr>
         <p:txBody>
@@ -2293,45 +2292,45 @@
           <a:lstStyle>
             <a:lvl1pPr marL="0" indent="0">
               <a:buNone/>
-              <a:defRPr sz="1200"/>
+              <a:defRPr sz="2133"/>
             </a:lvl1pPr>
-            <a:lvl2pPr marL="342900" indent="0">
-              <a:buNone/>
-              <a:defRPr sz="1050"/>
+            <a:lvl2pPr marL="609585" indent="0">
+              <a:buNone/>
+              <a:defRPr sz="1867"/>
             </a:lvl2pPr>
-            <a:lvl3pPr marL="685800" indent="0">
-              <a:buNone/>
-              <a:defRPr sz="900"/>
+            <a:lvl3pPr marL="1219170" indent="0">
+              <a:buNone/>
+              <a:defRPr sz="1600"/>
             </a:lvl3pPr>
-            <a:lvl4pPr marL="1028700" indent="0">
-              <a:buNone/>
-              <a:defRPr sz="750"/>
+            <a:lvl4pPr marL="1828754" indent="0">
+              <a:buNone/>
+              <a:defRPr sz="1333"/>
             </a:lvl4pPr>
-            <a:lvl5pPr marL="1371600" indent="0">
-              <a:buNone/>
-              <a:defRPr sz="750"/>
+            <a:lvl5pPr marL="2438339" indent="0">
+              <a:buNone/>
+              <a:defRPr sz="1333"/>
             </a:lvl5pPr>
-            <a:lvl6pPr marL="1714500" indent="0">
-              <a:buNone/>
-              <a:defRPr sz="750"/>
+            <a:lvl6pPr marL="3047924" indent="0">
+              <a:buNone/>
+              <a:defRPr sz="1333"/>
             </a:lvl6pPr>
-            <a:lvl7pPr marL="2057400" indent="0">
-              <a:buNone/>
-              <a:defRPr sz="750"/>
+            <a:lvl7pPr marL="3657509" indent="0">
+              <a:buNone/>
+              <a:defRPr sz="1333"/>
             </a:lvl7pPr>
-            <a:lvl8pPr marL="2400300" indent="0">
-              <a:buNone/>
-              <a:defRPr sz="750"/>
+            <a:lvl8pPr marL="4267093" indent="0">
+              <a:buNone/>
+              <a:defRPr sz="1333"/>
             </a:lvl8pPr>
-            <a:lvl9pPr marL="2743200" indent="0">
-              <a:buNone/>
-              <a:defRPr sz="750"/>
+            <a:lvl9pPr marL="4876678" indent="0">
+              <a:buNone/>
+              <a:defRPr sz="1333"/>
             </a:lvl9pPr>
           </a:lstStyle>
           <a:p>
             <a:pPr lvl="0"/>
             <a:r>
-              <a:rPr lang="en-GB"/>
+              <a:rPr lang="en-US"/>
               <a:t>Click to edit Master text styles</a:t>
             </a:r>
           </a:p>
@@ -2354,7 +2353,7 @@
           <a:p>
             <a:fld id="{8623B039-40F8-9E46-9568-CE8321AE71CD}" type="datetimeFigureOut">
               <a:rPr lang="en-GB" smtClean="0"/>
-              <a:t>10/09/2020</a:t>
+              <a:t>24/09/2020</a:t>
             </a:fld>
             <a:endParaRPr lang="en-GB"/>
           </a:p>
@@ -2405,7 +2404,7 @@
     </p:spTree>
     <p:extLst>
       <p:ext uri="{BB962C8B-B14F-4D97-AF65-F5344CB8AC3E}">
-        <p14:creationId xmlns:p14="http://schemas.microsoft.com/office/powerpoint/2010/main" val="49123072"/>
+        <p14:creationId xmlns:p14="http://schemas.microsoft.com/office/powerpoint/2010/main" val="1722149174"/>
       </p:ext>
     </p:extLst>
   </p:cSld>
@@ -2449,8 +2448,8 @@
         </p:nvSpPr>
         <p:spPr>
           <a:xfrm>
-            <a:off x="471488" y="527405"/>
-            <a:ext cx="5915025" cy="1914702"/>
+            <a:off x="838200" y="486836"/>
+            <a:ext cx="10515600" cy="1767417"/>
           </a:xfrm>
           <a:prstGeom prst="rect">
             <a:avLst/>
@@ -2463,7 +2462,7 @@
           <a:lstStyle/>
           <a:p>
             <a:r>
-              <a:rPr lang="en-GB"/>
+              <a:rPr lang="en-US"/>
               <a:t>Click to edit Master title style</a:t>
             </a:r>
             <a:endParaRPr lang="en-US" dirty="0"/>
@@ -2482,8 +2481,8 @@
         </p:nvSpPr>
         <p:spPr>
           <a:xfrm>
-            <a:off x="471488" y="2637014"/>
-            <a:ext cx="5915025" cy="6285266"/>
+            <a:off x="838200" y="2434167"/>
+            <a:ext cx="10515600" cy="5801784"/>
           </a:xfrm>
           <a:prstGeom prst="rect">
             <a:avLst/>
@@ -2497,35 +2496,35 @@
           <a:p>
             <a:pPr lvl="0"/>
             <a:r>
-              <a:rPr lang="en-GB"/>
+              <a:rPr lang="en-US"/>
               <a:t>Click to edit Master text styles</a:t>
             </a:r>
           </a:p>
           <a:p>
             <a:pPr lvl="1"/>
             <a:r>
-              <a:rPr lang="en-GB"/>
+              <a:rPr lang="en-US"/>
               <a:t>Second level</a:t>
             </a:r>
           </a:p>
           <a:p>
             <a:pPr lvl="2"/>
             <a:r>
-              <a:rPr lang="en-GB"/>
+              <a:rPr lang="en-US"/>
               <a:t>Third level</a:t>
             </a:r>
           </a:p>
           <a:p>
             <a:pPr lvl="3"/>
             <a:r>
-              <a:rPr lang="en-GB"/>
+              <a:rPr lang="en-US"/>
               <a:t>Fourth level</a:t>
             </a:r>
           </a:p>
           <a:p>
             <a:pPr lvl="4"/>
             <a:r>
-              <a:rPr lang="en-GB"/>
+              <a:rPr lang="en-US"/>
               <a:t>Fifth level</a:t>
             </a:r>
             <a:endParaRPr lang="en-US" dirty="0"/>
@@ -2544,8 +2543,8 @@
         </p:nvSpPr>
         <p:spPr>
           <a:xfrm>
-            <a:off x="471488" y="9181397"/>
-            <a:ext cx="1543050" cy="527403"/>
+            <a:off x="838200" y="8475136"/>
+            <a:ext cx="2743200" cy="486833"/>
           </a:xfrm>
           <a:prstGeom prst="rect">
             <a:avLst/>
@@ -2555,7 +2554,7 @@
           <a:bodyPr vert="horz" lIns="91440" tIns="45720" rIns="91440" bIns="45720" rtlCol="0" anchor="ctr"/>
           <a:lstStyle>
             <a:lvl1pPr algn="l">
-              <a:defRPr sz="900">
+              <a:defRPr sz="1600">
                 <a:solidFill>
                   <a:schemeClr val="tx1">
                     <a:tint val="75000"/>
@@ -2567,7 +2566,7 @@
           <a:p>
             <a:fld id="{8623B039-40F8-9E46-9568-CE8321AE71CD}" type="datetimeFigureOut">
               <a:rPr lang="en-GB" smtClean="0"/>
-              <a:t>10/09/2020</a:t>
+              <a:t>24/09/2020</a:t>
             </a:fld>
             <a:endParaRPr lang="en-GB"/>
           </a:p>
@@ -2585,8 +2584,8 @@
         </p:nvSpPr>
         <p:spPr>
           <a:xfrm>
-            <a:off x="2271713" y="9181397"/>
-            <a:ext cx="2314575" cy="527403"/>
+            <a:off x="4038600" y="8475136"/>
+            <a:ext cx="4114800" cy="486833"/>
           </a:xfrm>
           <a:prstGeom prst="rect">
             <a:avLst/>
@@ -2596,7 +2595,7 @@
           <a:bodyPr vert="horz" lIns="91440" tIns="45720" rIns="91440" bIns="45720" rtlCol="0" anchor="ctr"/>
           <a:lstStyle>
             <a:lvl1pPr algn="ctr">
-              <a:defRPr sz="900">
+              <a:defRPr sz="1600">
                 <a:solidFill>
                   <a:schemeClr val="tx1">
                     <a:tint val="75000"/>
@@ -2622,8 +2621,8 @@
         </p:nvSpPr>
         <p:spPr>
           <a:xfrm>
-            <a:off x="4843463" y="9181397"/>
-            <a:ext cx="1543050" cy="527403"/>
+            <a:off x="8610600" y="8475136"/>
+            <a:ext cx="2743200" cy="486833"/>
           </a:xfrm>
           <a:prstGeom prst="rect">
             <a:avLst/>
@@ -2633,7 +2632,7 @@
           <a:bodyPr vert="horz" lIns="91440" tIns="45720" rIns="91440" bIns="45720" rtlCol="0" anchor="ctr"/>
           <a:lstStyle>
             <a:lvl1pPr algn="r">
-              <a:defRPr sz="900">
+              <a:defRPr sz="1600">
                 <a:solidFill>
                   <a:schemeClr val="tx1">
                     <a:tint val="75000"/>
@@ -2654,27 +2653,27 @@
     </p:spTree>
     <p:extLst>
       <p:ext uri="{BB962C8B-B14F-4D97-AF65-F5344CB8AC3E}">
-        <p14:creationId xmlns:p14="http://schemas.microsoft.com/office/powerpoint/2010/main" val="911636464"/>
+        <p14:creationId xmlns:p14="http://schemas.microsoft.com/office/powerpoint/2010/main" val="863644142"/>
       </p:ext>
     </p:extLst>
   </p:cSld>
   <p:clrMap bg1="lt1" tx1="dk1" bg2="lt2" tx2="dk2" accent1="accent1" accent2="accent2" accent3="accent3" accent4="accent4" accent5="accent5" accent6="accent6" hlink="hlink" folHlink="folHlink"/>
   <p:sldLayoutIdLst>
-    <p:sldLayoutId id="2147483661" r:id="rId1"/>
-    <p:sldLayoutId id="2147483662" r:id="rId2"/>
-    <p:sldLayoutId id="2147483663" r:id="rId3"/>
-    <p:sldLayoutId id="2147483664" r:id="rId4"/>
-    <p:sldLayoutId id="2147483665" r:id="rId5"/>
-    <p:sldLayoutId id="2147483666" r:id="rId6"/>
-    <p:sldLayoutId id="2147483667" r:id="rId7"/>
-    <p:sldLayoutId id="2147483668" r:id="rId8"/>
-    <p:sldLayoutId id="2147483669" r:id="rId9"/>
-    <p:sldLayoutId id="2147483670" r:id="rId10"/>
-    <p:sldLayoutId id="2147483671" r:id="rId11"/>
+    <p:sldLayoutId id="2147483685" r:id="rId1"/>
+    <p:sldLayoutId id="2147483686" r:id="rId2"/>
+    <p:sldLayoutId id="2147483687" r:id="rId3"/>
+    <p:sldLayoutId id="2147483688" r:id="rId4"/>
+    <p:sldLayoutId id="2147483689" r:id="rId5"/>
+    <p:sldLayoutId id="2147483690" r:id="rId6"/>
+    <p:sldLayoutId id="2147483691" r:id="rId7"/>
+    <p:sldLayoutId id="2147483692" r:id="rId8"/>
+    <p:sldLayoutId id="2147483693" r:id="rId9"/>
+    <p:sldLayoutId id="2147483694" r:id="rId10"/>
+    <p:sldLayoutId id="2147483695" r:id="rId11"/>
   </p:sldLayoutIdLst>
   <p:txStyles>
     <p:titleStyle>
-      <a:lvl1pPr algn="l" defTabSz="685800" rtl="0" eaLnBrk="1" latinLnBrk="0" hangingPunct="1">
+      <a:lvl1pPr algn="l" defTabSz="1219170" rtl="0" eaLnBrk="1" latinLnBrk="0" hangingPunct="1">
         <a:lnSpc>
           <a:spcPct val="90000"/>
         </a:lnSpc>
@@ -2682,7 +2681,7 @@
           <a:spcPct val="0"/>
         </a:spcBef>
         <a:buNone/>
-        <a:defRPr sz="3300" kern="1200">
+        <a:defRPr sz="5867" kern="1200">
           <a:solidFill>
             <a:schemeClr val="tx1"/>
           </a:solidFill>
@@ -2693,16 +2692,16 @@
       </a:lvl1pPr>
     </p:titleStyle>
     <p:bodyStyle>
-      <a:lvl1pPr marL="171450" indent="-171450" algn="l" defTabSz="685800" rtl="0" eaLnBrk="1" latinLnBrk="0" hangingPunct="1">
+      <a:lvl1pPr marL="304792" indent="-304792" algn="l" defTabSz="1219170" rtl="0" eaLnBrk="1" latinLnBrk="0" hangingPunct="1">
         <a:lnSpc>
           <a:spcPct val="90000"/>
         </a:lnSpc>
         <a:spcBef>
-          <a:spcPts val="750"/>
+          <a:spcPts val="1333"/>
         </a:spcBef>
         <a:buFont typeface="Arial" panose="020B0604020202020204" pitchFamily="34" charset="0"/>
         <a:buChar char="•"/>
-        <a:defRPr sz="2100" kern="1200">
+        <a:defRPr sz="3733" kern="1200">
           <a:solidFill>
             <a:schemeClr val="tx1"/>
           </a:solidFill>
@@ -2711,16 +2710,16 @@
           <a:cs typeface="+mn-cs"/>
         </a:defRPr>
       </a:lvl1pPr>
-      <a:lvl2pPr marL="514350" indent="-171450" algn="l" defTabSz="685800" rtl="0" eaLnBrk="1" latinLnBrk="0" hangingPunct="1">
+      <a:lvl2pPr marL="914377" indent="-304792" algn="l" defTabSz="1219170" rtl="0" eaLnBrk="1" latinLnBrk="0" hangingPunct="1">
         <a:lnSpc>
           <a:spcPct val="90000"/>
         </a:lnSpc>
         <a:spcBef>
-          <a:spcPts val="375"/>
+          <a:spcPts val="667"/>
         </a:spcBef>
         <a:buFont typeface="Arial" panose="020B0604020202020204" pitchFamily="34" charset="0"/>
         <a:buChar char="•"/>
-        <a:defRPr sz="1800" kern="1200">
+        <a:defRPr sz="3200" kern="1200">
           <a:solidFill>
             <a:schemeClr val="tx1"/>
           </a:solidFill>
@@ -2729,16 +2728,16 @@
           <a:cs typeface="+mn-cs"/>
         </a:defRPr>
       </a:lvl2pPr>
-      <a:lvl3pPr marL="857250" indent="-171450" algn="l" defTabSz="685800" rtl="0" eaLnBrk="1" latinLnBrk="0" hangingPunct="1">
+      <a:lvl3pPr marL="1523962" indent="-304792" algn="l" defTabSz="1219170" rtl="0" eaLnBrk="1" latinLnBrk="0" hangingPunct="1">
         <a:lnSpc>
           <a:spcPct val="90000"/>
         </a:lnSpc>
         <a:spcBef>
-          <a:spcPts val="375"/>
+          <a:spcPts val="667"/>
         </a:spcBef>
         <a:buFont typeface="Arial" panose="020B0604020202020204" pitchFamily="34" charset="0"/>
         <a:buChar char="•"/>
-        <a:defRPr sz="1500" kern="1200">
+        <a:defRPr sz="2667" kern="1200">
           <a:solidFill>
             <a:schemeClr val="tx1"/>
           </a:solidFill>
@@ -2747,16 +2746,16 @@
           <a:cs typeface="+mn-cs"/>
         </a:defRPr>
       </a:lvl3pPr>
-      <a:lvl4pPr marL="1200150" indent="-171450" algn="l" defTabSz="685800" rtl="0" eaLnBrk="1" latinLnBrk="0" hangingPunct="1">
+      <a:lvl4pPr marL="2133547" indent="-304792" algn="l" defTabSz="1219170" rtl="0" eaLnBrk="1" latinLnBrk="0" hangingPunct="1">
         <a:lnSpc>
           <a:spcPct val="90000"/>
         </a:lnSpc>
         <a:spcBef>
-          <a:spcPts val="375"/>
+          <a:spcPts val="667"/>
         </a:spcBef>
         <a:buFont typeface="Arial" panose="020B0604020202020204" pitchFamily="34" charset="0"/>
         <a:buChar char="•"/>
-        <a:defRPr sz="1350" kern="1200">
+        <a:defRPr sz="2400" kern="1200">
           <a:solidFill>
             <a:schemeClr val="tx1"/>
           </a:solidFill>
@@ -2765,16 +2764,16 @@
           <a:cs typeface="+mn-cs"/>
         </a:defRPr>
       </a:lvl4pPr>
-      <a:lvl5pPr marL="1543050" indent="-171450" algn="l" defTabSz="685800" rtl="0" eaLnBrk="1" latinLnBrk="0" hangingPunct="1">
+      <a:lvl5pPr marL="2743131" indent="-304792" algn="l" defTabSz="1219170" rtl="0" eaLnBrk="1" latinLnBrk="0" hangingPunct="1">
         <a:lnSpc>
           <a:spcPct val="90000"/>
         </a:lnSpc>
         <a:spcBef>
-          <a:spcPts val="375"/>
+          <a:spcPts val="667"/>
         </a:spcBef>
         <a:buFont typeface="Arial" panose="020B0604020202020204" pitchFamily="34" charset="0"/>
         <a:buChar char="•"/>
-        <a:defRPr sz="1350" kern="1200">
+        <a:defRPr sz="2400" kern="1200">
           <a:solidFill>
             <a:schemeClr val="tx1"/>
           </a:solidFill>
@@ -2783,16 +2782,16 @@
           <a:cs typeface="+mn-cs"/>
         </a:defRPr>
       </a:lvl5pPr>
-      <a:lvl6pPr marL="1885950" indent="-171450" algn="l" defTabSz="685800" rtl="0" eaLnBrk="1" latinLnBrk="0" hangingPunct="1">
+      <a:lvl6pPr marL="3352716" indent="-304792" algn="l" defTabSz="1219170" rtl="0" eaLnBrk="1" latinLnBrk="0" hangingPunct="1">
         <a:lnSpc>
           <a:spcPct val="90000"/>
         </a:lnSpc>
         <a:spcBef>
-          <a:spcPts val="375"/>
+          <a:spcPts val="667"/>
         </a:spcBef>
         <a:buFont typeface="Arial" panose="020B0604020202020204" pitchFamily="34" charset="0"/>
         <a:buChar char="•"/>
-        <a:defRPr sz="1350" kern="1200">
+        <a:defRPr sz="2400" kern="1200">
           <a:solidFill>
             <a:schemeClr val="tx1"/>
           </a:solidFill>
@@ -2801,16 +2800,16 @@
           <a:cs typeface="+mn-cs"/>
         </a:defRPr>
       </a:lvl6pPr>
-      <a:lvl7pPr marL="2228850" indent="-171450" algn="l" defTabSz="685800" rtl="0" eaLnBrk="1" latinLnBrk="0" hangingPunct="1">
+      <a:lvl7pPr marL="3962301" indent="-304792" algn="l" defTabSz="1219170" rtl="0" eaLnBrk="1" latinLnBrk="0" hangingPunct="1">
         <a:lnSpc>
           <a:spcPct val="90000"/>
         </a:lnSpc>
         <a:spcBef>
-          <a:spcPts val="375"/>
+          <a:spcPts val="667"/>
         </a:spcBef>
         <a:buFont typeface="Arial" panose="020B0604020202020204" pitchFamily="34" charset="0"/>
         <a:buChar char="•"/>
-        <a:defRPr sz="1350" kern="1200">
+        <a:defRPr sz="2400" kern="1200">
           <a:solidFill>
             <a:schemeClr val="tx1"/>
           </a:solidFill>
@@ -2819,16 +2818,16 @@
           <a:cs typeface="+mn-cs"/>
         </a:defRPr>
       </a:lvl7pPr>
-      <a:lvl8pPr marL="2571750" indent="-171450" algn="l" defTabSz="685800" rtl="0" eaLnBrk="1" latinLnBrk="0" hangingPunct="1">
+      <a:lvl8pPr marL="4571886" indent="-304792" algn="l" defTabSz="1219170" rtl="0" eaLnBrk="1" latinLnBrk="0" hangingPunct="1">
         <a:lnSpc>
           <a:spcPct val="90000"/>
         </a:lnSpc>
         <a:spcBef>
-          <a:spcPts val="375"/>
+          <a:spcPts val="667"/>
         </a:spcBef>
         <a:buFont typeface="Arial" panose="020B0604020202020204" pitchFamily="34" charset="0"/>
         <a:buChar char="•"/>
-        <a:defRPr sz="1350" kern="1200">
+        <a:defRPr sz="2400" kern="1200">
           <a:solidFill>
             <a:schemeClr val="tx1"/>
           </a:solidFill>
@@ -2837,16 +2836,16 @@
           <a:cs typeface="+mn-cs"/>
         </a:defRPr>
       </a:lvl8pPr>
-      <a:lvl9pPr marL="2914650" indent="-171450" algn="l" defTabSz="685800" rtl="0" eaLnBrk="1" latinLnBrk="0" hangingPunct="1">
+      <a:lvl9pPr marL="5181470" indent="-304792" algn="l" defTabSz="1219170" rtl="0" eaLnBrk="1" latinLnBrk="0" hangingPunct="1">
         <a:lnSpc>
           <a:spcPct val="90000"/>
         </a:lnSpc>
         <a:spcBef>
-          <a:spcPts val="375"/>
+          <a:spcPts val="667"/>
         </a:spcBef>
         <a:buFont typeface="Arial" panose="020B0604020202020204" pitchFamily="34" charset="0"/>
         <a:buChar char="•"/>
-        <a:defRPr sz="1350" kern="1200">
+        <a:defRPr sz="2400" kern="1200">
           <a:solidFill>
             <a:schemeClr val="tx1"/>
           </a:solidFill>
@@ -2860,8 +2859,8 @@
       <a:defPPr>
         <a:defRPr lang="en-US"/>
       </a:defPPr>
-      <a:lvl1pPr marL="0" algn="l" defTabSz="685800" rtl="0" eaLnBrk="1" latinLnBrk="0" hangingPunct="1">
-        <a:defRPr sz="1350" kern="1200">
+      <a:lvl1pPr marL="0" algn="l" defTabSz="1219170" rtl="0" eaLnBrk="1" latinLnBrk="0" hangingPunct="1">
+        <a:defRPr sz="2400" kern="1200">
           <a:solidFill>
             <a:schemeClr val="tx1"/>
           </a:solidFill>
@@ -2870,8 +2869,8 @@
           <a:cs typeface="+mn-cs"/>
         </a:defRPr>
       </a:lvl1pPr>
-      <a:lvl2pPr marL="342900" algn="l" defTabSz="685800" rtl="0" eaLnBrk="1" latinLnBrk="0" hangingPunct="1">
-        <a:defRPr sz="1350" kern="1200">
+      <a:lvl2pPr marL="609585" algn="l" defTabSz="1219170" rtl="0" eaLnBrk="1" latinLnBrk="0" hangingPunct="1">
+        <a:defRPr sz="2400" kern="1200">
           <a:solidFill>
             <a:schemeClr val="tx1"/>
           </a:solidFill>
@@ -2880,8 +2879,8 @@
           <a:cs typeface="+mn-cs"/>
         </a:defRPr>
       </a:lvl2pPr>
-      <a:lvl3pPr marL="685800" algn="l" defTabSz="685800" rtl="0" eaLnBrk="1" latinLnBrk="0" hangingPunct="1">
-        <a:defRPr sz="1350" kern="1200">
+      <a:lvl3pPr marL="1219170" algn="l" defTabSz="1219170" rtl="0" eaLnBrk="1" latinLnBrk="0" hangingPunct="1">
+        <a:defRPr sz="2400" kern="1200">
           <a:solidFill>
             <a:schemeClr val="tx1"/>
           </a:solidFill>
@@ -2890,8 +2889,8 @@
           <a:cs typeface="+mn-cs"/>
         </a:defRPr>
       </a:lvl3pPr>
-      <a:lvl4pPr marL="1028700" algn="l" defTabSz="685800" rtl="0" eaLnBrk="1" latinLnBrk="0" hangingPunct="1">
-        <a:defRPr sz="1350" kern="1200">
+      <a:lvl4pPr marL="1828754" algn="l" defTabSz="1219170" rtl="0" eaLnBrk="1" latinLnBrk="0" hangingPunct="1">
+        <a:defRPr sz="2400" kern="1200">
           <a:solidFill>
             <a:schemeClr val="tx1"/>
           </a:solidFill>
@@ -2900,8 +2899,8 @@
           <a:cs typeface="+mn-cs"/>
         </a:defRPr>
       </a:lvl4pPr>
-      <a:lvl5pPr marL="1371600" algn="l" defTabSz="685800" rtl="0" eaLnBrk="1" latinLnBrk="0" hangingPunct="1">
-        <a:defRPr sz="1350" kern="1200">
+      <a:lvl5pPr marL="2438339" algn="l" defTabSz="1219170" rtl="0" eaLnBrk="1" latinLnBrk="0" hangingPunct="1">
+        <a:defRPr sz="2400" kern="1200">
           <a:solidFill>
             <a:schemeClr val="tx1"/>
           </a:solidFill>
@@ -2910,8 +2909,8 @@
           <a:cs typeface="+mn-cs"/>
         </a:defRPr>
       </a:lvl5pPr>
-      <a:lvl6pPr marL="1714500" algn="l" defTabSz="685800" rtl="0" eaLnBrk="1" latinLnBrk="0" hangingPunct="1">
-        <a:defRPr sz="1350" kern="1200">
+      <a:lvl6pPr marL="3047924" algn="l" defTabSz="1219170" rtl="0" eaLnBrk="1" latinLnBrk="0" hangingPunct="1">
+        <a:defRPr sz="2400" kern="1200">
           <a:solidFill>
             <a:schemeClr val="tx1"/>
           </a:solidFill>
@@ -2920,8 +2919,8 @@
           <a:cs typeface="+mn-cs"/>
         </a:defRPr>
       </a:lvl6pPr>
-      <a:lvl7pPr marL="2057400" algn="l" defTabSz="685800" rtl="0" eaLnBrk="1" latinLnBrk="0" hangingPunct="1">
-        <a:defRPr sz="1350" kern="1200">
+      <a:lvl7pPr marL="3657509" algn="l" defTabSz="1219170" rtl="0" eaLnBrk="1" latinLnBrk="0" hangingPunct="1">
+        <a:defRPr sz="2400" kern="1200">
           <a:solidFill>
             <a:schemeClr val="tx1"/>
           </a:solidFill>
@@ -2930,8 +2929,8 @@
           <a:cs typeface="+mn-cs"/>
         </a:defRPr>
       </a:lvl7pPr>
-      <a:lvl8pPr marL="2400300" algn="l" defTabSz="685800" rtl="0" eaLnBrk="1" latinLnBrk="0" hangingPunct="1">
-        <a:defRPr sz="1350" kern="1200">
+      <a:lvl8pPr marL="4267093" algn="l" defTabSz="1219170" rtl="0" eaLnBrk="1" latinLnBrk="0" hangingPunct="1">
+        <a:defRPr sz="2400" kern="1200">
           <a:solidFill>
             <a:schemeClr val="tx1"/>
           </a:solidFill>
@@ -2940,8 +2939,8 @@
           <a:cs typeface="+mn-cs"/>
         </a:defRPr>
       </a:lvl8pPr>
-      <a:lvl9pPr marL="2743200" algn="l" defTabSz="685800" rtl="0" eaLnBrk="1" latinLnBrk="0" hangingPunct="1">
-        <a:defRPr sz="1350" kern="1200">
+      <a:lvl9pPr marL="4876678" algn="l" defTabSz="1219170" rtl="0" eaLnBrk="1" latinLnBrk="0" hangingPunct="1">
+        <a:defRPr sz="2400" kern="1200">
           <a:solidFill>
             <a:schemeClr val="tx1"/>
           </a:solidFill>
@@ -2974,6 +2973,135 @@
       </p:grpSpPr>
       <p:sp>
         <p:nvSpPr>
+          <p:cNvPr id="43" name="TextBox 42">
+            <a:extLst>
+              <a:ext uri="{FF2B5EF4-FFF2-40B4-BE49-F238E27FC236}">
+                <a16:creationId xmlns:a16="http://schemas.microsoft.com/office/drawing/2014/main" id="{944C4EB5-077E-774D-9BF0-81D58264BA3D}"/>
+              </a:ext>
+            </a:extLst>
+          </p:cNvPr>
+          <p:cNvSpPr txBox="1"/>
+          <p:nvPr/>
+        </p:nvSpPr>
+        <p:spPr>
+          <a:xfrm>
+            <a:off x="8528297" y="819871"/>
+            <a:ext cx="705580" cy="787370"/>
+          </a:xfrm>
+          <a:prstGeom prst="rect">
+            <a:avLst/>
+          </a:prstGeom>
+          <a:solidFill>
+            <a:schemeClr val="bg1"/>
+          </a:solidFill>
+          <a:ln w="25400">
+            <a:solidFill>
+              <a:schemeClr val="bg1"/>
+            </a:solidFill>
+          </a:ln>
+        </p:spPr>
+        <p:txBody>
+          <a:bodyPr wrap="square" rtlCol="0">
+            <a:spAutoFit/>
+          </a:bodyPr>
+          <a:lstStyle/>
+          <a:p>
+            <a:pPr algn="ctr"/>
+            <a:r>
+              <a:rPr lang="en-GB" sz="2585" dirty="0"/>
+              <a:t>c</a:t>
+            </a:r>
+          </a:p>
+        </p:txBody>
+      </p:sp>
+      <p:sp>
+        <p:nvSpPr>
+          <p:cNvPr id="44" name="TextBox 43">
+            <a:extLst>
+              <a:ext uri="{FF2B5EF4-FFF2-40B4-BE49-F238E27FC236}">
+                <a16:creationId xmlns:a16="http://schemas.microsoft.com/office/drawing/2014/main" id="{396CD192-EB3F-7A45-934C-1159339B4E2C}"/>
+              </a:ext>
+            </a:extLst>
+          </p:cNvPr>
+          <p:cNvSpPr txBox="1"/>
+          <p:nvPr/>
+        </p:nvSpPr>
+        <p:spPr>
+          <a:xfrm>
+            <a:off x="4153516" y="819873"/>
+            <a:ext cx="705580" cy="787370"/>
+          </a:xfrm>
+          <a:prstGeom prst="rect">
+            <a:avLst/>
+          </a:prstGeom>
+          <a:solidFill>
+            <a:schemeClr val="bg1"/>
+          </a:solidFill>
+          <a:ln w="25400">
+            <a:solidFill>
+              <a:schemeClr val="bg1"/>
+            </a:solidFill>
+          </a:ln>
+        </p:spPr>
+        <p:txBody>
+          <a:bodyPr wrap="square" rtlCol="0">
+            <a:spAutoFit/>
+          </a:bodyPr>
+          <a:lstStyle/>
+          <a:p>
+            <a:pPr algn="ctr"/>
+            <a:r>
+              <a:rPr lang="en-GB" sz="2585" dirty="0"/>
+              <a:t>b</a:t>
+            </a:r>
+          </a:p>
+        </p:txBody>
+      </p:sp>
+      <p:sp>
+        <p:nvSpPr>
+          <p:cNvPr id="42" name="TextBox 41">
+            <a:extLst>
+              <a:ext uri="{FF2B5EF4-FFF2-40B4-BE49-F238E27FC236}">
+                <a16:creationId xmlns:a16="http://schemas.microsoft.com/office/drawing/2014/main" id="{7C7246CE-8009-9D49-877C-CBCE5696CDAB}"/>
+              </a:ext>
+            </a:extLst>
+          </p:cNvPr>
+          <p:cNvSpPr txBox="1"/>
+          <p:nvPr/>
+        </p:nvSpPr>
+        <p:spPr>
+          <a:xfrm>
+            <a:off x="2080010" y="819871"/>
+            <a:ext cx="705580" cy="787370"/>
+          </a:xfrm>
+          <a:prstGeom prst="rect">
+            <a:avLst/>
+          </a:prstGeom>
+          <a:solidFill>
+            <a:schemeClr val="bg1"/>
+          </a:solidFill>
+          <a:ln w="25400">
+            <a:solidFill>
+              <a:schemeClr val="bg1"/>
+            </a:solidFill>
+          </a:ln>
+        </p:spPr>
+        <p:txBody>
+          <a:bodyPr wrap="square" rtlCol="0">
+            <a:spAutoFit/>
+          </a:bodyPr>
+          <a:lstStyle/>
+          <a:p>
+            <a:pPr algn="ctr"/>
+            <a:r>
+              <a:rPr lang="en-GB" sz="2585" dirty="0"/>
+              <a:t>a</a:t>
+            </a:r>
+          </a:p>
+        </p:txBody>
+      </p:sp>
+      <p:sp>
+        <p:nvSpPr>
           <p:cNvPr id="7" name="TextBox 6">
             <a:extLst>
               <a:ext uri="{FF2B5EF4-FFF2-40B4-BE49-F238E27FC236}">
@@ -2986,31 +3114,15 @@
         </p:nvSpPr>
         <p:spPr>
           <a:xfrm>
-            <a:off x="1070724" y="3043512"/>
-            <a:ext cx="2420471" cy="646331"/>
+            <a:off x="3045494" y="2592074"/>
+            <a:ext cx="3256515" cy="703653"/>
           </a:xfrm>
           <a:prstGeom prst="rect">
             <a:avLst/>
           </a:prstGeom>
           <a:noFill/>
           <a:ln w="38100">
-            <a:gradFill flip="none" rotWithShape="1">
-              <a:gsLst>
-                <a:gs pos="89000">
-                  <a:schemeClr val="accent2"/>
-                </a:gs>
-                <a:gs pos="0">
-                  <a:schemeClr val="accent2"/>
-                </a:gs>
-                <a:gs pos="100000">
-                  <a:schemeClr val="accent1"/>
-                </a:gs>
-              </a:gsLst>
-              <a:path path="rect">
-                <a:fillToRect l="100000" t="100000"/>
-              </a:path>
-              <a:tileRect r="-100000" b="-100000"/>
-            </a:gradFill>
+            <a:noFill/>
           </a:ln>
         </p:spPr>
         <p:txBody>
@@ -3052,1676 +3164,8 @@
         </p:nvGrpSpPr>
         <p:grpSpPr>
           <a:xfrm>
-            <a:off x="1070724" y="3043512"/>
-            <a:ext cx="2420471" cy="646331"/>
-            <a:chOff x="1070724" y="3043512"/>
-            <a:chExt cx="2420471" cy="646331"/>
-          </a:xfrm>
-        </p:grpSpPr>
-        <p:cxnSp>
-          <p:nvCxnSpPr>
-            <p:cNvPr id="3" name="Straight Connector 2">
-              <a:extLst>
-                <a:ext uri="{FF2B5EF4-FFF2-40B4-BE49-F238E27FC236}">
-                  <a16:creationId xmlns:a16="http://schemas.microsoft.com/office/drawing/2014/main" id="{E6647BD2-05CE-5B46-9588-9BD7168BA39E}"/>
-                </a:ext>
-              </a:extLst>
-            </p:cNvPr>
-            <p:cNvCxnSpPr/>
-            <p:nvPr/>
-          </p:nvCxnSpPr>
-          <p:spPr>
-            <a:xfrm flipV="1">
-              <a:off x="1070724" y="3043512"/>
-              <a:ext cx="0" cy="646331"/>
-            </a:xfrm>
-            <a:prstGeom prst="line">
-              <a:avLst/>
-            </a:prstGeom>
-            <a:ln w="38100">
-              <a:solidFill>
-                <a:schemeClr val="accent1"/>
-              </a:solidFill>
-            </a:ln>
-            <a:effectLst/>
-          </p:spPr>
-          <p:style>
-            <a:lnRef idx="1">
-              <a:schemeClr val="accent1"/>
-            </a:lnRef>
-            <a:fillRef idx="0">
-              <a:schemeClr val="accent1"/>
-            </a:fillRef>
-            <a:effectRef idx="0">
-              <a:schemeClr val="accent1"/>
-            </a:effectRef>
-            <a:fontRef idx="minor">
-              <a:schemeClr val="tx1"/>
-            </a:fontRef>
-          </p:style>
-        </p:cxnSp>
-        <p:cxnSp>
-          <p:nvCxnSpPr>
-            <p:cNvPr id="33" name="Straight Connector 32">
-              <a:extLst>
-                <a:ext uri="{FF2B5EF4-FFF2-40B4-BE49-F238E27FC236}">
-                  <a16:creationId xmlns:a16="http://schemas.microsoft.com/office/drawing/2014/main" id="{8374E458-B2D5-DF4F-8E1F-554D5E71D67B}"/>
-                </a:ext>
-              </a:extLst>
-            </p:cNvPr>
-            <p:cNvCxnSpPr>
-              <a:cxnSpLocks/>
-            </p:cNvCxnSpPr>
-            <p:nvPr/>
-          </p:nvCxnSpPr>
-          <p:spPr>
-            <a:xfrm flipH="1">
-              <a:off x="1070724" y="3043512"/>
-              <a:ext cx="2420471" cy="0"/>
-            </a:xfrm>
-            <a:prstGeom prst="line">
-              <a:avLst/>
-            </a:prstGeom>
-            <a:ln w="38100">
-              <a:solidFill>
-                <a:schemeClr val="accent1"/>
-              </a:solidFill>
-            </a:ln>
-            <a:effectLst/>
-          </p:spPr>
-          <p:style>
-            <a:lnRef idx="1">
-              <a:schemeClr val="accent1"/>
-            </a:lnRef>
-            <a:fillRef idx="0">
-              <a:schemeClr val="accent1"/>
-            </a:fillRef>
-            <a:effectRef idx="0">
-              <a:schemeClr val="accent1"/>
-            </a:effectRef>
-            <a:fontRef idx="minor">
-              <a:schemeClr val="tx1"/>
-            </a:fontRef>
-          </p:style>
-        </p:cxnSp>
-        <p:cxnSp>
-          <p:nvCxnSpPr>
-            <p:cNvPr id="35" name="Straight Connector 34">
-              <a:extLst>
-                <a:ext uri="{FF2B5EF4-FFF2-40B4-BE49-F238E27FC236}">
-                  <a16:creationId xmlns:a16="http://schemas.microsoft.com/office/drawing/2014/main" id="{9E0B00BE-97C3-6B4B-BC48-A89D7F053644}"/>
-                </a:ext>
-              </a:extLst>
-            </p:cNvPr>
-            <p:cNvCxnSpPr>
-              <a:cxnSpLocks/>
-            </p:cNvCxnSpPr>
-            <p:nvPr/>
-          </p:nvCxnSpPr>
-          <p:spPr>
-            <a:xfrm flipH="1">
-              <a:off x="1070724" y="3689843"/>
-              <a:ext cx="2420471" cy="0"/>
-            </a:xfrm>
-            <a:prstGeom prst="line">
-              <a:avLst/>
-            </a:prstGeom>
-            <a:ln w="38100">
-              <a:solidFill>
-                <a:schemeClr val="accent2"/>
-              </a:solidFill>
-            </a:ln>
-            <a:effectLst/>
-          </p:spPr>
-          <p:style>
-            <a:lnRef idx="1">
-              <a:schemeClr val="accent1"/>
-            </a:lnRef>
-            <a:fillRef idx="0">
-              <a:schemeClr val="accent1"/>
-            </a:fillRef>
-            <a:effectRef idx="0">
-              <a:schemeClr val="accent1"/>
-            </a:effectRef>
-            <a:fontRef idx="minor">
-              <a:schemeClr val="tx1"/>
-            </a:fontRef>
-          </p:style>
-        </p:cxnSp>
-        <p:cxnSp>
-          <p:nvCxnSpPr>
-            <p:cNvPr id="37" name="Straight Connector 36">
-              <a:extLst>
-                <a:ext uri="{FF2B5EF4-FFF2-40B4-BE49-F238E27FC236}">
-                  <a16:creationId xmlns:a16="http://schemas.microsoft.com/office/drawing/2014/main" id="{768F9715-4BB2-1144-BE4C-DF11B3932959}"/>
-                </a:ext>
-              </a:extLst>
-            </p:cNvPr>
-            <p:cNvCxnSpPr/>
-            <p:nvPr/>
-          </p:nvCxnSpPr>
-          <p:spPr>
-            <a:xfrm flipV="1">
-              <a:off x="3491195" y="3043512"/>
-              <a:ext cx="0" cy="646331"/>
-            </a:xfrm>
-            <a:prstGeom prst="line">
-              <a:avLst/>
-            </a:prstGeom>
-            <a:ln w="38100">
-              <a:solidFill>
-                <a:schemeClr val="accent2"/>
-              </a:solidFill>
-            </a:ln>
-            <a:effectLst/>
-          </p:spPr>
-          <p:style>
-            <a:lnRef idx="1">
-              <a:schemeClr val="accent1"/>
-            </a:lnRef>
-            <a:fillRef idx="0">
-              <a:schemeClr val="accent1"/>
-            </a:fillRef>
-            <a:effectRef idx="0">
-              <a:schemeClr val="accent1"/>
-            </a:effectRef>
-            <a:fontRef idx="minor">
-              <a:schemeClr val="tx1"/>
-            </a:fontRef>
-          </p:style>
-        </p:cxnSp>
-      </p:grpSp>
-      <p:cxnSp>
-        <p:nvCxnSpPr>
-          <p:cNvPr id="16" name="Elbow Connector 15">
-            <a:extLst>
-              <a:ext uri="{FF2B5EF4-FFF2-40B4-BE49-F238E27FC236}">
-                <a16:creationId xmlns:a16="http://schemas.microsoft.com/office/drawing/2014/main" id="{3E45C845-845C-4540-B177-A0A7F28FBF66}"/>
-              </a:ext>
-            </a:extLst>
-          </p:cNvPr>
-          <p:cNvCxnSpPr>
-            <a:cxnSpLocks/>
-            <a:endCxn id="7" idx="0"/>
-          </p:cNvCxnSpPr>
-          <p:nvPr/>
-        </p:nvCxnSpPr>
-        <p:spPr>
-          <a:xfrm rot="5400000">
-            <a:off x="1299981" y="2062531"/>
-            <a:ext cx="1961961" cy="1"/>
-          </a:xfrm>
-          <a:prstGeom prst="bentConnector3">
-            <a:avLst>
-              <a:gd name="adj1" fmla="val 50000"/>
-            </a:avLst>
-          </a:prstGeom>
-          <a:ln w="50800">
-            <a:solidFill>
-              <a:schemeClr val="bg2">
-                <a:lumMod val="75000"/>
-              </a:schemeClr>
-            </a:solidFill>
-            <a:tailEnd type="triangle" w="lg" len="med"/>
-          </a:ln>
-        </p:spPr>
-        <p:style>
-          <a:lnRef idx="1">
-            <a:schemeClr val="accent1"/>
-          </a:lnRef>
-          <a:fillRef idx="0">
-            <a:schemeClr val="accent1"/>
-          </a:fillRef>
-          <a:effectRef idx="0">
-            <a:schemeClr val="accent1"/>
-          </a:effectRef>
-          <a:fontRef idx="minor">
-            <a:schemeClr val="tx1"/>
-          </a:fontRef>
-        </p:style>
-      </p:cxnSp>
-      <p:cxnSp>
-        <p:nvCxnSpPr>
-          <p:cNvPr id="19" name="Elbow Connector 18">
-            <a:extLst>
-              <a:ext uri="{FF2B5EF4-FFF2-40B4-BE49-F238E27FC236}">
-                <a16:creationId xmlns:a16="http://schemas.microsoft.com/office/drawing/2014/main" id="{CD62276F-B004-6A4D-A50E-4E39D819C40E}"/>
-              </a:ext>
-            </a:extLst>
-          </p:cNvPr>
-          <p:cNvCxnSpPr>
-            <a:cxnSpLocks/>
-            <a:stCxn id="4" idx="3"/>
-            <a:endCxn id="5" idx="0"/>
-          </p:cNvCxnSpPr>
-          <p:nvPr/>
-        </p:nvCxnSpPr>
-        <p:spPr>
-          <a:xfrm>
-            <a:off x="4377016" y="758386"/>
-            <a:ext cx="911040" cy="2285127"/>
-          </a:xfrm>
-          <a:prstGeom prst="bentConnector2">
-            <a:avLst/>
-          </a:prstGeom>
-          <a:ln w="50800">
-            <a:solidFill>
-              <a:schemeClr val="bg2">
-                <a:lumMod val="75000"/>
-              </a:schemeClr>
-            </a:solidFill>
-            <a:tailEnd type="triangle" w="lg" len="med"/>
-          </a:ln>
-        </p:spPr>
-        <p:style>
-          <a:lnRef idx="1">
-            <a:schemeClr val="accent1"/>
-          </a:lnRef>
-          <a:fillRef idx="0">
-            <a:schemeClr val="accent1"/>
-          </a:fillRef>
-          <a:effectRef idx="0">
-            <a:schemeClr val="accent1"/>
-          </a:effectRef>
-          <a:fontRef idx="minor">
-            <a:schemeClr val="tx1"/>
-          </a:fontRef>
-        </p:style>
-      </p:cxnSp>
-      <p:cxnSp>
-        <p:nvCxnSpPr>
-          <p:cNvPr id="21" name="Straight Arrow Connector 20">
-            <a:extLst>
-              <a:ext uri="{FF2B5EF4-FFF2-40B4-BE49-F238E27FC236}">
-                <a16:creationId xmlns:a16="http://schemas.microsoft.com/office/drawing/2014/main" id="{39BAF911-F63E-5043-A9BC-089B7F25F7EA}"/>
-              </a:ext>
-            </a:extLst>
-          </p:cNvPr>
-          <p:cNvCxnSpPr>
-            <a:cxnSpLocks/>
-            <a:stCxn id="7" idx="2"/>
-            <a:endCxn id="8" idx="0"/>
-          </p:cNvCxnSpPr>
-          <p:nvPr/>
-        </p:nvCxnSpPr>
-        <p:spPr>
-          <a:xfrm>
-            <a:off x="2280960" y="3689843"/>
-            <a:ext cx="0" cy="429434"/>
-          </a:xfrm>
-          <a:prstGeom prst="straightConnector1">
-            <a:avLst/>
-          </a:prstGeom>
-          <a:ln w="50800">
-            <a:solidFill>
-              <a:schemeClr val="bg2">
-                <a:lumMod val="75000"/>
-              </a:schemeClr>
-            </a:solidFill>
-            <a:tailEnd type="triangle" w="lg" len="med"/>
-          </a:ln>
-        </p:spPr>
-        <p:style>
-          <a:lnRef idx="1">
-            <a:schemeClr val="accent1"/>
-          </a:lnRef>
-          <a:fillRef idx="0">
-            <a:schemeClr val="accent1"/>
-          </a:fillRef>
-          <a:effectRef idx="0">
-            <a:schemeClr val="accent1"/>
-          </a:effectRef>
-          <a:fontRef idx="minor">
-            <a:schemeClr val="tx1"/>
-          </a:fontRef>
-        </p:style>
-      </p:cxnSp>
-      <p:cxnSp>
-        <p:nvCxnSpPr>
-          <p:cNvPr id="23" name="Straight Arrow Connector 22">
-            <a:extLst>
-              <a:ext uri="{FF2B5EF4-FFF2-40B4-BE49-F238E27FC236}">
-                <a16:creationId xmlns:a16="http://schemas.microsoft.com/office/drawing/2014/main" id="{3575B46B-9A5D-BA4D-8CBC-B8E5CEBF1711}"/>
-              </a:ext>
-            </a:extLst>
-          </p:cNvPr>
-          <p:cNvCxnSpPr>
-            <a:stCxn id="8" idx="2"/>
-            <a:endCxn id="6" idx="0"/>
-          </p:cNvCxnSpPr>
-          <p:nvPr/>
-        </p:nvCxnSpPr>
-        <p:spPr>
-          <a:xfrm>
-            <a:off x="2280960" y="4765608"/>
-            <a:ext cx="0" cy="429434"/>
-          </a:xfrm>
-          <a:prstGeom prst="straightConnector1">
-            <a:avLst/>
-          </a:prstGeom>
-          <a:ln w="50800">
-            <a:solidFill>
-              <a:schemeClr val="bg2">
-                <a:lumMod val="75000"/>
-              </a:schemeClr>
-            </a:solidFill>
-            <a:tailEnd type="triangle" w="lg" len="med"/>
-          </a:ln>
-        </p:spPr>
-        <p:style>
-          <a:lnRef idx="1">
-            <a:schemeClr val="accent1"/>
-          </a:lnRef>
-          <a:fillRef idx="0">
-            <a:schemeClr val="accent1"/>
-          </a:fillRef>
-          <a:effectRef idx="0">
-            <a:schemeClr val="accent1"/>
-          </a:effectRef>
-          <a:fontRef idx="minor">
-            <a:schemeClr val="tx1"/>
-          </a:fontRef>
-        </p:style>
-      </p:cxnSp>
-      <p:cxnSp>
-        <p:nvCxnSpPr>
-          <p:cNvPr id="26" name="Straight Arrow Connector 25">
-            <a:extLst>
-              <a:ext uri="{FF2B5EF4-FFF2-40B4-BE49-F238E27FC236}">
-                <a16:creationId xmlns:a16="http://schemas.microsoft.com/office/drawing/2014/main" id="{2BF64AC4-4EB4-8A4F-8EB4-2E0814ADE90D}"/>
-              </a:ext>
-            </a:extLst>
-          </p:cNvPr>
-          <p:cNvCxnSpPr>
-            <a:stCxn id="5" idx="2"/>
-            <a:endCxn id="9" idx="0"/>
-          </p:cNvCxnSpPr>
-          <p:nvPr/>
-        </p:nvCxnSpPr>
-        <p:spPr>
-          <a:xfrm flipH="1">
-            <a:off x="5288054" y="3689844"/>
-            <a:ext cx="2" cy="429433"/>
-          </a:xfrm>
-          <a:prstGeom prst="straightConnector1">
-            <a:avLst/>
-          </a:prstGeom>
-          <a:ln w="50800">
-            <a:solidFill>
-              <a:schemeClr val="bg2">
-                <a:lumMod val="75000"/>
-              </a:schemeClr>
-            </a:solidFill>
-            <a:tailEnd type="triangle" w="lg" len="med"/>
-          </a:ln>
-        </p:spPr>
-        <p:style>
-          <a:lnRef idx="1">
-            <a:schemeClr val="accent1"/>
-          </a:lnRef>
-          <a:fillRef idx="0">
-            <a:schemeClr val="accent1"/>
-          </a:fillRef>
-          <a:effectRef idx="0">
-            <a:schemeClr val="accent1"/>
-          </a:effectRef>
-          <a:fontRef idx="minor">
-            <a:schemeClr val="tx1"/>
-          </a:fontRef>
-        </p:style>
-      </p:cxnSp>
-      <p:cxnSp>
-        <p:nvCxnSpPr>
-          <p:cNvPr id="28" name="Elbow Connector 27">
-            <a:extLst>
-              <a:ext uri="{FF2B5EF4-FFF2-40B4-BE49-F238E27FC236}">
-                <a16:creationId xmlns:a16="http://schemas.microsoft.com/office/drawing/2014/main" id="{4BEEEE5F-93A2-C849-A746-E04CE6DEB10A}"/>
-              </a:ext>
-            </a:extLst>
-          </p:cNvPr>
-          <p:cNvCxnSpPr>
-            <a:cxnSpLocks/>
-            <a:stCxn id="9" idx="2"/>
-            <a:endCxn id="10" idx="3"/>
-          </p:cNvCxnSpPr>
-          <p:nvPr/>
-        </p:nvCxnSpPr>
-        <p:spPr>
-          <a:xfrm rot="5400000">
-            <a:off x="4033553" y="5734355"/>
-            <a:ext cx="2223249" cy="285755"/>
-          </a:xfrm>
-          <a:prstGeom prst="bentConnector2">
-            <a:avLst/>
-          </a:prstGeom>
-          <a:ln w="50800">
-            <a:solidFill>
-              <a:schemeClr val="bg2">
-                <a:lumMod val="75000"/>
-              </a:schemeClr>
-            </a:solidFill>
-            <a:tailEnd type="triangle" w="lg" len="med"/>
-          </a:ln>
-        </p:spPr>
-        <p:style>
-          <a:lnRef idx="1">
-            <a:schemeClr val="accent1"/>
-          </a:lnRef>
-          <a:fillRef idx="0">
-            <a:schemeClr val="accent1"/>
-          </a:fillRef>
-          <a:effectRef idx="0">
-            <a:schemeClr val="accent1"/>
-          </a:effectRef>
-          <a:fontRef idx="minor">
-            <a:schemeClr val="tx1"/>
-          </a:fontRef>
-        </p:style>
-      </p:cxnSp>
-      <p:cxnSp>
-        <p:nvCxnSpPr>
-          <p:cNvPr id="30" name="Elbow Connector 29">
-            <a:extLst>
-              <a:ext uri="{FF2B5EF4-FFF2-40B4-BE49-F238E27FC236}">
-                <a16:creationId xmlns:a16="http://schemas.microsoft.com/office/drawing/2014/main" id="{4D81F4CF-DD19-1746-9C80-90A7DBF1CC15}"/>
-              </a:ext>
-            </a:extLst>
-          </p:cNvPr>
-          <p:cNvCxnSpPr>
-            <a:cxnSpLocks/>
-            <a:stCxn id="6" idx="2"/>
-            <a:endCxn id="10" idx="1"/>
-          </p:cNvCxnSpPr>
-          <p:nvPr/>
-        </p:nvCxnSpPr>
-        <p:spPr>
-          <a:xfrm rot="16200000" flipH="1">
-            <a:off x="1857652" y="6264681"/>
-            <a:ext cx="1147484" cy="300868"/>
-          </a:xfrm>
-          <a:prstGeom prst="bentConnector2">
-            <a:avLst/>
-          </a:prstGeom>
-          <a:ln w="50800">
-            <a:solidFill>
-              <a:schemeClr val="bg2">
-                <a:lumMod val="75000"/>
-              </a:schemeClr>
-            </a:solidFill>
-            <a:tailEnd type="triangle" w="lg" len="med"/>
-          </a:ln>
-        </p:spPr>
-        <p:style>
-          <a:lnRef idx="1">
-            <a:schemeClr val="accent1"/>
-          </a:lnRef>
-          <a:fillRef idx="0">
-            <a:schemeClr val="accent1"/>
-          </a:fillRef>
-          <a:effectRef idx="0">
-            <a:schemeClr val="accent1"/>
-          </a:effectRef>
-          <a:fontRef idx="minor">
-            <a:schemeClr val="tx1"/>
-          </a:fontRef>
-        </p:style>
-      </p:cxnSp>
-      <p:cxnSp>
-        <p:nvCxnSpPr>
-          <p:cNvPr id="32" name="Elbow Connector 31">
-            <a:extLst>
-              <a:ext uri="{FF2B5EF4-FFF2-40B4-BE49-F238E27FC236}">
-                <a16:creationId xmlns:a16="http://schemas.microsoft.com/office/drawing/2014/main" id="{B576EE50-D902-0840-A52F-302BE32E0337}"/>
-              </a:ext>
-            </a:extLst>
-          </p:cNvPr>
-          <p:cNvCxnSpPr>
-            <a:cxnSpLocks/>
-            <a:stCxn id="4" idx="1"/>
-            <a:endCxn id="6" idx="1"/>
-          </p:cNvCxnSpPr>
-          <p:nvPr/>
-        </p:nvCxnSpPr>
-        <p:spPr>
-          <a:xfrm rot="10800000" flipV="1">
-            <a:off x="1070725" y="758386"/>
-            <a:ext cx="885821" cy="4759822"/>
-          </a:xfrm>
-          <a:prstGeom prst="bentConnector3">
-            <a:avLst>
-              <a:gd name="adj1" fmla="val 147060"/>
-            </a:avLst>
-          </a:prstGeom>
-          <a:ln w="50800">
-            <a:solidFill>
-              <a:schemeClr val="bg2">
-                <a:lumMod val="75000"/>
-              </a:schemeClr>
-            </a:solidFill>
-            <a:tailEnd type="triangle" w="lg" len="med"/>
-          </a:ln>
-        </p:spPr>
-        <p:style>
-          <a:lnRef idx="1">
-            <a:schemeClr val="accent1"/>
-          </a:lnRef>
-          <a:fillRef idx="0">
-            <a:schemeClr val="accent1"/>
-          </a:fillRef>
-          <a:effectRef idx="0">
-            <a:schemeClr val="accent1"/>
-          </a:effectRef>
-          <a:fontRef idx="minor">
-            <a:schemeClr val="tx1"/>
-          </a:fontRef>
-        </p:style>
-      </p:cxnSp>
-      <p:cxnSp>
-        <p:nvCxnSpPr>
-          <p:cNvPr id="34" name="Straight Arrow Connector 33">
-            <a:extLst>
-              <a:ext uri="{FF2B5EF4-FFF2-40B4-BE49-F238E27FC236}">
-                <a16:creationId xmlns:a16="http://schemas.microsoft.com/office/drawing/2014/main" id="{B9EC81C1-6A8C-4949-9EB3-8099AF68E9E8}"/>
-              </a:ext>
-            </a:extLst>
-          </p:cNvPr>
-          <p:cNvCxnSpPr>
-            <a:stCxn id="10" idx="2"/>
-            <a:endCxn id="11" idx="0"/>
-          </p:cNvCxnSpPr>
-          <p:nvPr/>
-        </p:nvCxnSpPr>
-        <p:spPr>
-          <a:xfrm flipH="1">
-            <a:off x="3792063" y="7312022"/>
-            <a:ext cx="1" cy="491312"/>
-          </a:xfrm>
-          <a:prstGeom prst="straightConnector1">
-            <a:avLst/>
-          </a:prstGeom>
-          <a:ln w="50800">
-            <a:solidFill>
-              <a:schemeClr val="bg2">
-                <a:lumMod val="75000"/>
-              </a:schemeClr>
-            </a:solidFill>
-            <a:tailEnd type="triangle" w="lg" len="med"/>
-          </a:ln>
-        </p:spPr>
-        <p:style>
-          <a:lnRef idx="1">
-            <a:schemeClr val="accent1"/>
-          </a:lnRef>
-          <a:fillRef idx="0">
-            <a:schemeClr val="accent1"/>
-          </a:fillRef>
-          <a:effectRef idx="0">
-            <a:schemeClr val="accent1"/>
-          </a:effectRef>
-          <a:fontRef idx="minor">
-            <a:schemeClr val="tx1"/>
-          </a:fontRef>
-        </p:style>
-      </p:cxnSp>
-      <p:sp>
-        <p:nvSpPr>
-          <p:cNvPr id="4" name="TextBox 3">
-            <a:extLst>
-              <a:ext uri="{FF2B5EF4-FFF2-40B4-BE49-F238E27FC236}">
-                <a16:creationId xmlns:a16="http://schemas.microsoft.com/office/drawing/2014/main" id="{FC6AC601-E3E7-FB40-9CC6-CE156AC60928}"/>
-              </a:ext>
-            </a:extLst>
-          </p:cNvPr>
-          <p:cNvSpPr txBox="1"/>
-          <p:nvPr/>
-        </p:nvSpPr>
-        <p:spPr>
-          <a:xfrm>
-            <a:off x="1956545" y="435220"/>
-            <a:ext cx="2420471" cy="646331"/>
-          </a:xfrm>
-          <a:prstGeom prst="rect">
-            <a:avLst/>
-          </a:prstGeom>
-          <a:noFill/>
-          <a:ln w="38100">
-            <a:solidFill>
-              <a:schemeClr val="accent2"/>
-            </a:solidFill>
-          </a:ln>
-        </p:spPr>
-        <p:txBody>
-          <a:bodyPr wrap="square" rtlCol="0">
-            <a:spAutoFit/>
-          </a:bodyPr>
-          <a:lstStyle/>
-          <a:p>
-            <a:pPr algn="ctr"/>
-            <a:r>
-              <a:rPr lang="en-GB" dirty="0"/>
-              <a:t>Obtain 3D models</a:t>
-            </a:r>
-          </a:p>
-          <a:p>
-            <a:pPr algn="ctr"/>
-            <a:r>
-              <a:rPr lang="en-GB" dirty="0"/>
-              <a:t>(e.g. surface scan, CT)</a:t>
-            </a:r>
-          </a:p>
-        </p:txBody>
-      </p:sp>
-      <p:sp>
-        <p:nvSpPr>
-          <p:cNvPr id="5" name="TextBox 4">
-            <a:extLst>
-              <a:ext uri="{FF2B5EF4-FFF2-40B4-BE49-F238E27FC236}">
-                <a16:creationId xmlns:a16="http://schemas.microsoft.com/office/drawing/2014/main" id="{E693FA13-5A08-4746-B1B5-21D8D5A851D7}"/>
-              </a:ext>
-            </a:extLst>
-          </p:cNvPr>
-          <p:cNvSpPr txBox="1"/>
-          <p:nvPr/>
-        </p:nvSpPr>
-        <p:spPr>
-          <a:xfrm>
-            <a:off x="4077820" y="3043513"/>
-            <a:ext cx="2420471" cy="646331"/>
-          </a:xfrm>
-          <a:prstGeom prst="rect">
-            <a:avLst/>
-          </a:prstGeom>
-          <a:noFill/>
-          <a:ln w="38100">
-            <a:gradFill flip="none" rotWithShape="1">
-              <a:gsLst>
-                <a:gs pos="89000">
-                  <a:srgbClr val="DF7C3D"/>
-                </a:gs>
-                <a:gs pos="0">
-                  <a:schemeClr val="accent2"/>
-                </a:gs>
-                <a:gs pos="100000">
-                  <a:schemeClr val="accent6"/>
-                </a:gs>
-              </a:gsLst>
-              <a:path path="rect">
-                <a:fillToRect l="100000" t="100000"/>
-              </a:path>
-              <a:tileRect r="-100000" b="-100000"/>
-            </a:gradFill>
-          </a:ln>
-        </p:spPr>
-        <p:txBody>
-          <a:bodyPr wrap="square" rtlCol="0">
-            <a:spAutoFit/>
-          </a:bodyPr>
-          <a:lstStyle/>
-          <a:p>
-            <a:pPr algn="ctr"/>
-            <a:r>
-              <a:rPr lang="en-GB" dirty="0"/>
-              <a:t>Apply landmarks</a:t>
-            </a:r>
-          </a:p>
-          <a:p>
-            <a:pPr algn="ctr"/>
-            <a:r>
-              <a:rPr lang="en-GB" dirty="0"/>
-              <a:t>(e.g. R, IDAV)</a:t>
-            </a:r>
-          </a:p>
-        </p:txBody>
-      </p:sp>
-      <p:sp>
-        <p:nvSpPr>
-          <p:cNvPr id="6" name="TextBox 5">
-            <a:extLst>
-              <a:ext uri="{FF2B5EF4-FFF2-40B4-BE49-F238E27FC236}">
-                <a16:creationId xmlns:a16="http://schemas.microsoft.com/office/drawing/2014/main" id="{7D48ED8B-89BD-DD43-ABF6-FF148B260C90}"/>
-              </a:ext>
-            </a:extLst>
-          </p:cNvPr>
-          <p:cNvSpPr txBox="1"/>
-          <p:nvPr/>
-        </p:nvSpPr>
-        <p:spPr>
-          <a:xfrm>
-            <a:off x="1070724" y="5195042"/>
-            <a:ext cx="2420471" cy="646331"/>
-          </a:xfrm>
-          <a:prstGeom prst="rect">
-            <a:avLst/>
-          </a:prstGeom>
-          <a:noFill/>
-          <a:ln w="38100">
-            <a:solidFill>
-              <a:schemeClr val="accent2"/>
-            </a:solidFill>
-          </a:ln>
-        </p:spPr>
-        <p:txBody>
-          <a:bodyPr wrap="square" rtlCol="0">
-            <a:spAutoFit/>
-          </a:bodyPr>
-          <a:lstStyle/>
-          <a:p>
-            <a:pPr algn="ctr"/>
-            <a:r>
-              <a:rPr lang="en-GB" dirty="0"/>
-              <a:t>GPSA</a:t>
-            </a:r>
-          </a:p>
-          <a:p>
-            <a:pPr algn="ctr"/>
-            <a:r>
-              <a:rPr lang="en-GB" dirty="0"/>
-              <a:t>(</a:t>
-            </a:r>
-            <a:r>
-              <a:rPr lang="en-GB" dirty="0" err="1"/>
-              <a:t>gpsa</a:t>
-            </a:r>
-            <a:r>
-              <a:rPr lang="en-GB" dirty="0"/>
-              <a:t> app)</a:t>
-            </a:r>
-          </a:p>
-        </p:txBody>
-      </p:sp>
-      <p:sp>
-        <p:nvSpPr>
-          <p:cNvPr id="8" name="TextBox 7">
-            <a:extLst>
-              <a:ext uri="{FF2B5EF4-FFF2-40B4-BE49-F238E27FC236}">
-                <a16:creationId xmlns:a16="http://schemas.microsoft.com/office/drawing/2014/main" id="{518F9AC7-1FB7-5E43-AB52-E8E4A2AD5D40}"/>
-              </a:ext>
-            </a:extLst>
-          </p:cNvPr>
-          <p:cNvSpPr txBox="1"/>
-          <p:nvPr/>
-        </p:nvSpPr>
-        <p:spPr>
-          <a:xfrm>
-            <a:off x="1070724" y="4119277"/>
-            <a:ext cx="2420471" cy="646331"/>
-          </a:xfrm>
-          <a:prstGeom prst="rect">
-            <a:avLst/>
-          </a:prstGeom>
-          <a:noFill/>
-          <a:ln w="38100">
-            <a:solidFill>
-              <a:schemeClr val="accent1"/>
-            </a:solidFill>
-          </a:ln>
-        </p:spPr>
-        <p:txBody>
-          <a:bodyPr wrap="square" rtlCol="0">
-            <a:spAutoFit/>
-          </a:bodyPr>
-          <a:lstStyle/>
-          <a:p>
-            <a:pPr algn="ctr"/>
-            <a:r>
-              <a:rPr lang="en-GB" dirty="0"/>
-              <a:t>Decimate meshes</a:t>
-            </a:r>
-          </a:p>
-          <a:p>
-            <a:pPr algn="ctr"/>
-            <a:r>
-              <a:rPr lang="en-GB" dirty="0"/>
-              <a:t>(R)</a:t>
-            </a:r>
-          </a:p>
-        </p:txBody>
-      </p:sp>
-      <p:sp>
-        <p:nvSpPr>
-          <p:cNvPr id="9" name="TextBox 8">
-            <a:extLst>
-              <a:ext uri="{FF2B5EF4-FFF2-40B4-BE49-F238E27FC236}">
-                <a16:creationId xmlns:a16="http://schemas.microsoft.com/office/drawing/2014/main" id="{FFB92835-1F62-784A-85B0-29EF80414EC9}"/>
-              </a:ext>
-            </a:extLst>
-          </p:cNvPr>
-          <p:cNvSpPr txBox="1"/>
-          <p:nvPr/>
-        </p:nvSpPr>
-        <p:spPr>
-          <a:xfrm>
-            <a:off x="4077818" y="4119277"/>
-            <a:ext cx="2420471" cy="646331"/>
-          </a:xfrm>
-          <a:prstGeom prst="rect">
-            <a:avLst/>
-          </a:prstGeom>
-          <a:noFill/>
-          <a:ln w="38100">
-            <a:solidFill>
-              <a:schemeClr val="accent1"/>
-            </a:solidFill>
-          </a:ln>
-        </p:spPr>
-        <p:txBody>
-          <a:bodyPr wrap="square" rtlCol="0">
-            <a:spAutoFit/>
-          </a:bodyPr>
-          <a:lstStyle/>
-          <a:p>
-            <a:pPr algn="ctr"/>
-            <a:r>
-              <a:rPr lang="en-GB" dirty="0"/>
-              <a:t>Procrustes analysis</a:t>
-            </a:r>
-          </a:p>
-          <a:p>
-            <a:pPr algn="ctr"/>
-            <a:r>
-              <a:rPr lang="en-GB" dirty="0"/>
-              <a:t>(R)</a:t>
-            </a:r>
-          </a:p>
-        </p:txBody>
-      </p:sp>
-      <p:sp>
-        <p:nvSpPr>
-          <p:cNvPr id="10" name="TextBox 9">
-            <a:extLst>
-              <a:ext uri="{FF2B5EF4-FFF2-40B4-BE49-F238E27FC236}">
-                <a16:creationId xmlns:a16="http://schemas.microsoft.com/office/drawing/2014/main" id="{42C57A9F-B974-604E-BC85-2079AD55526D}"/>
-              </a:ext>
-            </a:extLst>
-          </p:cNvPr>
-          <p:cNvSpPr txBox="1"/>
-          <p:nvPr/>
-        </p:nvSpPr>
-        <p:spPr>
-          <a:xfrm>
-            <a:off x="2581828" y="6665691"/>
-            <a:ext cx="2420471" cy="646331"/>
-          </a:xfrm>
-          <a:prstGeom prst="rect">
-            <a:avLst/>
-          </a:prstGeom>
-          <a:noFill/>
-          <a:ln w="38100">
-            <a:solidFill>
-              <a:schemeClr val="accent1"/>
-            </a:solidFill>
-          </a:ln>
-        </p:spPr>
-        <p:txBody>
-          <a:bodyPr wrap="square" rtlCol="0">
-            <a:spAutoFit/>
-          </a:bodyPr>
-          <a:lstStyle/>
-          <a:p>
-            <a:pPr algn="ctr"/>
-            <a:r>
-              <a:rPr lang="en-GB" dirty="0"/>
-              <a:t>HPCA</a:t>
-            </a:r>
-          </a:p>
-          <a:p>
-            <a:pPr algn="ctr"/>
-            <a:r>
-              <a:rPr lang="en-GB" dirty="0"/>
-              <a:t>(R)</a:t>
-            </a:r>
-          </a:p>
-        </p:txBody>
-      </p:sp>
-      <p:sp>
-        <p:nvSpPr>
-          <p:cNvPr id="11" name="TextBox 10">
-            <a:extLst>
-              <a:ext uri="{FF2B5EF4-FFF2-40B4-BE49-F238E27FC236}">
-                <a16:creationId xmlns:a16="http://schemas.microsoft.com/office/drawing/2014/main" id="{3420ED32-4A4C-C64D-966E-8C015CE6F6DA}"/>
-              </a:ext>
-            </a:extLst>
-          </p:cNvPr>
-          <p:cNvSpPr txBox="1"/>
-          <p:nvPr/>
-        </p:nvSpPr>
-        <p:spPr>
-          <a:xfrm>
-            <a:off x="2581827" y="7803334"/>
-            <a:ext cx="2420471" cy="369332"/>
-          </a:xfrm>
-          <a:prstGeom prst="rect">
-            <a:avLst/>
-          </a:prstGeom>
-          <a:noFill/>
-          <a:ln w="38100">
-            <a:solidFill>
-              <a:schemeClr val="accent1"/>
-            </a:solidFill>
-          </a:ln>
-        </p:spPr>
-        <p:txBody>
-          <a:bodyPr wrap="square" rtlCol="0">
-            <a:spAutoFit/>
-          </a:bodyPr>
-          <a:lstStyle/>
-          <a:p>
-            <a:pPr algn="ctr"/>
-            <a:r>
-              <a:rPr lang="en-GB" dirty="0"/>
-              <a:t>Plots</a:t>
-            </a:r>
-          </a:p>
-        </p:txBody>
-      </p:sp>
-      <p:sp>
-        <p:nvSpPr>
-          <p:cNvPr id="42" name="TextBox 41">
-            <a:extLst>
-              <a:ext uri="{FF2B5EF4-FFF2-40B4-BE49-F238E27FC236}">
-                <a16:creationId xmlns:a16="http://schemas.microsoft.com/office/drawing/2014/main" id="{7C7246CE-8009-9D49-877C-CBCE5696CDAB}"/>
-              </a:ext>
-            </a:extLst>
-          </p:cNvPr>
-          <p:cNvSpPr txBox="1"/>
-          <p:nvPr/>
-        </p:nvSpPr>
-        <p:spPr>
-          <a:xfrm>
-            <a:off x="384080" y="1584203"/>
-            <a:ext cx="524437" cy="523220"/>
-          </a:xfrm>
-          <a:prstGeom prst="rect">
-            <a:avLst/>
-          </a:prstGeom>
-          <a:solidFill>
-            <a:schemeClr val="bg1"/>
-          </a:solidFill>
-          <a:ln w="25400">
-            <a:solidFill>
-              <a:schemeClr val="bg2">
-                <a:lumMod val="75000"/>
-              </a:schemeClr>
-            </a:solidFill>
-          </a:ln>
-        </p:spPr>
-        <p:txBody>
-          <a:bodyPr wrap="square" rtlCol="0">
-            <a:spAutoFit/>
-          </a:bodyPr>
-          <a:lstStyle/>
-          <a:p>
-            <a:pPr algn="ctr"/>
-            <a:r>
-              <a:rPr lang="en-GB" sz="2800" dirty="0"/>
-              <a:t>a</a:t>
-            </a:r>
-          </a:p>
-        </p:txBody>
-      </p:sp>
-      <p:sp>
-        <p:nvSpPr>
-          <p:cNvPr id="43" name="TextBox 42">
-            <a:extLst>
-              <a:ext uri="{FF2B5EF4-FFF2-40B4-BE49-F238E27FC236}">
-                <a16:creationId xmlns:a16="http://schemas.microsoft.com/office/drawing/2014/main" id="{944C4EB5-077E-774D-9BF0-81D58264BA3D}"/>
-              </a:ext>
-            </a:extLst>
-          </p:cNvPr>
-          <p:cNvSpPr txBox="1"/>
-          <p:nvPr/>
-        </p:nvSpPr>
-        <p:spPr>
-          <a:xfrm>
-            <a:off x="5025834" y="1582420"/>
-            <a:ext cx="524437" cy="523220"/>
-          </a:xfrm>
-          <a:prstGeom prst="rect">
-            <a:avLst/>
-          </a:prstGeom>
-          <a:solidFill>
-            <a:schemeClr val="bg1"/>
-          </a:solidFill>
-          <a:ln w="25400">
-            <a:solidFill>
-              <a:schemeClr val="bg2">
-                <a:lumMod val="75000"/>
-              </a:schemeClr>
-            </a:solidFill>
-          </a:ln>
-        </p:spPr>
-        <p:txBody>
-          <a:bodyPr wrap="square" rtlCol="0">
-            <a:spAutoFit/>
-          </a:bodyPr>
-          <a:lstStyle/>
-          <a:p>
-            <a:pPr algn="ctr"/>
-            <a:r>
-              <a:rPr lang="en-GB" sz="2800" dirty="0"/>
-              <a:t>c</a:t>
-            </a:r>
-          </a:p>
-        </p:txBody>
-      </p:sp>
-      <p:sp>
-        <p:nvSpPr>
-          <p:cNvPr id="44" name="TextBox 43">
-            <a:extLst>
-              <a:ext uri="{FF2B5EF4-FFF2-40B4-BE49-F238E27FC236}">
-                <a16:creationId xmlns:a16="http://schemas.microsoft.com/office/drawing/2014/main" id="{396CD192-EB3F-7A45-934C-1159339B4E2C}"/>
-              </a:ext>
-            </a:extLst>
-          </p:cNvPr>
-          <p:cNvSpPr txBox="1"/>
-          <p:nvPr/>
-        </p:nvSpPr>
-        <p:spPr>
-          <a:xfrm>
-            <a:off x="2018740" y="1583085"/>
-            <a:ext cx="524437" cy="523220"/>
-          </a:xfrm>
-          <a:prstGeom prst="rect">
-            <a:avLst/>
-          </a:prstGeom>
-          <a:solidFill>
-            <a:schemeClr val="bg1"/>
-          </a:solidFill>
-          <a:ln w="25400">
-            <a:solidFill>
-              <a:schemeClr val="bg2">
-                <a:lumMod val="75000"/>
-              </a:schemeClr>
-            </a:solidFill>
-          </a:ln>
-        </p:spPr>
-        <p:txBody>
-          <a:bodyPr wrap="square" rtlCol="0">
-            <a:spAutoFit/>
-          </a:bodyPr>
-          <a:lstStyle/>
-          <a:p>
-            <a:pPr algn="ctr"/>
-            <a:r>
-              <a:rPr lang="en-GB" sz="2800" dirty="0"/>
-              <a:t>b</a:t>
-            </a:r>
-          </a:p>
-        </p:txBody>
-      </p:sp>
-      <p:sp>
-        <p:nvSpPr>
-          <p:cNvPr id="90" name="Rectangle 89">
-            <a:extLst>
-              <a:ext uri="{FF2B5EF4-FFF2-40B4-BE49-F238E27FC236}">
-                <a16:creationId xmlns:a16="http://schemas.microsoft.com/office/drawing/2014/main" id="{B990157A-77CB-2049-95D6-2FF5CD48459D}"/>
-              </a:ext>
-            </a:extLst>
-          </p:cNvPr>
-          <p:cNvSpPr/>
-          <p:nvPr/>
-        </p:nvSpPr>
-        <p:spPr>
-          <a:xfrm>
-            <a:off x="484094" y="8633012"/>
-            <a:ext cx="252000" cy="252000"/>
-          </a:xfrm>
-          <a:prstGeom prst="rect">
-            <a:avLst/>
-          </a:prstGeom>
-          <a:solidFill>
-            <a:schemeClr val="accent1"/>
-          </a:solidFill>
-        </p:spPr>
-        <p:style>
-          <a:lnRef idx="2">
-            <a:schemeClr val="accent1">
-              <a:shade val="50000"/>
-            </a:schemeClr>
-          </a:lnRef>
-          <a:fillRef idx="1">
-            <a:schemeClr val="accent1"/>
-          </a:fillRef>
-          <a:effectRef idx="0">
-            <a:schemeClr val="accent1"/>
-          </a:effectRef>
-          <a:fontRef idx="minor">
-            <a:schemeClr val="lt1"/>
-          </a:fontRef>
-        </p:style>
-        <p:txBody>
-          <a:bodyPr rtlCol="0" anchor="ctr"/>
-          <a:lstStyle/>
-          <a:p>
-            <a:pPr algn="ctr"/>
-            <a:endParaRPr lang="en-GB"/>
-          </a:p>
-        </p:txBody>
-      </p:sp>
-      <p:sp>
-        <p:nvSpPr>
-          <p:cNvPr id="91" name="Rectangle 90">
-            <a:extLst>
-              <a:ext uri="{FF2B5EF4-FFF2-40B4-BE49-F238E27FC236}">
-                <a16:creationId xmlns:a16="http://schemas.microsoft.com/office/drawing/2014/main" id="{81DE1D10-7A0A-F94D-885D-A3A1E07C3050}"/>
-              </a:ext>
-            </a:extLst>
-          </p:cNvPr>
-          <p:cNvSpPr/>
-          <p:nvPr/>
-        </p:nvSpPr>
-        <p:spPr>
-          <a:xfrm>
-            <a:off x="478211" y="9048617"/>
-            <a:ext cx="252000" cy="252000"/>
-          </a:xfrm>
-          <a:prstGeom prst="rect">
-            <a:avLst/>
-          </a:prstGeom>
-          <a:solidFill>
-            <a:schemeClr val="accent6"/>
-          </a:solidFill>
-        </p:spPr>
-        <p:style>
-          <a:lnRef idx="2">
-            <a:schemeClr val="accent1">
-              <a:shade val="50000"/>
-            </a:schemeClr>
-          </a:lnRef>
-          <a:fillRef idx="1">
-            <a:schemeClr val="accent1"/>
-          </a:fillRef>
-          <a:effectRef idx="0">
-            <a:schemeClr val="accent1"/>
-          </a:effectRef>
-          <a:fontRef idx="minor">
-            <a:schemeClr val="lt1"/>
-          </a:fontRef>
-        </p:style>
-        <p:txBody>
-          <a:bodyPr rtlCol="0" anchor="ctr"/>
-          <a:lstStyle/>
-          <a:p>
-            <a:pPr algn="ctr"/>
-            <a:endParaRPr lang="en-GB"/>
-          </a:p>
-        </p:txBody>
-      </p:sp>
-      <p:sp>
-        <p:nvSpPr>
-          <p:cNvPr id="92" name="Rectangle 91">
-            <a:extLst>
-              <a:ext uri="{FF2B5EF4-FFF2-40B4-BE49-F238E27FC236}">
-                <a16:creationId xmlns:a16="http://schemas.microsoft.com/office/drawing/2014/main" id="{C97D53F9-3F7C-694A-8609-55AEE5C9E76A}"/>
-              </a:ext>
-            </a:extLst>
-          </p:cNvPr>
-          <p:cNvSpPr/>
-          <p:nvPr/>
-        </p:nvSpPr>
-        <p:spPr>
-          <a:xfrm>
-            <a:off x="478211" y="9462247"/>
-            <a:ext cx="252000" cy="252000"/>
-          </a:xfrm>
-          <a:prstGeom prst="rect">
-            <a:avLst/>
-          </a:prstGeom>
-          <a:solidFill>
-            <a:schemeClr val="accent2"/>
-          </a:solidFill>
-        </p:spPr>
-        <p:style>
-          <a:lnRef idx="2">
-            <a:schemeClr val="accent1">
-              <a:shade val="50000"/>
-            </a:schemeClr>
-          </a:lnRef>
-          <a:fillRef idx="1">
-            <a:schemeClr val="accent1"/>
-          </a:fillRef>
-          <a:effectRef idx="0">
-            <a:schemeClr val="accent1"/>
-          </a:effectRef>
-          <a:fontRef idx="minor">
-            <a:schemeClr val="lt1"/>
-          </a:fontRef>
-        </p:style>
-        <p:txBody>
-          <a:bodyPr rtlCol="0" anchor="ctr"/>
-          <a:lstStyle/>
-          <a:p>
-            <a:pPr algn="ctr"/>
-            <a:endParaRPr lang="en-GB"/>
-          </a:p>
-        </p:txBody>
-      </p:sp>
-      <p:sp>
-        <p:nvSpPr>
-          <p:cNvPr id="93" name="TextBox 92">
-            <a:extLst>
-              <a:ext uri="{FF2B5EF4-FFF2-40B4-BE49-F238E27FC236}">
-                <a16:creationId xmlns:a16="http://schemas.microsoft.com/office/drawing/2014/main" id="{D6F4AB0B-BC97-374A-AD92-061A10C971B4}"/>
-              </a:ext>
-            </a:extLst>
-          </p:cNvPr>
-          <p:cNvSpPr txBox="1"/>
-          <p:nvPr/>
-        </p:nvSpPr>
-        <p:spPr>
-          <a:xfrm>
-            <a:off x="730211" y="8617810"/>
-            <a:ext cx="2358276" cy="369332"/>
-          </a:xfrm>
-          <a:prstGeom prst="rect">
-            <a:avLst/>
-          </a:prstGeom>
-          <a:noFill/>
-        </p:spPr>
-        <p:txBody>
-          <a:bodyPr wrap="square" rtlCol="0">
-            <a:spAutoFit/>
-          </a:bodyPr>
-          <a:lstStyle/>
-          <a:p>
-            <a:r>
-              <a:rPr lang="en-GB" dirty="0"/>
-              <a:t>R: </a:t>
-            </a:r>
-            <a:r>
-              <a:rPr lang="en-GB" i="1" dirty="0" err="1"/>
-              <a:t>bonespace</a:t>
-            </a:r>
-            <a:r>
-              <a:rPr lang="en-GB" dirty="0"/>
-              <a:t> package</a:t>
-            </a:r>
-          </a:p>
-        </p:txBody>
-      </p:sp>
-      <p:sp>
-        <p:nvSpPr>
-          <p:cNvPr id="94" name="TextBox 93">
-            <a:extLst>
-              <a:ext uri="{FF2B5EF4-FFF2-40B4-BE49-F238E27FC236}">
-                <a16:creationId xmlns:a16="http://schemas.microsoft.com/office/drawing/2014/main" id="{CC01AC26-2E1D-7542-812B-F80C54337796}"/>
-              </a:ext>
-            </a:extLst>
-          </p:cNvPr>
-          <p:cNvSpPr txBox="1"/>
-          <p:nvPr/>
-        </p:nvSpPr>
-        <p:spPr>
-          <a:xfrm>
-            <a:off x="730211" y="9040028"/>
-            <a:ext cx="3747660" cy="369332"/>
-          </a:xfrm>
-          <a:prstGeom prst="rect">
-            <a:avLst/>
-          </a:prstGeom>
-          <a:noFill/>
-        </p:spPr>
-        <p:txBody>
-          <a:bodyPr wrap="square" rtlCol="0">
-            <a:spAutoFit/>
-          </a:bodyPr>
-          <a:lstStyle/>
-          <a:p>
-            <a:r>
-              <a:rPr lang="en-GB" dirty="0"/>
-              <a:t>R: existing package (e.g. </a:t>
-            </a:r>
-            <a:r>
-              <a:rPr lang="en-GB" dirty="0" err="1"/>
-              <a:t>geomorph</a:t>
-            </a:r>
-            <a:r>
-              <a:rPr lang="en-GB" dirty="0"/>
-              <a:t>)</a:t>
-            </a:r>
-          </a:p>
-        </p:txBody>
-      </p:sp>
-      <p:sp>
-        <p:nvSpPr>
-          <p:cNvPr id="95" name="TextBox 94">
-            <a:extLst>
-              <a:ext uri="{FF2B5EF4-FFF2-40B4-BE49-F238E27FC236}">
-                <a16:creationId xmlns:a16="http://schemas.microsoft.com/office/drawing/2014/main" id="{162E6BF6-A5E4-C74E-9617-B1D133234E01}"/>
-              </a:ext>
-            </a:extLst>
-          </p:cNvPr>
-          <p:cNvSpPr txBox="1"/>
-          <p:nvPr/>
-        </p:nvSpPr>
-        <p:spPr>
-          <a:xfrm>
-            <a:off x="735386" y="9417949"/>
-            <a:ext cx="2358276" cy="369332"/>
-          </a:xfrm>
-          <a:prstGeom prst="rect">
-            <a:avLst/>
-          </a:prstGeom>
-          <a:noFill/>
-        </p:spPr>
-        <p:txBody>
-          <a:bodyPr wrap="square" rtlCol="0">
-            <a:spAutoFit/>
-          </a:bodyPr>
-          <a:lstStyle/>
-          <a:p>
-            <a:r>
-              <a:rPr lang="en-GB" dirty="0"/>
-              <a:t>External software</a:t>
-            </a:r>
-          </a:p>
-        </p:txBody>
-      </p:sp>
-      <p:grpSp>
-        <p:nvGrpSpPr>
-          <p:cNvPr id="39" name="Group 38">
-            <a:extLst>
-              <a:ext uri="{FF2B5EF4-FFF2-40B4-BE49-F238E27FC236}">
-                <a16:creationId xmlns:a16="http://schemas.microsoft.com/office/drawing/2014/main" id="{A9EDF15C-9E84-0847-88D9-CBBE433D39A9}"/>
-              </a:ext>
-            </a:extLst>
-          </p:cNvPr>
-          <p:cNvGrpSpPr/>
-          <p:nvPr/>
-        </p:nvGrpSpPr>
-        <p:grpSpPr>
-          <a:xfrm>
-            <a:off x="4080225" y="3039265"/>
-            <a:ext cx="2420471" cy="646331"/>
-            <a:chOff x="1070724" y="3043512"/>
-            <a:chExt cx="2420471" cy="646331"/>
-          </a:xfrm>
-        </p:grpSpPr>
-        <p:cxnSp>
-          <p:nvCxnSpPr>
-            <p:cNvPr id="40" name="Straight Connector 39">
-              <a:extLst>
-                <a:ext uri="{FF2B5EF4-FFF2-40B4-BE49-F238E27FC236}">
-                  <a16:creationId xmlns:a16="http://schemas.microsoft.com/office/drawing/2014/main" id="{6166B9C4-9F73-6A4F-8EA0-B1D59EFBD707}"/>
-                </a:ext>
-              </a:extLst>
-            </p:cNvPr>
-            <p:cNvCxnSpPr/>
-            <p:nvPr/>
-          </p:nvCxnSpPr>
-          <p:spPr>
-            <a:xfrm flipV="1">
-              <a:off x="1070724" y="3043512"/>
-              <a:ext cx="0" cy="646331"/>
-            </a:xfrm>
-            <a:prstGeom prst="line">
-              <a:avLst/>
-            </a:prstGeom>
-            <a:ln w="38100">
-              <a:solidFill>
-                <a:schemeClr val="accent6"/>
-              </a:solidFill>
-            </a:ln>
-            <a:effectLst/>
-          </p:spPr>
-          <p:style>
-            <a:lnRef idx="1">
-              <a:schemeClr val="accent1"/>
-            </a:lnRef>
-            <a:fillRef idx="0">
-              <a:schemeClr val="accent1"/>
-            </a:fillRef>
-            <a:effectRef idx="0">
-              <a:schemeClr val="accent1"/>
-            </a:effectRef>
-            <a:fontRef idx="minor">
-              <a:schemeClr val="tx1"/>
-            </a:fontRef>
-          </p:style>
-        </p:cxnSp>
-        <p:cxnSp>
-          <p:nvCxnSpPr>
-            <p:cNvPr id="41" name="Straight Connector 40">
-              <a:extLst>
-                <a:ext uri="{FF2B5EF4-FFF2-40B4-BE49-F238E27FC236}">
-                  <a16:creationId xmlns:a16="http://schemas.microsoft.com/office/drawing/2014/main" id="{B1A4FB2A-F6CA-FF41-944F-C827ECD580AF}"/>
-                </a:ext>
-              </a:extLst>
-            </p:cNvPr>
-            <p:cNvCxnSpPr>
-              <a:cxnSpLocks/>
-            </p:cNvCxnSpPr>
-            <p:nvPr/>
-          </p:nvCxnSpPr>
-          <p:spPr>
-            <a:xfrm flipH="1">
-              <a:off x="1070724" y="3043512"/>
-              <a:ext cx="2420471" cy="0"/>
-            </a:xfrm>
-            <a:prstGeom prst="line">
-              <a:avLst/>
-            </a:prstGeom>
-            <a:ln w="38100">
-              <a:solidFill>
-                <a:schemeClr val="accent6"/>
-              </a:solidFill>
-            </a:ln>
-            <a:effectLst/>
-          </p:spPr>
-          <p:style>
-            <a:lnRef idx="1">
-              <a:schemeClr val="accent1"/>
-            </a:lnRef>
-            <a:fillRef idx="0">
-              <a:schemeClr val="accent1"/>
-            </a:fillRef>
-            <a:effectRef idx="0">
-              <a:schemeClr val="accent1"/>
-            </a:effectRef>
-            <a:fontRef idx="minor">
-              <a:schemeClr val="tx1"/>
-            </a:fontRef>
-          </p:style>
-        </p:cxnSp>
-        <p:cxnSp>
-          <p:nvCxnSpPr>
-            <p:cNvPr id="45" name="Straight Connector 44">
-              <a:extLst>
-                <a:ext uri="{FF2B5EF4-FFF2-40B4-BE49-F238E27FC236}">
-                  <a16:creationId xmlns:a16="http://schemas.microsoft.com/office/drawing/2014/main" id="{0E0EEB61-AEAE-4742-A3A7-1EC992016803}"/>
-                </a:ext>
-              </a:extLst>
-            </p:cNvPr>
-            <p:cNvCxnSpPr>
-              <a:cxnSpLocks/>
-            </p:cNvCxnSpPr>
-            <p:nvPr/>
-          </p:nvCxnSpPr>
-          <p:spPr>
-            <a:xfrm flipH="1">
-              <a:off x="1070724" y="3689843"/>
-              <a:ext cx="2420471" cy="0"/>
-            </a:xfrm>
-            <a:prstGeom prst="line">
-              <a:avLst/>
-            </a:prstGeom>
-            <a:ln w="38100">
-              <a:solidFill>
-                <a:schemeClr val="accent2"/>
-              </a:solidFill>
-            </a:ln>
-            <a:effectLst/>
-          </p:spPr>
-          <p:style>
-            <a:lnRef idx="1">
-              <a:schemeClr val="accent1"/>
-            </a:lnRef>
-            <a:fillRef idx="0">
-              <a:schemeClr val="accent1"/>
-            </a:fillRef>
-            <a:effectRef idx="0">
-              <a:schemeClr val="accent1"/>
-            </a:effectRef>
-            <a:fontRef idx="minor">
-              <a:schemeClr val="tx1"/>
-            </a:fontRef>
-          </p:style>
-        </p:cxnSp>
-        <p:cxnSp>
-          <p:nvCxnSpPr>
-            <p:cNvPr id="46" name="Straight Connector 45">
-              <a:extLst>
-                <a:ext uri="{FF2B5EF4-FFF2-40B4-BE49-F238E27FC236}">
-                  <a16:creationId xmlns:a16="http://schemas.microsoft.com/office/drawing/2014/main" id="{0145AB7A-E4C6-8841-8CC4-4FE11A1E2767}"/>
-                </a:ext>
-              </a:extLst>
-            </p:cNvPr>
-            <p:cNvCxnSpPr/>
-            <p:nvPr/>
-          </p:nvCxnSpPr>
-          <p:spPr>
-            <a:xfrm flipV="1">
-              <a:off x="3491195" y="3043512"/>
-              <a:ext cx="0" cy="646331"/>
-            </a:xfrm>
-            <a:prstGeom prst="line">
-              <a:avLst/>
-            </a:prstGeom>
-            <a:ln w="38100">
-              <a:solidFill>
-                <a:schemeClr val="accent2"/>
-              </a:solidFill>
-            </a:ln>
-            <a:effectLst/>
-          </p:spPr>
-          <p:style>
-            <a:lnRef idx="1">
-              <a:schemeClr val="accent1"/>
-            </a:lnRef>
-            <a:fillRef idx="0">
-              <a:schemeClr val="accent1"/>
-            </a:fillRef>
-            <a:effectRef idx="0">
-              <a:schemeClr val="accent1"/>
-            </a:effectRef>
-            <a:fontRef idx="minor">
-              <a:schemeClr val="tx1"/>
-            </a:fontRef>
-          </p:style>
-        </p:cxnSp>
-      </p:grpSp>
-    </p:spTree>
-    <p:extLst>
-      <p:ext uri="{BB962C8B-B14F-4D97-AF65-F5344CB8AC3E}">
-        <p14:creationId xmlns:p14="http://schemas.microsoft.com/office/powerpoint/2010/main" val="3820154782"/>
-      </p:ext>
-    </p:extLst>
-  </p:cSld>
-  <p:clrMapOvr>
-    <a:masterClrMapping/>
-  </p:clrMapOvr>
-</p:sld>
-</file>
-
-<file path=ppt/slides/slide2.xml><?xml version="1.0" encoding="utf-8"?>
-<p:sld xmlns:a="http://schemas.openxmlformats.org/drawingml/2006/main" xmlns:r="http://schemas.openxmlformats.org/officeDocument/2006/relationships" xmlns:p="http://schemas.openxmlformats.org/presentationml/2006/main">
-  <p:cSld>
-    <p:spTree>
-      <p:nvGrpSpPr>
-        <p:cNvPr id="1" name=""/>
-        <p:cNvGrpSpPr/>
-        <p:nvPr/>
-      </p:nvGrpSpPr>
-      <p:grpSpPr>
-        <a:xfrm>
-          <a:off x="0" y="0"/>
-          <a:ext cx="0" cy="0"/>
-          <a:chOff x="0" y="0"/>
-          <a:chExt cx="0" cy="0"/>
-        </a:xfrm>
-      </p:grpSpPr>
-      <p:sp>
-        <p:nvSpPr>
-          <p:cNvPr id="7" name="TextBox 6">
-            <a:extLst>
-              <a:ext uri="{FF2B5EF4-FFF2-40B4-BE49-F238E27FC236}">
-                <a16:creationId xmlns:a16="http://schemas.microsoft.com/office/drawing/2014/main" id="{FC1548A6-B34A-B64E-AAF2-355765E46F2F}"/>
-              </a:ext>
-            </a:extLst>
-          </p:cNvPr>
-          <p:cNvSpPr txBox="1"/>
-          <p:nvPr/>
-        </p:nvSpPr>
-        <p:spPr>
-          <a:xfrm>
-            <a:off x="1070724" y="3043512"/>
-            <a:ext cx="2420471" cy="646331"/>
-          </a:xfrm>
-          <a:prstGeom prst="rect">
-            <a:avLst/>
-          </a:prstGeom>
-          <a:noFill/>
-          <a:ln w="38100">
-            <a:gradFill flip="none" rotWithShape="1">
-              <a:gsLst>
-                <a:gs pos="89000">
-                  <a:schemeClr val="accent2"/>
-                </a:gs>
-                <a:gs pos="0">
-                  <a:schemeClr val="accent2"/>
-                </a:gs>
-                <a:gs pos="100000">
-                  <a:schemeClr val="accent1"/>
-                </a:gs>
-              </a:gsLst>
-              <a:path path="rect">
-                <a:fillToRect l="100000" t="100000"/>
-              </a:path>
-              <a:tileRect r="-100000" b="-100000"/>
-            </a:gradFill>
-          </a:ln>
-        </p:spPr>
-        <p:txBody>
-          <a:bodyPr wrap="square" rtlCol="0">
-            <a:spAutoFit/>
-          </a:bodyPr>
-          <a:lstStyle/>
-          <a:p>
-            <a:pPr algn="ctr"/>
-            <a:r>
-              <a:rPr lang="en-GB" dirty="0" err="1"/>
-              <a:t>Retopologise</a:t>
-            </a:r>
-            <a:r>
-              <a:rPr lang="en-GB" dirty="0"/>
-              <a:t> models</a:t>
-            </a:r>
-          </a:p>
-          <a:p>
-            <a:pPr algn="ctr"/>
-            <a:r>
-              <a:rPr lang="en-GB" dirty="0"/>
-              <a:t>(e.g. R, Instant Meshes)</a:t>
-            </a:r>
-          </a:p>
-        </p:txBody>
-      </p:sp>
-      <p:grpSp>
-        <p:nvGrpSpPr>
-          <p:cNvPr id="17" name="Group 16">
-            <a:extLst>
-              <a:ext uri="{FF2B5EF4-FFF2-40B4-BE49-F238E27FC236}">
-                <a16:creationId xmlns:a16="http://schemas.microsoft.com/office/drawing/2014/main" id="{8D974FCF-33AE-9C4E-88F0-4970230C7244}"/>
-              </a:ext>
-            </a:extLst>
-          </p:cNvPr>
-          <p:cNvGrpSpPr/>
-          <p:nvPr/>
-        </p:nvGrpSpPr>
-        <p:grpSpPr>
-          <a:xfrm>
-            <a:off x="1070724" y="3043512"/>
-            <a:ext cx="2420471" cy="646331"/>
+            <a:off x="3045494" y="2592075"/>
+            <a:ext cx="3256515" cy="702464"/>
             <a:chOff x="1070724" y="3043512"/>
             <a:chExt cx="2420471" cy="646331"/>
           </a:xfrm>
@@ -4917,8 +3361,8 @@
         </p:nvCxnSpPr>
         <p:spPr>
           <a:xfrm rot="10800000" flipV="1">
-            <a:off x="2280960" y="685798"/>
-            <a:ext cx="324402" cy="2357714"/>
+            <a:off x="4673752" y="692490"/>
+            <a:ext cx="436453" cy="1899584"/>
           </a:xfrm>
           <a:prstGeom prst="bentConnector2">
             <a:avLst/>
@@ -4965,8 +3409,8 @@
         </p:nvCxnSpPr>
         <p:spPr>
           <a:xfrm>
-            <a:off x="5025833" y="685798"/>
-            <a:ext cx="262223" cy="2357715"/>
+            <a:off x="8366719" y="692490"/>
+            <a:ext cx="352796" cy="1899586"/>
           </a:xfrm>
           <a:prstGeom prst="bentConnector2">
             <a:avLst/>
@@ -5013,8 +3457,8 @@
         </p:nvCxnSpPr>
         <p:spPr>
           <a:xfrm>
-            <a:off x="2280960" y="3689843"/>
-            <a:ext cx="0" cy="491312"/>
+            <a:off x="4673751" y="3295728"/>
+            <a:ext cx="1" cy="864856"/>
           </a:xfrm>
           <a:prstGeom prst="straightConnector1">
             <a:avLst/>
@@ -5060,8 +3504,8 @@
         </p:nvCxnSpPr>
         <p:spPr>
           <a:xfrm flipH="1">
-            <a:off x="5288054" y="3689844"/>
-            <a:ext cx="2" cy="429433"/>
+            <a:off x="8719512" y="3295730"/>
+            <a:ext cx="3" cy="864855"/>
           </a:xfrm>
           <a:prstGeom prst="straightConnector1">
             <a:avLst/>
@@ -5108,8 +3552,8 @@
         </p:nvCxnSpPr>
         <p:spPr>
           <a:xfrm rot="5400000">
-            <a:off x="4568389" y="5223053"/>
-            <a:ext cx="1177110" cy="262220"/>
+            <a:off x="7580711" y="5625023"/>
+            <a:ext cx="1899587" cy="378015"/>
           </a:xfrm>
           <a:prstGeom prst="bentConnector2">
             <a:avLst/>
@@ -5156,8 +3600,8 @@
         </p:nvCxnSpPr>
         <p:spPr>
           <a:xfrm rot="16200000" flipH="1">
-            <a:off x="1885545" y="5222900"/>
-            <a:ext cx="1115232" cy="324403"/>
+            <a:off x="3929572" y="5608416"/>
+            <a:ext cx="1899588" cy="411230"/>
           </a:xfrm>
           <a:prstGeom prst="bentConnector2">
             <a:avLst/>
@@ -5204,12 +3648,12 @@
         </p:nvCxnSpPr>
         <p:spPr>
           <a:xfrm rot="10800000" flipV="1">
-            <a:off x="1070724" y="685797"/>
-            <a:ext cx="1534638" cy="3818523"/>
+            <a:off x="3045496" y="692490"/>
+            <a:ext cx="2064710" cy="3819920"/>
           </a:xfrm>
           <a:prstGeom prst="bentConnector3">
             <a:avLst>
-              <a:gd name="adj1" fmla="val 125896"/>
+              <a:gd name="adj1" fmla="val 120005"/>
             </a:avLst>
           </a:prstGeom>
           <a:ln w="50800">
@@ -5253,8 +3697,8 @@
         </p:nvCxnSpPr>
         <p:spPr>
           <a:xfrm flipH="1">
-            <a:off x="3815598" y="6265883"/>
-            <a:ext cx="1" cy="491312"/>
+            <a:off x="6713239" y="7115651"/>
+            <a:ext cx="1" cy="885784"/>
           </a:xfrm>
           <a:prstGeom prst="straightConnector1">
             <a:avLst/>
@@ -5297,8 +3741,8 @@
         </p:nvSpPr>
         <p:spPr>
           <a:xfrm>
-            <a:off x="2605362" y="362632"/>
-            <a:ext cx="2420471" cy="646331"/>
+            <a:off x="5110204" y="340663"/>
+            <a:ext cx="3256515" cy="703653"/>
           </a:xfrm>
           <a:prstGeom prst="rect">
             <a:avLst/>
@@ -5318,14 +3762,20 @@
           <a:p>
             <a:pPr algn="ctr"/>
             <a:r>
-              <a:rPr lang="en-GB" dirty="0"/>
+              <a:rPr lang="en-GB" dirty="0">
+                <a:latin typeface="Arial" panose="020B0604020202020204" pitchFamily="34" charset="0"/>
+                <a:cs typeface="Arial" panose="020B0604020202020204" pitchFamily="34" charset="0"/>
+              </a:rPr>
               <a:t>Obtain 3D models</a:t>
             </a:r>
           </a:p>
           <a:p>
             <a:pPr algn="ctr"/>
             <a:r>
-              <a:rPr lang="en-GB" dirty="0"/>
+              <a:rPr lang="en-GB" dirty="0">
+                <a:latin typeface="Arial" panose="020B0604020202020204" pitchFamily="34" charset="0"/>
+                <a:cs typeface="Arial" panose="020B0604020202020204" pitchFamily="34" charset="0"/>
+              </a:rPr>
               <a:t>(e.g. surface scan, CT)</a:t>
             </a:r>
           </a:p>
@@ -5345,31 +3795,15 @@
         </p:nvSpPr>
         <p:spPr>
           <a:xfrm>
-            <a:off x="4077820" y="3043513"/>
-            <a:ext cx="2420471" cy="646331"/>
+            <a:off x="7091258" y="2592076"/>
+            <a:ext cx="3256515" cy="703653"/>
           </a:xfrm>
           <a:prstGeom prst="rect">
             <a:avLst/>
           </a:prstGeom>
           <a:noFill/>
           <a:ln w="38100">
-            <a:gradFill flip="none" rotWithShape="1">
-              <a:gsLst>
-                <a:gs pos="89000">
-                  <a:srgbClr val="DF7C3D"/>
-                </a:gs>
-                <a:gs pos="0">
-                  <a:schemeClr val="accent2"/>
-                </a:gs>
-                <a:gs pos="100000">
-                  <a:schemeClr val="accent6"/>
-                </a:gs>
-              </a:gsLst>
-              <a:path path="rect">
-                <a:fillToRect l="100000" t="100000"/>
-              </a:path>
-              <a:tileRect r="-100000" b="-100000"/>
-            </a:gradFill>
+            <a:noFill/>
           </a:ln>
         </p:spPr>
         <p:txBody>
@@ -5380,14 +3814,20 @@
           <a:p>
             <a:pPr algn="ctr"/>
             <a:r>
-              <a:rPr lang="en-GB" dirty="0"/>
+              <a:rPr lang="en-GB" dirty="0">
+                <a:latin typeface="Arial" panose="020B0604020202020204" pitchFamily="34" charset="0"/>
+                <a:cs typeface="Arial" panose="020B0604020202020204" pitchFamily="34" charset="0"/>
+              </a:rPr>
               <a:t>Apply landmarks</a:t>
             </a:r>
           </a:p>
           <a:p>
             <a:pPr algn="ctr"/>
             <a:r>
-              <a:rPr lang="en-GB" dirty="0"/>
+              <a:rPr lang="en-GB" dirty="0">
+                <a:latin typeface="Arial" panose="020B0604020202020204" pitchFamily="34" charset="0"/>
+                <a:cs typeface="Arial" panose="020B0604020202020204" pitchFamily="34" charset="0"/>
+              </a:rPr>
               <a:t>(e.g. R, IDAV)</a:t>
             </a:r>
           </a:p>
@@ -5407,8 +3847,8 @@
         </p:nvSpPr>
         <p:spPr>
           <a:xfrm>
-            <a:off x="1070724" y="4181155"/>
-            <a:ext cx="2420471" cy="646331"/>
+            <a:off x="3045495" y="4160583"/>
+            <a:ext cx="3256515" cy="703653"/>
           </a:xfrm>
           <a:prstGeom prst="rect">
             <a:avLst/>
@@ -5428,22 +3868,34 @@
           <a:p>
             <a:pPr algn="ctr"/>
             <a:r>
-              <a:rPr lang="en-GB" dirty="0"/>
+              <a:rPr lang="en-GB" dirty="0">
+                <a:latin typeface="Arial" panose="020B0604020202020204" pitchFamily="34" charset="0"/>
+                <a:cs typeface="Arial" panose="020B0604020202020204" pitchFamily="34" charset="0"/>
+              </a:rPr>
               <a:t>GPSA</a:t>
             </a:r>
           </a:p>
           <a:p>
             <a:pPr algn="ctr"/>
             <a:r>
-              <a:rPr lang="en-GB" dirty="0"/>
+              <a:rPr lang="en-GB" dirty="0">
+                <a:latin typeface="Arial" panose="020B0604020202020204" pitchFamily="34" charset="0"/>
+                <a:cs typeface="Arial" panose="020B0604020202020204" pitchFamily="34" charset="0"/>
+              </a:rPr>
               <a:t>(</a:t>
             </a:r>
             <a:r>
-              <a:rPr lang="en-GB" dirty="0" err="1"/>
+              <a:rPr lang="en-GB" dirty="0" err="1">
+                <a:latin typeface="Arial" panose="020B0604020202020204" pitchFamily="34" charset="0"/>
+                <a:cs typeface="Arial" panose="020B0604020202020204" pitchFamily="34" charset="0"/>
+              </a:rPr>
               <a:t>gpsa</a:t>
             </a:r>
             <a:r>
-              <a:rPr lang="en-GB" dirty="0"/>
+              <a:rPr lang="en-GB" dirty="0">
+                <a:latin typeface="Arial" panose="020B0604020202020204" pitchFamily="34" charset="0"/>
+                <a:cs typeface="Arial" panose="020B0604020202020204" pitchFamily="34" charset="0"/>
+              </a:rPr>
               <a:t> app)</a:t>
             </a:r>
           </a:p>
@@ -5463,8 +3915,8 @@
         </p:nvSpPr>
         <p:spPr>
           <a:xfrm>
-            <a:off x="4077818" y="4119277"/>
-            <a:ext cx="2420471" cy="646331"/>
+            <a:off x="7091254" y="4160584"/>
+            <a:ext cx="3256515" cy="703653"/>
           </a:xfrm>
           <a:prstGeom prst="rect">
             <a:avLst/>
@@ -5484,14 +3936,20 @@
           <a:p>
             <a:pPr algn="ctr"/>
             <a:r>
-              <a:rPr lang="en-GB" dirty="0"/>
+              <a:rPr lang="en-GB" dirty="0">
+                <a:latin typeface="Arial" panose="020B0604020202020204" pitchFamily="34" charset="0"/>
+                <a:cs typeface="Arial" panose="020B0604020202020204" pitchFamily="34" charset="0"/>
+              </a:rPr>
               <a:t>Procrustes analysis</a:t>
             </a:r>
           </a:p>
           <a:p>
             <a:pPr algn="ctr"/>
             <a:r>
-              <a:rPr lang="en-GB" dirty="0"/>
+              <a:rPr lang="en-GB" dirty="0">
+                <a:latin typeface="Arial" panose="020B0604020202020204" pitchFamily="34" charset="0"/>
+                <a:cs typeface="Arial" panose="020B0604020202020204" pitchFamily="34" charset="0"/>
+              </a:rPr>
               <a:t>(R)</a:t>
             </a:r>
           </a:p>
@@ -5511,8 +3969,8 @@
         </p:nvSpPr>
         <p:spPr>
           <a:xfrm>
-            <a:off x="2605363" y="5619552"/>
-            <a:ext cx="2420471" cy="646331"/>
+            <a:off x="5084982" y="6411998"/>
+            <a:ext cx="3256515" cy="703653"/>
           </a:xfrm>
           <a:prstGeom prst="rect">
             <a:avLst/>
@@ -5532,14 +3990,20 @@
           <a:p>
             <a:pPr algn="ctr"/>
             <a:r>
-              <a:rPr lang="en-GB" dirty="0"/>
-              <a:t>HPCA</a:t>
+              <a:rPr lang="en-GB" dirty="0">
+                <a:latin typeface="Arial" panose="020B0604020202020204" pitchFamily="34" charset="0"/>
+                <a:cs typeface="Arial" panose="020B0604020202020204" pitchFamily="34" charset="0"/>
+              </a:rPr>
+              <a:t>RGCCA</a:t>
             </a:r>
           </a:p>
           <a:p>
             <a:pPr algn="ctr"/>
             <a:r>
-              <a:rPr lang="en-GB" dirty="0"/>
+              <a:rPr lang="en-GB" dirty="0">
+                <a:latin typeface="Arial" panose="020B0604020202020204" pitchFamily="34" charset="0"/>
+                <a:cs typeface="Arial" panose="020B0604020202020204" pitchFamily="34" charset="0"/>
+              </a:rPr>
               <a:t>(R)</a:t>
             </a:r>
           </a:p>
@@ -5559,8 +4023,8 @@
         </p:nvSpPr>
         <p:spPr>
           <a:xfrm>
-            <a:off x="2605362" y="6757195"/>
-            <a:ext cx="2420471" cy="646331"/>
+            <a:off x="5084981" y="8001435"/>
+            <a:ext cx="3256515" cy="703653"/>
           </a:xfrm>
           <a:prstGeom prst="rect">
             <a:avLst/>
@@ -5580,150 +4044,21 @@
           <a:p>
             <a:pPr algn="ctr"/>
             <a:r>
-              <a:rPr lang="en-GB" dirty="0"/>
+              <a:rPr lang="en-GB" dirty="0">
+                <a:latin typeface="Arial" panose="020B0604020202020204" pitchFamily="34" charset="0"/>
+                <a:cs typeface="Arial" panose="020B0604020202020204" pitchFamily="34" charset="0"/>
+              </a:rPr>
               <a:t>Plots</a:t>
             </a:r>
           </a:p>
           <a:p>
             <a:pPr algn="ctr"/>
             <a:r>
-              <a:rPr lang="en-GB" dirty="0"/>
+              <a:rPr lang="en-GB" dirty="0">
+                <a:latin typeface="Arial" panose="020B0604020202020204" pitchFamily="34" charset="0"/>
+                <a:cs typeface="Arial" panose="020B0604020202020204" pitchFamily="34" charset="0"/>
+              </a:rPr>
               <a:t>(R)</a:t>
-            </a:r>
-          </a:p>
-        </p:txBody>
-      </p:sp>
-      <p:sp>
-        <p:nvSpPr>
-          <p:cNvPr id="42" name="TextBox 41">
-            <a:extLst>
-              <a:ext uri="{FF2B5EF4-FFF2-40B4-BE49-F238E27FC236}">
-                <a16:creationId xmlns:a16="http://schemas.microsoft.com/office/drawing/2014/main" id="{7C7246CE-8009-9D49-877C-CBCE5696CDAB}"/>
-              </a:ext>
-            </a:extLst>
-          </p:cNvPr>
-          <p:cNvSpPr txBox="1"/>
-          <p:nvPr/>
-        </p:nvSpPr>
-        <p:spPr>
-          <a:xfrm>
-            <a:off x="384080" y="1584203"/>
-            <a:ext cx="524437" cy="523220"/>
-          </a:xfrm>
-          <a:prstGeom prst="rect">
-            <a:avLst/>
-          </a:prstGeom>
-          <a:solidFill>
-            <a:schemeClr val="bg1"/>
-          </a:solidFill>
-          <a:ln w="25400">
-            <a:solidFill>
-              <a:schemeClr val="bg2">
-                <a:lumMod val="75000"/>
-              </a:schemeClr>
-            </a:solidFill>
-          </a:ln>
-        </p:spPr>
-        <p:txBody>
-          <a:bodyPr wrap="square" rtlCol="0">
-            <a:spAutoFit/>
-          </a:bodyPr>
-          <a:lstStyle/>
-          <a:p>
-            <a:pPr algn="ctr"/>
-            <a:r>
-              <a:rPr lang="en-GB" sz="2800" dirty="0"/>
-              <a:t>a</a:t>
-            </a:r>
-          </a:p>
-        </p:txBody>
-      </p:sp>
-      <p:sp>
-        <p:nvSpPr>
-          <p:cNvPr id="43" name="TextBox 42">
-            <a:extLst>
-              <a:ext uri="{FF2B5EF4-FFF2-40B4-BE49-F238E27FC236}">
-                <a16:creationId xmlns:a16="http://schemas.microsoft.com/office/drawing/2014/main" id="{944C4EB5-077E-774D-9BF0-81D58264BA3D}"/>
-              </a:ext>
-            </a:extLst>
-          </p:cNvPr>
-          <p:cNvSpPr txBox="1"/>
-          <p:nvPr/>
-        </p:nvSpPr>
-        <p:spPr>
-          <a:xfrm>
-            <a:off x="5025834" y="1582420"/>
-            <a:ext cx="524437" cy="523220"/>
-          </a:xfrm>
-          <a:prstGeom prst="rect">
-            <a:avLst/>
-          </a:prstGeom>
-          <a:solidFill>
-            <a:schemeClr val="bg1"/>
-          </a:solidFill>
-          <a:ln w="25400">
-            <a:solidFill>
-              <a:schemeClr val="bg2">
-                <a:lumMod val="75000"/>
-              </a:schemeClr>
-            </a:solidFill>
-          </a:ln>
-        </p:spPr>
-        <p:txBody>
-          <a:bodyPr wrap="square" rtlCol="0">
-            <a:spAutoFit/>
-          </a:bodyPr>
-          <a:lstStyle/>
-          <a:p>
-            <a:pPr algn="ctr"/>
-            <a:r>
-              <a:rPr lang="en-GB" sz="2800" dirty="0"/>
-              <a:t>c</a:t>
-            </a:r>
-          </a:p>
-        </p:txBody>
-      </p:sp>
-      <p:sp>
-        <p:nvSpPr>
-          <p:cNvPr id="44" name="TextBox 43">
-            <a:extLst>
-              <a:ext uri="{FF2B5EF4-FFF2-40B4-BE49-F238E27FC236}">
-                <a16:creationId xmlns:a16="http://schemas.microsoft.com/office/drawing/2014/main" id="{396CD192-EB3F-7A45-934C-1159339B4E2C}"/>
-              </a:ext>
-            </a:extLst>
-          </p:cNvPr>
-          <p:cNvSpPr txBox="1"/>
-          <p:nvPr/>
-        </p:nvSpPr>
-        <p:spPr>
-          <a:xfrm>
-            <a:off x="2018740" y="1583085"/>
-            <a:ext cx="524437" cy="523220"/>
-          </a:xfrm>
-          <a:prstGeom prst="rect">
-            <a:avLst/>
-          </a:prstGeom>
-          <a:solidFill>
-            <a:schemeClr val="bg1"/>
-          </a:solidFill>
-          <a:ln w="25400">
-            <a:solidFill>
-              <a:schemeClr val="bg2">
-                <a:lumMod val="75000"/>
-              </a:schemeClr>
-            </a:solidFill>
-          </a:ln>
-        </p:spPr>
-        <p:txBody>
-          <a:bodyPr wrap="square" rtlCol="0">
-            <a:spAutoFit/>
-          </a:bodyPr>
-          <a:lstStyle/>
-          <a:p>
-            <a:pPr algn="ctr"/>
-            <a:r>
-              <a:rPr lang="en-GB" sz="2800" dirty="0"/>
-              <a:t>b</a:t>
             </a:r>
           </a:p>
         </p:txBody>
@@ -5742,8 +4077,8 @@
         </p:nvSpPr>
         <p:spPr>
           <a:xfrm>
-            <a:off x="484094" y="8633012"/>
-            <a:ext cx="252000" cy="252000"/>
+            <a:off x="2550413" y="7154541"/>
+            <a:ext cx="220629" cy="373682"/>
           </a:xfrm>
           <a:prstGeom prst="rect">
             <a:avLst/>
@@ -5773,56 +4108,7 @@
           <a:lstStyle/>
           <a:p>
             <a:pPr algn="ctr"/>
-            <a:endParaRPr lang="en-GB"/>
-          </a:p>
-        </p:txBody>
-      </p:sp>
-      <p:sp>
-        <p:nvSpPr>
-          <p:cNvPr id="91" name="Rectangle 90">
-            <a:extLst>
-              <a:ext uri="{FF2B5EF4-FFF2-40B4-BE49-F238E27FC236}">
-                <a16:creationId xmlns:a16="http://schemas.microsoft.com/office/drawing/2014/main" id="{81DE1D10-7A0A-F94D-885D-A3A1E07C3050}"/>
-              </a:ext>
-            </a:extLst>
-          </p:cNvPr>
-          <p:cNvSpPr/>
-          <p:nvPr/>
-        </p:nvSpPr>
-        <p:spPr>
-          <a:xfrm>
-            <a:off x="478211" y="9048617"/>
-            <a:ext cx="252000" cy="252000"/>
-          </a:xfrm>
-          <a:prstGeom prst="rect">
-            <a:avLst/>
-          </a:prstGeom>
-          <a:solidFill>
-            <a:schemeClr val="accent6"/>
-          </a:solidFill>
-        </p:spPr>
-        <p:style>
-          <a:lnRef idx="2">
-            <a:schemeClr val="accent1">
-              <a:shade val="50000"/>
-            </a:schemeClr>
-          </a:lnRef>
-          <a:fillRef idx="1">
-            <a:schemeClr val="accent1"/>
-          </a:fillRef>
-          <a:effectRef idx="0">
-            <a:schemeClr val="accent1"/>
-          </a:effectRef>
-          <a:fontRef idx="minor">
-            <a:schemeClr val="lt1"/>
-          </a:fontRef>
-        </p:style>
-        <p:txBody>
-          <a:bodyPr rtlCol="0" anchor="ctr"/>
-          <a:lstStyle/>
-          <a:p>
-            <a:pPr algn="ctr"/>
-            <a:endParaRPr lang="en-GB"/>
+            <a:endParaRPr lang="en-GB" sz="1662"/>
           </a:p>
         </p:txBody>
       </p:sp>
@@ -5840,8 +4126,8 @@
         </p:nvSpPr>
         <p:spPr>
           <a:xfrm>
-            <a:off x="478211" y="9462247"/>
-            <a:ext cx="252000" cy="252000"/>
+            <a:off x="2550413" y="7681381"/>
+            <a:ext cx="220629" cy="373682"/>
           </a:xfrm>
           <a:prstGeom prst="rect">
             <a:avLst/>
@@ -5871,7 +4157,7 @@
           <a:lstStyle/>
           <a:p>
             <a:pPr algn="ctr"/>
-            <a:endParaRPr lang="en-GB"/>
+            <a:endParaRPr lang="en-GB" sz="1662"/>
           </a:p>
         </p:txBody>
       </p:sp>
@@ -5889,8 +4175,8 @@
         </p:nvSpPr>
         <p:spPr>
           <a:xfrm>
-            <a:off x="730211" y="8617810"/>
-            <a:ext cx="2358276" cy="369332"/>
+            <a:off x="2881539" y="7132000"/>
+            <a:ext cx="2064709" cy="378982"/>
           </a:xfrm>
           <a:prstGeom prst="rect">
             <a:avLst/>
@@ -5904,59 +4190,11 @@
           <a:lstStyle/>
           <a:p>
             <a:r>
-              <a:rPr lang="en-GB" dirty="0"/>
-              <a:t>R: </a:t>
-            </a:r>
-            <a:r>
-              <a:rPr lang="en-GB" i="1" dirty="0" err="1"/>
-              <a:t>bonespace</a:t>
-            </a:r>
-            <a:r>
-              <a:rPr lang="en-GB" dirty="0"/>
-              <a:t> package</a:t>
-            </a:r>
-          </a:p>
-        </p:txBody>
-      </p:sp>
-      <p:sp>
-        <p:nvSpPr>
-          <p:cNvPr id="94" name="TextBox 93">
-            <a:extLst>
-              <a:ext uri="{FF2B5EF4-FFF2-40B4-BE49-F238E27FC236}">
-                <a16:creationId xmlns:a16="http://schemas.microsoft.com/office/drawing/2014/main" id="{CC01AC26-2E1D-7542-812B-F80C54337796}"/>
-              </a:ext>
-            </a:extLst>
-          </p:cNvPr>
-          <p:cNvSpPr txBox="1"/>
-          <p:nvPr/>
-        </p:nvSpPr>
-        <p:spPr>
-          <a:xfrm>
-            <a:off x="730211" y="9040028"/>
-            <a:ext cx="3747660" cy="369332"/>
-          </a:xfrm>
-          <a:prstGeom prst="rect">
-            <a:avLst/>
-          </a:prstGeom>
-          <a:noFill/>
-        </p:spPr>
-        <p:txBody>
-          <a:bodyPr wrap="square" rtlCol="0">
-            <a:spAutoFit/>
-          </a:bodyPr>
-          <a:lstStyle/>
-          <a:p>
-            <a:r>
-              <a:rPr lang="en-GB" dirty="0"/>
-              <a:t>R: existing package (e.g. </a:t>
-            </a:r>
-            <a:r>
-              <a:rPr lang="en-GB" dirty="0" err="1"/>
-              <a:t>geomorph</a:t>
-            </a:r>
-            <a:r>
-              <a:rPr lang="en-GB" dirty="0"/>
-              <a:t>)</a:t>
+              <a:rPr lang="en-GB" sz="1662" dirty="0">
+                <a:latin typeface="Arial" panose="020B0604020202020204" pitchFamily="34" charset="0"/>
+                <a:cs typeface="Arial" panose="020B0604020202020204" pitchFamily="34" charset="0"/>
+              </a:rPr>
+              <a:t>R packages</a:t>
             </a:r>
           </a:p>
         </p:txBody>
@@ -5975,8 +4213,8 @@
         </p:nvSpPr>
         <p:spPr>
           <a:xfrm>
-            <a:off x="735386" y="9417949"/>
-            <a:ext cx="2358276" cy="369332"/>
+            <a:off x="2888502" y="7681381"/>
+            <a:ext cx="2064709" cy="378982"/>
           </a:xfrm>
           <a:prstGeom prst="rect">
             <a:avLst/>
@@ -5990,7 +4228,10 @@
           <a:lstStyle/>
           <a:p>
             <a:r>
-              <a:rPr lang="en-GB" dirty="0"/>
+              <a:rPr lang="en-GB" sz="1662" dirty="0">
+                <a:latin typeface="Arial" panose="020B0604020202020204" pitchFamily="34" charset="0"/>
+                <a:cs typeface="Arial" panose="020B0604020202020204" pitchFamily="34" charset="0"/>
+              </a:rPr>
               <a:t>External software</a:t>
             </a:r>
           </a:p>
@@ -6010,8 +4251,8 @@
         </p:nvGrpSpPr>
         <p:grpSpPr>
           <a:xfrm>
-            <a:off x="4080225" y="3039265"/>
-            <a:ext cx="2420471" cy="646331"/>
+            <a:off x="7094493" y="2585778"/>
+            <a:ext cx="3256515" cy="709952"/>
             <a:chOff x="1070724" y="3043512"/>
             <a:chExt cx="2420471" cy="646331"/>
           </a:xfrm>
@@ -6038,7 +4279,7 @@
             </a:prstGeom>
             <a:ln w="38100">
               <a:solidFill>
-                <a:schemeClr val="accent6"/>
+                <a:schemeClr val="accent1"/>
               </a:solidFill>
             </a:ln>
             <a:effectLst/>
@@ -6082,7 +4323,7 @@
             </a:prstGeom>
             <a:ln w="38100">
               <a:solidFill>
-                <a:schemeClr val="accent6"/>
+                <a:schemeClr val="accent1"/>
               </a:solidFill>
             </a:ln>
             <a:effectLst/>
